--- a/slides/AWS-EKS-Cluster-Quickstart.pptx
+++ b/slides/AWS-EKS-Cluster-Quickstart.pptx
@@ -4138,6 +4138,13 @@
   <p:clrMapOvr>
     <a:masterClrMapping/>
   </p:clrMapOvr>
+  <p:timing>
+    <p:tnLst>
+      <p:par>
+        <p:cTn id="1" dur="indefinite" restart="never" nodeType="tmRoot"/>
+      </p:par>
+    </p:tnLst>
+  </p:timing>
 </p:sld>
 </file>
 
@@ -4803,15 +4810,7 @@
             </a:pPr>
             <a:r>
               <a:rPr lang="en-US" dirty="0" smtClean="0"/>
-              <a:t>  An EC2 Instance in which to install kubectl, heptio-authenticator-aws, </a:t>
-            </a:r>
-            <a:r>
-              <a:rPr lang="en-US" dirty="0" smtClean="0"/>
-              <a:t>and awscli version </a:t>
-            </a:r>
-            <a:r>
-              <a:rPr lang="en-US" dirty="0" smtClean="0"/>
-              <a:t>1.15.x or greater</a:t>
+              <a:t>  An EC2 Instance in which to install kubectl, heptio-authenticator-aws, and awscli version 1.15.x or greater</a:t>
             </a:r>
           </a:p>
           <a:p>
@@ -4821,13 +4820,8 @@
             </a:pPr>
             <a:r>
               <a:rPr lang="en-US" dirty="0" smtClean="0"/>
-              <a:t>  </a:t>
-            </a:r>
-            <a:r>
-              <a:rPr lang="en-US" dirty="0" smtClean="0"/>
-              <a:t>Required Cluster Resources</a:t>
-            </a:r>
-            <a:endParaRPr lang="en-US" dirty="0" smtClean="0"/>
+              <a:t>  Required Cluster Resources</a:t>
+            </a:r>
           </a:p>
           <a:p>
             <a:pPr lvl="1">
@@ -4872,7 +4866,6 @@
               <a:rPr lang="en-US" dirty="0" smtClean="0"/>
               <a:t> Three AWS EC2 worker nodes (one for each AWS Availability Zone)</a:t>
             </a:r>
-            <a:endParaRPr lang="en-US" dirty="0" smtClean="0"/>
           </a:p>
           <a:p>
             <a:pPr>
@@ -5012,6 +5005,70 @@
           </a:extLst>
         </p:spPr>
       </p:pic>
+      <p:pic>
+        <p:nvPicPr>
+          <p:cNvPr id="1026" name="Picture 2"/>
+          <p:cNvPicPr>
+            <a:picLocks noChangeAspect="1" noChangeArrowheads="1"/>
+          </p:cNvPicPr>
+          <p:nvPr/>
+        </p:nvPicPr>
+        <p:blipFill>
+          <a:blip r:embed="rId3">
+            <a:extLst>
+              <a:ext uri="{28A0092B-C50C-407E-A947-70E740481C1C}">
+                <a14:useLocalDpi xmlns:a14="http://schemas.microsoft.com/office/drawing/2010/main" val="0"/>
+              </a:ext>
+            </a:extLst>
+          </a:blip>
+          <a:srcRect/>
+          <a:stretch>
+            <a:fillRect/>
+          </a:stretch>
+        </p:blipFill>
+        <p:spPr bwMode="auto">
+          <a:xfrm>
+            <a:off x="361697" y="1690941"/>
+            <a:ext cx="2076450" cy="676275"/>
+          </a:xfrm>
+          <a:prstGeom prst="rect">
+            <a:avLst/>
+          </a:prstGeom>
+          <a:noFill/>
+          <a:ln>
+            <a:noFill/>
+          </a:ln>
+          <a:effectLst/>
+          <a:extLst>
+            <a:ext uri="{909E8E84-426E-40DD-AFC4-6F175D3DCCD1}">
+              <a14:hiddenFill xmlns:a14="http://schemas.microsoft.com/office/drawing/2010/main">
+                <a:solidFill>
+                  <a:schemeClr val="accent1"/>
+                </a:solidFill>
+              </a14:hiddenFill>
+            </a:ext>
+            <a:ext uri="{91240B29-F687-4F45-9708-019B960494DF}">
+              <a14:hiddenLine xmlns:a14="http://schemas.microsoft.com/office/drawing/2010/main" w="9525">
+                <a:solidFill>
+                  <a:schemeClr val="tx1"/>
+                </a:solidFill>
+                <a:miter lim="800000"/>
+                <a:headEnd/>
+                <a:tailEnd/>
+              </a14:hiddenLine>
+            </a:ext>
+            <a:ext uri="{AF507438-7753-43E0-B8FC-AC1667EBCBE1}">
+              <a14:hiddenEffects xmlns:a14="http://schemas.microsoft.com/office/drawing/2010/main">
+                <a:effectLst>
+                  <a:outerShdw dist="35921" dir="2700000" algn="ctr" rotWithShape="0">
+                    <a:schemeClr val="bg2"/>
+                  </a:outerShdw>
+                </a:effectLst>
+              </a14:hiddenEffects>
+            </a:ext>
+          </a:extLst>
+        </p:spPr>
+      </p:pic>
     </p:spTree>
     <p:extLst>
       <p:ext uri="{BB962C8B-B14F-4D97-AF65-F5344CB8AC3E}">
@@ -5022,6 +5079,13 @@
   <p:clrMapOvr>
     <a:masterClrMapping/>
   </p:clrMapOvr>
+  <p:timing>
+    <p:tnLst>
+      <p:par>
+        <p:cTn id="1" dur="indefinite" restart="never" nodeType="tmRoot"/>
+      </p:par>
+    </p:tnLst>
+  </p:timing>
 </p:sld>
 </file>
 
@@ -5095,7 +5159,7 @@
         </p:blipFill>
         <p:spPr bwMode="auto">
           <a:xfrm>
-            <a:off x="404601" y="1480842"/>
+            <a:off x="274927" y="1344815"/>
             <a:ext cx="8529006" cy="5286800"/>
           </a:xfrm>
           <a:prstGeom prst="rect">
@@ -5146,6 +5210,13 @@
   <p:clrMapOvr>
     <a:masterClrMapping/>
   </p:clrMapOvr>
+  <p:timing>
+    <p:tnLst>
+      <p:par>
+        <p:cTn id="1" dur="indefinite" restart="never" nodeType="tmRoot"/>
+      </p:par>
+    </p:tnLst>
+  </p:timing>
 </p:sld>
 </file>
 
@@ -5460,21 +5531,8 @@
             </a:pPr>
             <a:r>
               <a:rPr lang="en-US" dirty="0" smtClean="0"/>
-              <a:t>  To save time AWS EKS </a:t>
-            </a:r>
-            <a:r>
-              <a:rPr lang="en-US" dirty="0" smtClean="0"/>
-              <a:t>Cluster has </a:t>
-            </a:r>
-            <a:r>
-              <a:rPr lang="en-US" dirty="0" smtClean="0"/>
-              <a:t>already been configured using the AWS Web </a:t>
-            </a:r>
-            <a:r>
-              <a:rPr lang="en-US" dirty="0" smtClean="0"/>
-              <a:t>Console, CloudFormation, a cloud-init script, and some manual configuration.</a:t>
-            </a:r>
-            <a:endParaRPr lang="en-US" dirty="0" smtClean="0"/>
+              <a:t>  To save time AWS EKS Cluster has already been configured using the AWS Web Console, CloudFormation, a cloud-init script, and some manual configuration.</a:t>
+            </a:r>
           </a:p>
           <a:p>
             <a:pPr>
@@ -5493,35 +5551,7 @@
             </a:pPr>
             <a:r>
               <a:rPr lang="en-US" dirty="0" smtClean="0"/>
-              <a:t>  </a:t>
-            </a:r>
-            <a:r>
-              <a:rPr lang="en-US" dirty="0" smtClean="0"/>
-              <a:t>Deploy an application using </a:t>
-            </a:r>
-            <a:r>
-              <a:rPr lang="en-US" dirty="0" smtClean="0"/>
-              <a:t>a docker image located in </a:t>
-            </a:r>
-            <a:r>
-              <a:rPr lang="en-US" dirty="0" smtClean="0"/>
-              <a:t>DockerHub </a:t>
-            </a:r>
-            <a:r>
-              <a:rPr lang="en-US" dirty="0" smtClean="0"/>
-              <a:t>at kskalvar/web. This image is nothing more than a simple webapp that returns the current ip address of the container it's running in. We'll create </a:t>
-            </a:r>
-            <a:r>
-              <a:rPr lang="en-US" dirty="0" smtClean="0"/>
-              <a:t>a pod, scale the pod, and create an </a:t>
-            </a:r>
-            <a:r>
-              <a:rPr lang="en-US" dirty="0" smtClean="0"/>
-              <a:t>external AWS Load Balancer using </a:t>
-            </a:r>
-            <a:r>
-              <a:rPr lang="en-US" dirty="0" smtClean="0"/>
-              <a:t>kubectl.</a:t>
+              <a:t>  Deploy an application using a docker image located in DockerHub at kskalvar/web. This image is nothing more than a simple webapp that returns the current ip address of the container it's running in. We'll create a pod, scale the pod, and create an external AWS Load Balancer using kubectl.</a:t>
             </a:r>
           </a:p>
           <a:p>
@@ -5535,15 +5565,7 @@
             </a:r>
             <a:r>
               <a:rPr lang="en-US" dirty="0" smtClean="0"/>
-              <a:t> Once the running the external load balancer is configured </a:t>
-            </a:r>
-            <a:r>
-              <a:rPr lang="en-US" dirty="0" smtClean="0"/>
-              <a:t>you </a:t>
-            </a:r>
-            <a:r>
-              <a:rPr lang="en-US" dirty="0" smtClean="0"/>
-              <a:t>should see a unique ip address as it is load balanced across containers.</a:t>
+              <a:t> Once the running the external load balancer is configured you should see a unique ip address as it is load balanced across containers.</a:t>
             </a:r>
           </a:p>
         </p:txBody>

--- a/slides/AWS-EKS-Cluster-Quickstart.pptx
+++ b/slides/AWS-EKS-Cluster-Quickstart.pptx
@@ -206,7 +206,7 @@
             <a:fld id="{814910AB-AEF0-414C-82CB-791080B1186B}" type="datetimeFigureOut">
               <a:rPr lang="en-US" smtClean="0"/>
               <a:pPr/>
-              <a:t>7/18/2018</a:t>
+              <a:t>7/19/2018</a:t>
             </a:fld>
             <a:endParaRPr lang="en-US" dirty="0"/>
           </a:p>
@@ -373,7 +373,7 @@
             <a:fld id="{5B4AE38D-E020-46F3-803D-8636C5B7B74E}" type="datetimeFigureOut">
               <a:rPr lang="en-US" smtClean="0"/>
               <a:pPr/>
-              <a:t>7/18/2018</a:t>
+              <a:t>7/19/2018</a:t>
             </a:fld>
             <a:endParaRPr lang="en-US" dirty="0"/>
           </a:p>
@@ -1201,7 +1201,7 @@
             <a:fld id="{7DDB771E-4AED-4DD3-8AA1-5D9FD2224F14}" type="datetimeFigureOut">
               <a:rPr lang="en-US" smtClean="0"/>
               <a:pPr/>
-              <a:t>7/18/2018</a:t>
+              <a:t>7/19/2018</a:t>
             </a:fld>
             <a:endParaRPr lang="en-US" dirty="0"/>
           </a:p>
@@ -1368,7 +1368,7 @@
             <a:fld id="{7DDB771E-4AED-4DD3-8AA1-5D9FD2224F14}" type="datetimeFigureOut">
               <a:rPr lang="en-US" smtClean="0"/>
               <a:pPr/>
-              <a:t>7/18/2018</a:t>
+              <a:t>7/19/2018</a:t>
             </a:fld>
             <a:endParaRPr lang="en-US" dirty="0"/>
           </a:p>
@@ -1545,7 +1545,7 @@
             <a:fld id="{7DDB771E-4AED-4DD3-8AA1-5D9FD2224F14}" type="datetimeFigureOut">
               <a:rPr lang="en-US" smtClean="0"/>
               <a:pPr/>
-              <a:t>7/18/2018</a:t>
+              <a:t>7/19/2018</a:t>
             </a:fld>
             <a:endParaRPr lang="en-US" dirty="0"/>
           </a:p>
@@ -1712,7 +1712,7 @@
             <a:fld id="{7DDB771E-4AED-4DD3-8AA1-5D9FD2224F14}" type="datetimeFigureOut">
               <a:rPr lang="en-US" smtClean="0"/>
               <a:pPr/>
-              <a:t>7/18/2018</a:t>
+              <a:t>7/19/2018</a:t>
             </a:fld>
             <a:endParaRPr lang="en-US" dirty="0"/>
           </a:p>
@@ -1955,7 +1955,7 @@
             <a:fld id="{7DDB771E-4AED-4DD3-8AA1-5D9FD2224F14}" type="datetimeFigureOut">
               <a:rPr lang="en-US" smtClean="0"/>
               <a:pPr/>
-              <a:t>7/18/2018</a:t>
+              <a:t>7/19/2018</a:t>
             </a:fld>
             <a:endParaRPr lang="en-US" dirty="0"/>
           </a:p>
@@ -2240,7 +2240,7 @@
             <a:fld id="{7DDB771E-4AED-4DD3-8AA1-5D9FD2224F14}" type="datetimeFigureOut">
               <a:rPr lang="en-US" smtClean="0"/>
               <a:pPr/>
-              <a:t>7/18/2018</a:t>
+              <a:t>7/19/2018</a:t>
             </a:fld>
             <a:endParaRPr lang="en-US" dirty="0"/>
           </a:p>
@@ -2659,7 +2659,7 @@
             <a:fld id="{7DDB771E-4AED-4DD3-8AA1-5D9FD2224F14}" type="datetimeFigureOut">
               <a:rPr lang="en-US" smtClean="0"/>
               <a:pPr/>
-              <a:t>7/18/2018</a:t>
+              <a:t>7/19/2018</a:t>
             </a:fld>
             <a:endParaRPr lang="en-US" dirty="0"/>
           </a:p>
@@ -2774,7 +2774,7 @@
             <a:fld id="{7DDB771E-4AED-4DD3-8AA1-5D9FD2224F14}" type="datetimeFigureOut">
               <a:rPr lang="en-US" smtClean="0"/>
               <a:pPr/>
-              <a:t>7/18/2018</a:t>
+              <a:t>7/19/2018</a:t>
             </a:fld>
             <a:endParaRPr lang="en-US" dirty="0"/>
           </a:p>
@@ -2866,7 +2866,7 @@
             <a:fld id="{7DDB771E-4AED-4DD3-8AA1-5D9FD2224F14}" type="datetimeFigureOut">
               <a:rPr lang="en-US" smtClean="0"/>
               <a:pPr/>
-              <a:t>7/18/2018</a:t>
+              <a:t>7/19/2018</a:t>
             </a:fld>
             <a:endParaRPr lang="en-US" dirty="0"/>
           </a:p>
@@ -3140,7 +3140,7 @@
             <a:fld id="{7DDB771E-4AED-4DD3-8AA1-5D9FD2224F14}" type="datetimeFigureOut">
               <a:rPr lang="en-US" smtClean="0"/>
               <a:pPr/>
-              <a:t>7/18/2018</a:t>
+              <a:t>7/19/2018</a:t>
             </a:fld>
             <a:endParaRPr lang="en-US" dirty="0"/>
           </a:p>
@@ -3390,7 +3390,7 @@
             <a:fld id="{7DDB771E-4AED-4DD3-8AA1-5D9FD2224F14}" type="datetimeFigureOut">
               <a:rPr lang="en-US" smtClean="0"/>
               <a:pPr/>
-              <a:t>7/18/2018</a:t>
+              <a:t>7/19/2018</a:t>
             </a:fld>
             <a:endParaRPr lang="en-US" dirty="0"/>
           </a:p>
@@ -3600,7 +3600,7 @@
             <a:fld id="{7DDB771E-4AED-4DD3-8AA1-5D9FD2224F14}" type="datetimeFigureOut">
               <a:rPr lang="en-US" smtClean="0"/>
               <a:pPr/>
-              <a:t>7/18/2018</a:t>
+              <a:t>7/19/2018</a:t>
             </a:fld>
             <a:endParaRPr lang="en-US" dirty="0"/>
           </a:p>
@@ -4404,12 +4404,20 @@
               <a:buChar char="•"/>
             </a:pPr>
             <a:r>
-              <a:rPr lang="en-US" dirty="0" smtClean="0"/>
+              <a:rPr lang="en-US" smtClean="0"/>
               <a:t> </a:t>
             </a:r>
             <a:r>
+              <a:rPr lang="en-US" smtClean="0"/>
+              <a:t>63</a:t>
+            </a:r>
+            <a:r>
+              <a:rPr lang="en-US" smtClean="0"/>
+              <a:t>% </a:t>
+            </a:r>
+            <a:r>
               <a:rPr lang="en-US" dirty="0"/>
-              <a:t>57% of Kubernetes workloads run on AWS today – Cloud Native Computing Foundation</a:t>
+              <a:t>of Kubernetes workloads run on AWS today – Cloud Native Computing Foundation</a:t>
             </a:r>
           </a:p>
         </p:txBody>
@@ -5639,7 +5647,7 @@
         <p:spPr>
           <a:xfrm>
             <a:off x="757367" y="1584186"/>
-            <a:ext cx="7515090" cy="2031325"/>
+            <a:ext cx="7515090" cy="2308324"/>
           </a:xfrm>
           <a:prstGeom prst="rect">
             <a:avLst/>
@@ -5684,6 +5692,20 @@
             </a:r>
           </a:p>
           <a:p>
+            <a:pPr lvl="1">
+              <a:buFont typeface="Arial" pitchFamily="34" charset="0"/>
+              <a:buChar char="•"/>
+            </a:pPr>
+            <a:r>
+              <a:rPr lang="en-US" dirty="0"/>
+              <a:t> </a:t>
+            </a:r>
+            <a:r>
+              <a:rPr lang="en-US" dirty="0" smtClean="0"/>
+              <a:t> AWS EKS Fargate still a ways off</a:t>
+            </a:r>
+          </a:p>
+          <a:p>
             <a:pPr>
               <a:buFont typeface="Arial" pitchFamily="34" charset="0"/>
               <a:buChar char="•"/>
@@ -5718,7 +5740,7 @@
             </a:r>
             <a:r>
               <a:rPr lang="en-US" dirty="0" smtClean="0"/>
-              <a:t> kubectl vs. kops </a:t>
+              <a:t> kubectl vs. kops</a:t>
             </a:r>
           </a:p>
         </p:txBody>

--- a/slides/AWS-EKS-Cluster-Quickstart.pptx
+++ b/slides/AWS-EKS-Cluster-Quickstart.pptx
@@ -206,7 +206,7 @@
             <a:fld id="{814910AB-AEF0-414C-82CB-791080B1186B}" type="datetimeFigureOut">
               <a:rPr lang="en-US" smtClean="0"/>
               <a:pPr/>
-              <a:t>7/19/2018</a:t>
+              <a:t>8/13/2018</a:t>
             </a:fld>
             <a:endParaRPr lang="en-US" dirty="0"/>
           </a:p>
@@ -373,7 +373,7 @@
             <a:fld id="{5B4AE38D-E020-46F3-803D-8636C5B7B74E}" type="datetimeFigureOut">
               <a:rPr lang="en-US" smtClean="0"/>
               <a:pPr/>
-              <a:t>7/19/2018</a:t>
+              <a:t>8/13/2018</a:t>
             </a:fld>
             <a:endParaRPr lang="en-US" dirty="0"/>
           </a:p>
@@ -1201,7 +1201,7 @@
             <a:fld id="{7DDB771E-4AED-4DD3-8AA1-5D9FD2224F14}" type="datetimeFigureOut">
               <a:rPr lang="en-US" smtClean="0"/>
               <a:pPr/>
-              <a:t>7/19/2018</a:t>
+              <a:t>8/13/2018</a:t>
             </a:fld>
             <a:endParaRPr lang="en-US" dirty="0"/>
           </a:p>
@@ -1368,7 +1368,7 @@
             <a:fld id="{7DDB771E-4AED-4DD3-8AA1-5D9FD2224F14}" type="datetimeFigureOut">
               <a:rPr lang="en-US" smtClean="0"/>
               <a:pPr/>
-              <a:t>7/19/2018</a:t>
+              <a:t>8/13/2018</a:t>
             </a:fld>
             <a:endParaRPr lang="en-US" dirty="0"/>
           </a:p>
@@ -1545,7 +1545,7 @@
             <a:fld id="{7DDB771E-4AED-4DD3-8AA1-5D9FD2224F14}" type="datetimeFigureOut">
               <a:rPr lang="en-US" smtClean="0"/>
               <a:pPr/>
-              <a:t>7/19/2018</a:t>
+              <a:t>8/13/2018</a:t>
             </a:fld>
             <a:endParaRPr lang="en-US" dirty="0"/>
           </a:p>
@@ -1712,7 +1712,7 @@
             <a:fld id="{7DDB771E-4AED-4DD3-8AA1-5D9FD2224F14}" type="datetimeFigureOut">
               <a:rPr lang="en-US" smtClean="0"/>
               <a:pPr/>
-              <a:t>7/19/2018</a:t>
+              <a:t>8/13/2018</a:t>
             </a:fld>
             <a:endParaRPr lang="en-US" dirty="0"/>
           </a:p>
@@ -1955,7 +1955,7 @@
             <a:fld id="{7DDB771E-4AED-4DD3-8AA1-5D9FD2224F14}" type="datetimeFigureOut">
               <a:rPr lang="en-US" smtClean="0"/>
               <a:pPr/>
-              <a:t>7/19/2018</a:t>
+              <a:t>8/13/2018</a:t>
             </a:fld>
             <a:endParaRPr lang="en-US" dirty="0"/>
           </a:p>
@@ -2240,7 +2240,7 @@
             <a:fld id="{7DDB771E-4AED-4DD3-8AA1-5D9FD2224F14}" type="datetimeFigureOut">
               <a:rPr lang="en-US" smtClean="0"/>
               <a:pPr/>
-              <a:t>7/19/2018</a:t>
+              <a:t>8/13/2018</a:t>
             </a:fld>
             <a:endParaRPr lang="en-US" dirty="0"/>
           </a:p>
@@ -2659,7 +2659,7 @@
             <a:fld id="{7DDB771E-4AED-4DD3-8AA1-5D9FD2224F14}" type="datetimeFigureOut">
               <a:rPr lang="en-US" smtClean="0"/>
               <a:pPr/>
-              <a:t>7/19/2018</a:t>
+              <a:t>8/13/2018</a:t>
             </a:fld>
             <a:endParaRPr lang="en-US" dirty="0"/>
           </a:p>
@@ -2774,7 +2774,7 @@
             <a:fld id="{7DDB771E-4AED-4DD3-8AA1-5D9FD2224F14}" type="datetimeFigureOut">
               <a:rPr lang="en-US" smtClean="0"/>
               <a:pPr/>
-              <a:t>7/19/2018</a:t>
+              <a:t>8/13/2018</a:t>
             </a:fld>
             <a:endParaRPr lang="en-US" dirty="0"/>
           </a:p>
@@ -2866,7 +2866,7 @@
             <a:fld id="{7DDB771E-4AED-4DD3-8AA1-5D9FD2224F14}" type="datetimeFigureOut">
               <a:rPr lang="en-US" smtClean="0"/>
               <a:pPr/>
-              <a:t>7/19/2018</a:t>
+              <a:t>8/13/2018</a:t>
             </a:fld>
             <a:endParaRPr lang="en-US" dirty="0"/>
           </a:p>
@@ -3140,7 +3140,7 @@
             <a:fld id="{7DDB771E-4AED-4DD3-8AA1-5D9FD2224F14}" type="datetimeFigureOut">
               <a:rPr lang="en-US" smtClean="0"/>
               <a:pPr/>
-              <a:t>7/19/2018</a:t>
+              <a:t>8/13/2018</a:t>
             </a:fld>
             <a:endParaRPr lang="en-US" dirty="0"/>
           </a:p>
@@ -3390,7 +3390,7 @@
             <a:fld id="{7DDB771E-4AED-4DD3-8AA1-5D9FD2224F14}" type="datetimeFigureOut">
               <a:rPr lang="en-US" smtClean="0"/>
               <a:pPr/>
-              <a:t>7/19/2018</a:t>
+              <a:t>8/13/2018</a:t>
             </a:fld>
             <a:endParaRPr lang="en-US" dirty="0"/>
           </a:p>
@@ -3600,7 +3600,7 @@
             <a:fld id="{7DDB771E-4AED-4DD3-8AA1-5D9FD2224F14}" type="datetimeFigureOut">
               <a:rPr lang="en-US" smtClean="0"/>
               <a:pPr/>
-              <a:t>7/19/2018</a:t>
+              <a:t>8/13/2018</a:t>
             </a:fld>
             <a:endParaRPr lang="en-US" dirty="0"/>
           </a:p>
@@ -4000,8 +4000,13 @@
             </a:r>
             <a:r>
               <a:rPr lang="en-US" dirty="0" smtClean="0"/>
-              <a:t>Heifetz, DareStep LLC</a:t>
-            </a:r>
+              <a:t>Heifetz, </a:t>
+            </a:r>
+            <a:r>
+              <a:rPr lang="en-US" dirty="0" smtClean="0"/>
+              <a:t>AMPSight</a:t>
+            </a:r>
+            <a:endParaRPr lang="en-US" dirty="0" smtClean="0"/>
           </a:p>
           <a:p>
             <a:pPr algn="ctr"/>
@@ -4405,15 +4410,7 @@
             </a:pPr>
             <a:r>
               <a:rPr lang="en-US" smtClean="0"/>
-              <a:t> </a:t>
-            </a:r>
-            <a:r>
-              <a:rPr lang="en-US" smtClean="0"/>
-              <a:t>63</a:t>
-            </a:r>
-            <a:r>
-              <a:rPr lang="en-US" smtClean="0"/>
-              <a:t>% </a:t>
+              <a:t> 63% </a:t>
             </a:r>
             <a:r>
               <a:rPr lang="en-US" dirty="0"/>
@@ -5647,7 +5644,7 @@
         <p:spPr>
           <a:xfrm>
             <a:off x="757367" y="1584186"/>
-            <a:ext cx="7515090" cy="2308324"/>
+            <a:ext cx="7515090" cy="2031325"/>
           </a:xfrm>
           <a:prstGeom prst="rect">
             <a:avLst/>
@@ -5726,8 +5723,13 @@
             </a:r>
             <a:r>
               <a:rPr lang="en-US" dirty="0" smtClean="0"/>
-              <a:t> Provision Kubernetes Masters across AWS Availability Zones Automatically</a:t>
-            </a:r>
+              <a:t> Provision Kubernetes Masters across AWS Availability </a:t>
+            </a:r>
+            <a:r>
+              <a:rPr lang="en-US" dirty="0" smtClean="0"/>
+              <a:t>Zones</a:t>
+            </a:r>
+            <a:endParaRPr lang="en-US" dirty="0" smtClean="0"/>
           </a:p>
           <a:p>
             <a:pPr lvl="1">

--- a/slides/AWS-EKS-Cluster-Quickstart.pptx
+++ b/slides/AWS-EKS-Cluster-Quickstart.pptx
@@ -4000,13 +4000,8 @@
             </a:r>
             <a:r>
               <a:rPr lang="en-US" dirty="0" smtClean="0"/>
-              <a:t>Heifetz, </a:t>
-            </a:r>
-            <a:r>
-              <a:rPr lang="en-US" dirty="0" smtClean="0"/>
-              <a:t>AMPSight</a:t>
-            </a:r>
-            <a:endParaRPr lang="en-US" dirty="0" smtClean="0"/>
+              <a:t>Heifetz, AMPSight</a:t>
+            </a:r>
           </a:p>
           <a:p>
             <a:pPr algn="ctr"/>
@@ -5350,21 +5345,18 @@
               <a:buChar char="•"/>
             </a:pPr>
             <a:r>
+              <a:rPr lang="en-US" dirty="0" smtClean="0"/>
+              <a:t>  Launch </a:t>
+            </a:r>
+            <a:r>
               <a:rPr lang="en-US" dirty="0"/>
-              <a:t> </a:t>
-            </a:r>
-            <a:r>
-              <a:rPr lang="en-US" dirty="0" smtClean="0"/>
-              <a:t> Configure </a:t>
-            </a:r>
-            <a:r>
-              <a:rPr lang="en-US" dirty="0"/>
-              <a:t>Your AWS EC2 </a:t>
-            </a:r>
-            <a:r>
-              <a:rPr lang="en-US" dirty="0" smtClean="0"/>
-              <a:t>Instance</a:t>
-            </a:r>
+              <a:t>and Configure Your Amazon EKS Worker </a:t>
+            </a:r>
+            <a:r>
+              <a:rPr lang="en-US" dirty="0" smtClean="0"/>
+              <a:t>Nodes</a:t>
+            </a:r>
+            <a:endParaRPr lang="en-US" dirty="0" smtClean="0"/>
           </a:p>
           <a:p>
             <a:pPr>
@@ -5372,20 +5364,8 @@
               <a:buChar char="•"/>
             </a:pPr>
             <a:r>
-              <a:rPr lang="en-US" dirty="0"/>
-              <a:t> </a:t>
-            </a:r>
-            <a:r>
-              <a:rPr lang="en-US" dirty="0" smtClean="0"/>
-              <a:t> Configure </a:t>
-            </a:r>
-            <a:r>
-              <a:rPr lang="en-US" dirty="0"/>
-              <a:t>kubectl on Your EC2 </a:t>
-            </a:r>
-            <a:r>
-              <a:rPr lang="en-US" dirty="0" smtClean="0"/>
-              <a:t>Instance</a:t>
+              <a:rPr lang="en-US" dirty="0" smtClean="0"/>
+              <a:t>  Configure Your AWS EC2 Instance</a:t>
             </a:r>
           </a:p>
           <a:p>
@@ -5394,20 +5374,8 @@
               <a:buChar char="•"/>
             </a:pPr>
             <a:r>
-              <a:rPr lang="en-US" dirty="0"/>
-              <a:t> </a:t>
-            </a:r>
-            <a:r>
-              <a:rPr lang="en-US" dirty="0" smtClean="0"/>
-              <a:t> Launch </a:t>
-            </a:r>
-            <a:r>
-              <a:rPr lang="en-US" dirty="0"/>
-              <a:t>and Configure Your Amazon EKS Worker </a:t>
-            </a:r>
-            <a:r>
-              <a:rPr lang="en-US" dirty="0" smtClean="0"/>
-              <a:t>Nodes</a:t>
+              <a:rPr lang="en-US" dirty="0" smtClean="0"/>
+              <a:t>  Configure kubectl on Your EC2 Instance</a:t>
             </a:r>
           </a:p>
           <a:p>
@@ -5416,12 +5384,8 @@
               <a:buChar char="•"/>
             </a:pPr>
             <a:r>
-              <a:rPr lang="en-US" dirty="0"/>
-              <a:t> </a:t>
-            </a:r>
-            <a:r>
-              <a:rPr lang="en-US" dirty="0" smtClean="0"/>
-              <a:t> Enable </a:t>
+              <a:rPr lang="en-US" dirty="0" smtClean="0"/>
+              <a:t>  Enable </a:t>
             </a:r>
             <a:r>
               <a:rPr lang="en-US" dirty="0"/>
@@ -5536,7 +5500,15 @@
             </a:pPr>
             <a:r>
               <a:rPr lang="en-US" dirty="0" smtClean="0"/>
-              <a:t>  To save time AWS EKS Cluster has already been configured using the AWS Web Console, CloudFormation, a cloud-init script, and some manual configuration.</a:t>
+              <a:t>  To save time AWS EKS Cluster has already been configured using the AWS Web Console, CloudFormation, </a:t>
+            </a:r>
+            <a:r>
+              <a:rPr lang="en-US" dirty="0" smtClean="0"/>
+              <a:t>cloud-init </a:t>
+            </a:r>
+            <a:r>
+              <a:rPr lang="en-US" dirty="0" smtClean="0"/>
+              <a:t>script, and some manual configuration.</a:t>
             </a:r>
           </a:p>
           <a:p>
@@ -5556,7 +5528,15 @@
             </a:pPr>
             <a:r>
               <a:rPr lang="en-US" dirty="0" smtClean="0"/>
-              <a:t>  Deploy an application using a docker image located in DockerHub at kskalvar/web. This image is nothing more than a simple webapp that returns the current ip address of the container it's running in. We'll create a pod, scale the pod, and create an external AWS Load Balancer using kubectl.</a:t>
+              <a:t>  Deploy an application using a docker image located in DockerHub at kskalvar/web. This image is nothing more than a simple </a:t>
+            </a:r>
+            <a:r>
+              <a:rPr lang="en-US" dirty="0" smtClean="0"/>
+              <a:t>flask webapp </a:t>
+            </a:r>
+            <a:r>
+              <a:rPr lang="en-US" dirty="0" smtClean="0"/>
+              <a:t>that returns the current ip address of the container it's running in. We'll create a pod, scale the pod, and create an external AWS Load Balancer using kubectl.</a:t>
             </a:r>
           </a:p>
           <a:p>
@@ -5723,13 +5703,8 @@
             </a:r>
             <a:r>
               <a:rPr lang="en-US" dirty="0" smtClean="0"/>
-              <a:t> Provision Kubernetes Masters across AWS Availability </a:t>
-            </a:r>
-            <a:r>
-              <a:rPr lang="en-US" dirty="0" smtClean="0"/>
-              <a:t>Zones</a:t>
-            </a:r>
-            <a:endParaRPr lang="en-US" dirty="0" smtClean="0"/>
+              <a:t> Provision Kubernetes Masters across AWS Availability Zones</a:t>
+            </a:r>
           </a:p>
           <a:p>
             <a:pPr lvl="1">

--- a/slides/AWS-EKS-Cluster-Quickstart.pptx
+++ b/slides/AWS-EKS-Cluster-Quickstart.pptx
@@ -206,7 +206,7 @@
             <a:fld id="{814910AB-AEF0-414C-82CB-791080B1186B}" type="datetimeFigureOut">
               <a:rPr lang="en-US" smtClean="0"/>
               <a:pPr/>
-              <a:t>8/13/2018</a:t>
+              <a:t>9/18/2018</a:t>
             </a:fld>
             <a:endParaRPr lang="en-US" dirty="0"/>
           </a:p>
@@ -373,7 +373,7 @@
             <a:fld id="{5B4AE38D-E020-46F3-803D-8636C5B7B74E}" type="datetimeFigureOut">
               <a:rPr lang="en-US" smtClean="0"/>
               <a:pPr/>
-              <a:t>8/13/2018</a:t>
+              <a:t>9/18/2018</a:t>
             </a:fld>
             <a:endParaRPr lang="en-US" dirty="0"/>
           </a:p>
@@ -1201,7 +1201,7 @@
             <a:fld id="{7DDB771E-4AED-4DD3-8AA1-5D9FD2224F14}" type="datetimeFigureOut">
               <a:rPr lang="en-US" smtClean="0"/>
               <a:pPr/>
-              <a:t>8/13/2018</a:t>
+              <a:t>9/18/2018</a:t>
             </a:fld>
             <a:endParaRPr lang="en-US" dirty="0"/>
           </a:p>
@@ -1368,7 +1368,7 @@
             <a:fld id="{7DDB771E-4AED-4DD3-8AA1-5D9FD2224F14}" type="datetimeFigureOut">
               <a:rPr lang="en-US" smtClean="0"/>
               <a:pPr/>
-              <a:t>8/13/2018</a:t>
+              <a:t>9/18/2018</a:t>
             </a:fld>
             <a:endParaRPr lang="en-US" dirty="0"/>
           </a:p>
@@ -1545,7 +1545,7 @@
             <a:fld id="{7DDB771E-4AED-4DD3-8AA1-5D9FD2224F14}" type="datetimeFigureOut">
               <a:rPr lang="en-US" smtClean="0"/>
               <a:pPr/>
-              <a:t>8/13/2018</a:t>
+              <a:t>9/18/2018</a:t>
             </a:fld>
             <a:endParaRPr lang="en-US" dirty="0"/>
           </a:p>
@@ -1712,7 +1712,7 @@
             <a:fld id="{7DDB771E-4AED-4DD3-8AA1-5D9FD2224F14}" type="datetimeFigureOut">
               <a:rPr lang="en-US" smtClean="0"/>
               <a:pPr/>
-              <a:t>8/13/2018</a:t>
+              <a:t>9/18/2018</a:t>
             </a:fld>
             <a:endParaRPr lang="en-US" dirty="0"/>
           </a:p>
@@ -1955,7 +1955,7 @@
             <a:fld id="{7DDB771E-4AED-4DD3-8AA1-5D9FD2224F14}" type="datetimeFigureOut">
               <a:rPr lang="en-US" smtClean="0"/>
               <a:pPr/>
-              <a:t>8/13/2018</a:t>
+              <a:t>9/18/2018</a:t>
             </a:fld>
             <a:endParaRPr lang="en-US" dirty="0"/>
           </a:p>
@@ -2240,7 +2240,7 @@
             <a:fld id="{7DDB771E-4AED-4DD3-8AA1-5D9FD2224F14}" type="datetimeFigureOut">
               <a:rPr lang="en-US" smtClean="0"/>
               <a:pPr/>
-              <a:t>8/13/2018</a:t>
+              <a:t>9/18/2018</a:t>
             </a:fld>
             <a:endParaRPr lang="en-US" dirty="0"/>
           </a:p>
@@ -2659,7 +2659,7 @@
             <a:fld id="{7DDB771E-4AED-4DD3-8AA1-5D9FD2224F14}" type="datetimeFigureOut">
               <a:rPr lang="en-US" smtClean="0"/>
               <a:pPr/>
-              <a:t>8/13/2018</a:t>
+              <a:t>9/18/2018</a:t>
             </a:fld>
             <a:endParaRPr lang="en-US" dirty="0"/>
           </a:p>
@@ -2774,7 +2774,7 @@
             <a:fld id="{7DDB771E-4AED-4DD3-8AA1-5D9FD2224F14}" type="datetimeFigureOut">
               <a:rPr lang="en-US" smtClean="0"/>
               <a:pPr/>
-              <a:t>8/13/2018</a:t>
+              <a:t>9/18/2018</a:t>
             </a:fld>
             <a:endParaRPr lang="en-US" dirty="0"/>
           </a:p>
@@ -2866,7 +2866,7 @@
             <a:fld id="{7DDB771E-4AED-4DD3-8AA1-5D9FD2224F14}" type="datetimeFigureOut">
               <a:rPr lang="en-US" smtClean="0"/>
               <a:pPr/>
-              <a:t>8/13/2018</a:t>
+              <a:t>9/18/2018</a:t>
             </a:fld>
             <a:endParaRPr lang="en-US" dirty="0"/>
           </a:p>
@@ -3140,7 +3140,7 @@
             <a:fld id="{7DDB771E-4AED-4DD3-8AA1-5D9FD2224F14}" type="datetimeFigureOut">
               <a:rPr lang="en-US" smtClean="0"/>
               <a:pPr/>
-              <a:t>8/13/2018</a:t>
+              <a:t>9/18/2018</a:t>
             </a:fld>
             <a:endParaRPr lang="en-US" dirty="0"/>
           </a:p>
@@ -3390,7 +3390,7 @@
             <a:fld id="{7DDB771E-4AED-4DD3-8AA1-5D9FD2224F14}" type="datetimeFigureOut">
               <a:rPr lang="en-US" smtClean="0"/>
               <a:pPr/>
-              <a:t>8/13/2018</a:t>
+              <a:t>9/18/2018</a:t>
             </a:fld>
             <a:endParaRPr lang="en-US" dirty="0"/>
           </a:p>
@@ -3600,7 +3600,7 @@
             <a:fld id="{7DDB771E-4AED-4DD3-8AA1-5D9FD2224F14}" type="datetimeFigureOut">
               <a:rPr lang="en-US" smtClean="0"/>
               <a:pPr/>
-              <a:t>8/13/2018</a:t>
+              <a:t>9/18/2018</a:t>
             </a:fld>
             <a:endParaRPr lang="en-US" dirty="0"/>
           </a:p>
@@ -4404,7 +4404,7 @@
               <a:buChar char="•"/>
             </a:pPr>
             <a:r>
-              <a:rPr lang="en-US" smtClean="0"/>
+              <a:rPr lang="en-US" dirty="0" smtClean="0"/>
               <a:t> 63% </a:t>
             </a:r>
             <a:r>
@@ -4800,8 +4800,13 @@
             </a:pPr>
             <a:r>
               <a:rPr lang="en-US" dirty="0" smtClean="0"/>
-              <a:t>  AWS Account</a:t>
-            </a:r>
+              <a:t>  AWS </a:t>
+            </a:r>
+            <a:r>
+              <a:rPr lang="en-US" dirty="0" smtClean="0"/>
+              <a:t>Account (root)</a:t>
+            </a:r>
+            <a:endParaRPr lang="en-US" dirty="0" smtClean="0"/>
           </a:p>
           <a:p>
             <a:pPr>
@@ -4810,7 +4815,15 @@
             </a:pPr>
             <a:r>
               <a:rPr lang="en-US" dirty="0" smtClean="0"/>
-              <a:t>  An EC2 Instance in which to install kubectl, heptio-authenticator-aws, and awscli version 1.15.x or greater</a:t>
+              <a:t>  An EC2 Instance in which to install kubectl, </a:t>
+            </a:r>
+            <a:r>
+              <a:rPr lang="en-US" dirty="0"/>
+              <a:t>aws-iam-authenticator, </a:t>
+            </a:r>
+            <a:r>
+              <a:rPr lang="en-US" dirty="0" smtClean="0"/>
+              <a:t>and awscli version 1.15.x or greater</a:t>
             </a:r>
           </a:p>
           <a:p>
@@ -5268,8 +5281,8 @@
         </p:nvSpPr>
         <p:spPr>
           <a:xfrm>
-            <a:off x="757367" y="1584186"/>
-            <a:ext cx="7515090" cy="2308324"/>
+            <a:off x="501706" y="1584186"/>
+            <a:ext cx="7986839" cy="2585323"/>
           </a:xfrm>
           <a:prstGeom prst="rect">
             <a:avLst/>
@@ -5296,7 +5309,7 @@
             </a:r>
             <a:r>
               <a:rPr lang="en-US" dirty="0" smtClean="0"/>
-              <a:t>Role</a:t>
+              <a:t>Role (AWS IAM Console)</a:t>
             </a:r>
           </a:p>
           <a:p>
@@ -5306,16 +5319,17 @@
             </a:pPr>
             <a:r>
               <a:rPr lang="en-US" dirty="0" smtClean="0"/>
-              <a:t>  Create </a:t>
+              <a:t>  Add </a:t>
             </a:r>
             <a:r>
               <a:rPr lang="en-US" dirty="0"/>
-              <a:t>your Amazon EKS Cluster </a:t>
-            </a:r>
-            <a:r>
-              <a:rPr lang="en-US" dirty="0" smtClean="0"/>
-              <a:t>VPC</a:t>
-            </a:r>
+              <a:t>Amazon EC2 Full Access to Service </a:t>
+            </a:r>
+            <a:r>
+              <a:rPr lang="en-US" dirty="0" smtClean="0"/>
+              <a:t>Role (AWS IAM Console)</a:t>
+            </a:r>
+            <a:endParaRPr lang="en-US" dirty="0" smtClean="0"/>
           </a:p>
           <a:p>
             <a:pPr>
@@ -5323,21 +5337,18 @@
               <a:buChar char="•"/>
             </a:pPr>
             <a:r>
+              <a:rPr lang="en-US" dirty="0" smtClean="0"/>
+              <a:t>  Create </a:t>
+            </a:r>
+            <a:r>
               <a:rPr lang="en-US" dirty="0"/>
-              <a:t> </a:t>
-            </a:r>
-            <a:r>
-              <a:rPr lang="en-US" dirty="0" smtClean="0"/>
-              <a:t> Create </a:t>
-            </a:r>
-            <a:r>
-              <a:rPr lang="en-US" dirty="0"/>
-              <a:t>your Amazon EKS </a:t>
-            </a:r>
-            <a:r>
-              <a:rPr lang="en-US" dirty="0" smtClean="0"/>
-              <a:t>Cluster</a:t>
-            </a:r>
+              <a:t>your Amazon EKS Cluster </a:t>
+            </a:r>
+            <a:r>
+              <a:rPr lang="en-US" dirty="0" smtClean="0"/>
+              <a:t>VPC (CloudFormation)</a:t>
+            </a:r>
+            <a:endParaRPr lang="en-US" dirty="0" smtClean="0"/>
           </a:p>
           <a:p>
             <a:pPr>
@@ -5345,16 +5356,20 @@
               <a:buChar char="•"/>
             </a:pPr>
             <a:r>
-              <a:rPr lang="en-US" dirty="0" smtClean="0"/>
-              <a:t>  Launch </a:t>
-            </a:r>
-            <a:r>
               <a:rPr lang="en-US" dirty="0"/>
-              <a:t>and Configure Your Amazon EKS Worker </a:t>
-            </a:r>
-            <a:r>
-              <a:rPr lang="en-US" dirty="0" smtClean="0"/>
-              <a:t>Nodes</a:t>
+              <a:t> </a:t>
+            </a:r>
+            <a:r>
+              <a:rPr lang="en-US" dirty="0" smtClean="0"/>
+              <a:t> Create </a:t>
+            </a:r>
+            <a:r>
+              <a:rPr lang="en-US" dirty="0"/>
+              <a:t>your Amazon EKS </a:t>
+            </a:r>
+            <a:r>
+              <a:rPr lang="en-US" dirty="0" smtClean="0"/>
+              <a:t>Cluster (AWS EKS Console)</a:t>
             </a:r>
             <a:endParaRPr lang="en-US" dirty="0" smtClean="0"/>
           </a:p>
@@ -5365,8 +5380,17 @@
             </a:pPr>
             <a:r>
               <a:rPr lang="en-US" dirty="0" smtClean="0"/>
-              <a:t>  Configure Your AWS EC2 Instance</a:t>
-            </a:r>
+              <a:t>  Launch </a:t>
+            </a:r>
+            <a:r>
+              <a:rPr lang="en-US" dirty="0"/>
+              <a:t>and Configure Your Amazon EKS Worker </a:t>
+            </a:r>
+            <a:r>
+              <a:rPr lang="en-US" dirty="0" smtClean="0"/>
+              <a:t>Nodes (AWS CloudFormation)</a:t>
+            </a:r>
+            <a:endParaRPr lang="en-US" dirty="0" smtClean="0"/>
           </a:p>
           <a:p>
             <a:pPr>
@@ -5375,8 +5399,13 @@
             </a:pPr>
             <a:r>
               <a:rPr lang="en-US" dirty="0" smtClean="0"/>
-              <a:t>  Configure kubectl on Your EC2 Instance</a:t>
-            </a:r>
+              <a:t>  Configure Your AWS EC2 </a:t>
+            </a:r>
+            <a:r>
+              <a:rPr lang="en-US" dirty="0" smtClean="0"/>
+              <a:t>Instance (AWS EC2 Console)</a:t>
+            </a:r>
+            <a:endParaRPr lang="en-US" dirty="0" smtClean="0"/>
           </a:p>
           <a:p>
             <a:pPr>
@@ -5385,16 +5414,13 @@
             </a:pPr>
             <a:r>
               <a:rPr lang="en-US" dirty="0" smtClean="0"/>
-              <a:t>  Enable </a:t>
-            </a:r>
-            <a:r>
-              <a:rPr lang="en-US" dirty="0"/>
-              <a:t>Worker Nodes to Join Your </a:t>
-            </a:r>
-            <a:r>
-              <a:rPr lang="en-US" dirty="0" smtClean="0"/>
-              <a:t>Cluster</a:t>
-            </a:r>
+              <a:t>  Configure kubectl on Your EC2 </a:t>
+            </a:r>
+            <a:r>
+              <a:rPr lang="en-US" dirty="0" smtClean="0"/>
+              <a:t>Instance (AWS EC2 Instance cloud-init)</a:t>
+            </a:r>
+            <a:endParaRPr lang="en-US" dirty="0" smtClean="0"/>
           </a:p>
           <a:p>
             <a:pPr>
@@ -5402,6 +5428,25 @@
               <a:buChar char="•"/>
             </a:pPr>
             <a:r>
+              <a:rPr lang="en-US" dirty="0" smtClean="0"/>
+              <a:t>  Enable </a:t>
+            </a:r>
+            <a:r>
+              <a:rPr lang="en-US" dirty="0"/>
+              <a:t>Worker Nodes to Join Your </a:t>
+            </a:r>
+            <a:r>
+              <a:rPr lang="en-US" dirty="0" smtClean="0"/>
+              <a:t>Cluster (AWS EC2 Instance kubectl)</a:t>
+            </a:r>
+            <a:endParaRPr lang="en-US" dirty="0" smtClean="0"/>
+          </a:p>
+          <a:p>
+            <a:pPr>
+              <a:buFont typeface="Arial" pitchFamily="34" charset="0"/>
+              <a:buChar char="•"/>
+            </a:pPr>
+            <a:r>
               <a:rPr lang="en-US" dirty="0"/>
               <a:t> </a:t>
             </a:r>
@@ -5411,7 +5456,11 @@
             </a:r>
             <a:r>
               <a:rPr lang="en-US" dirty="0"/>
-              <a:t>to Your Cluster</a:t>
+              <a:t>to Your </a:t>
+            </a:r>
+            <a:r>
+              <a:rPr lang="en-US" dirty="0" smtClean="0"/>
+              <a:t>Cluster (AWS EC2 Instance kubectl)</a:t>
             </a:r>
             <a:endParaRPr lang="en-US" dirty="0" smtClean="0"/>
           </a:p>
@@ -5500,15 +5549,7 @@
             </a:pPr>
             <a:r>
               <a:rPr lang="en-US" dirty="0" smtClean="0"/>
-              <a:t>  To save time AWS EKS Cluster has already been configured using the AWS Web Console, CloudFormation, </a:t>
-            </a:r>
-            <a:r>
-              <a:rPr lang="en-US" dirty="0" smtClean="0"/>
-              <a:t>cloud-init </a:t>
-            </a:r>
-            <a:r>
-              <a:rPr lang="en-US" dirty="0" smtClean="0"/>
-              <a:t>script, and some manual configuration.</a:t>
+              <a:t>  To save time AWS EKS Cluster has already been configured using the AWS Web Console, CloudFormation, cloud-init script, and some manual configuration.</a:t>
             </a:r>
           </a:p>
           <a:p>
@@ -5528,15 +5569,7 @@
             </a:pPr>
             <a:r>
               <a:rPr lang="en-US" dirty="0" smtClean="0"/>
-              <a:t>  Deploy an application using a docker image located in DockerHub at kskalvar/web. This image is nothing more than a simple </a:t>
-            </a:r>
-            <a:r>
-              <a:rPr lang="en-US" dirty="0" smtClean="0"/>
-              <a:t>flask webapp </a:t>
-            </a:r>
-            <a:r>
-              <a:rPr lang="en-US" dirty="0" smtClean="0"/>
-              <a:t>that returns the current ip address of the container it's running in. We'll create a pod, scale the pod, and create an external AWS Load Balancer using kubectl.</a:t>
+              <a:t>  Deploy an application using a docker image located in DockerHub at kskalvar/web. This image is nothing more than a simple flask webapp that returns the current ip address of the container it's running in. We'll create a pod, scale the pod, and create an external AWS Load Balancer using kubectl.</a:t>
             </a:r>
           </a:p>
           <a:p>

--- a/slides/AWS-EKS-Cluster-Quickstart.pptx
+++ b/slides/AWS-EKS-Cluster-Quickstart.pptx
@@ -4800,13 +4800,8 @@
             </a:pPr>
             <a:r>
               <a:rPr lang="en-US" dirty="0" smtClean="0"/>
-              <a:t>  AWS </a:t>
-            </a:r>
-            <a:r>
-              <a:rPr lang="en-US" dirty="0" smtClean="0"/>
-              <a:t>Account (root)</a:t>
-            </a:r>
-            <a:endParaRPr lang="en-US" dirty="0" smtClean="0"/>
+              <a:t>  AWS Account (root)</a:t>
+            </a:r>
           </a:p>
           <a:p>
             <a:pPr>
@@ -5329,7 +5324,6 @@
               <a:rPr lang="en-US" dirty="0" smtClean="0"/>
               <a:t>Role (AWS IAM Console)</a:t>
             </a:r>
-            <a:endParaRPr lang="en-US" dirty="0" smtClean="0"/>
           </a:p>
           <a:p>
             <a:pPr>
@@ -5348,7 +5342,6 @@
               <a:rPr lang="en-US" dirty="0" smtClean="0"/>
               <a:t>VPC (CloudFormation)</a:t>
             </a:r>
-            <a:endParaRPr lang="en-US" dirty="0" smtClean="0"/>
           </a:p>
           <a:p>
             <a:pPr>
@@ -5361,17 +5354,20 @@
             </a:r>
             <a:r>
               <a:rPr lang="en-US" dirty="0" smtClean="0"/>
-              <a:t> Create </a:t>
-            </a:r>
-            <a:r>
-              <a:rPr lang="en-US" dirty="0"/>
+              <a:t> </a:t>
+            </a:r>
+            <a:r>
+              <a:rPr lang="en-US" b="1" dirty="0" smtClean="0"/>
+              <a:t>Create </a:t>
+            </a:r>
+            <a:r>
+              <a:rPr lang="en-US" b="1" dirty="0"/>
               <a:t>your Amazon EKS </a:t>
             </a:r>
             <a:r>
-              <a:rPr lang="en-US" dirty="0" smtClean="0"/>
+              <a:rPr lang="en-US" b="1" dirty="0" smtClean="0"/>
               <a:t>Cluster (AWS EKS Console)</a:t>
             </a:r>
-            <a:endParaRPr lang="en-US" dirty="0" smtClean="0"/>
           </a:p>
           <a:p>
             <a:pPr>
@@ -5390,7 +5386,6 @@
               <a:rPr lang="en-US" dirty="0" smtClean="0"/>
               <a:t>Nodes (AWS CloudFormation)</a:t>
             </a:r>
-            <a:endParaRPr lang="en-US" dirty="0" smtClean="0"/>
           </a:p>
           <a:p>
             <a:pPr>
@@ -5399,13 +5394,8 @@
             </a:pPr>
             <a:r>
               <a:rPr lang="en-US" dirty="0" smtClean="0"/>
-              <a:t>  Configure Your AWS EC2 </a:t>
-            </a:r>
-            <a:r>
-              <a:rPr lang="en-US" dirty="0" smtClean="0"/>
-              <a:t>Instance (AWS EC2 Console)</a:t>
-            </a:r>
-            <a:endParaRPr lang="en-US" dirty="0" smtClean="0"/>
+              <a:t>  Configure Your AWS EC2 Instance (AWS EC2 Console cloud-init)</a:t>
+            </a:r>
           </a:p>
           <a:p>
             <a:pPr>
@@ -5414,13 +5404,8 @@
             </a:pPr>
             <a:r>
               <a:rPr lang="en-US" dirty="0" smtClean="0"/>
-              <a:t>  Configure kubectl on Your EC2 </a:t>
-            </a:r>
-            <a:r>
-              <a:rPr lang="en-US" dirty="0" smtClean="0"/>
-              <a:t>Instance (AWS EC2 Instance cloud-init)</a:t>
-            </a:r>
-            <a:endParaRPr lang="en-US" dirty="0" smtClean="0"/>
+              <a:t>  Configure kubectl on Your EC2 Instance (AWS EC2 Instance kubectl)</a:t>
+            </a:r>
           </a:p>
           <a:p>
             <a:pPr>
@@ -5439,7 +5424,6 @@
               <a:rPr lang="en-US" dirty="0" smtClean="0"/>
               <a:t>Cluster (AWS EC2 Instance kubectl)</a:t>
             </a:r>
-            <a:endParaRPr lang="en-US" dirty="0" smtClean="0"/>
           </a:p>
           <a:p>
             <a:pPr>
@@ -5462,7 +5446,6 @@
               <a:rPr lang="en-US" dirty="0" smtClean="0"/>
               <a:t>Cluster (AWS EC2 Instance kubectl)</a:t>
             </a:r>
-            <a:endParaRPr lang="en-US" dirty="0" smtClean="0"/>
           </a:p>
         </p:txBody>
       </p:sp>

--- a/slides/AWS-EKS-Cluster-Quickstart.pptx
+++ b/slides/AWS-EKS-Cluster-Quickstart.pptx
@@ -5640,7 +5640,7 @@
         <p:spPr>
           <a:xfrm>
             <a:off x="757367" y="1584186"/>
-            <a:ext cx="7515090" cy="2031325"/>
+            <a:ext cx="7515090" cy="2308324"/>
           </a:xfrm>
           <a:prstGeom prst="rect">
             <a:avLst/>
@@ -5695,8 +5695,35 @@
             </a:r>
             <a:r>
               <a:rPr lang="en-US" dirty="0" smtClean="0"/>
-              <a:t> AWS EKS Fargate still a ways off</a:t>
-            </a:r>
+              <a:t> AWS EKS Fargate still a ways </a:t>
+            </a:r>
+            <a:r>
+              <a:rPr lang="en-US" dirty="0" smtClean="0"/>
+              <a:t>off</a:t>
+            </a:r>
+          </a:p>
+          <a:p>
+            <a:pPr lvl="1">
+              <a:buFont typeface="Arial" pitchFamily="34" charset="0"/>
+              <a:buChar char="•"/>
+            </a:pPr>
+            <a:r>
+              <a:rPr lang="en-US" dirty="0"/>
+              <a:t> </a:t>
+            </a:r>
+            <a:r>
+              <a:rPr lang="en-US" dirty="0" smtClean="0"/>
+              <a:t> </a:t>
+            </a:r>
+            <a:r>
+              <a:rPr lang="en-US" dirty="0"/>
+              <a:t>AWS Fargate support for Amazon EKS will be available in </a:t>
+            </a:r>
+            <a:r>
+              <a:rPr lang="en-US" dirty="0" smtClean="0"/>
+              <a:t>2018</a:t>
+            </a:r>
+            <a:endParaRPr lang="en-US" dirty="0" smtClean="0"/>
           </a:p>
           <a:p>
             <a:pPr>

--- a/slides/AWS-EKS-Cluster-Quickstart.pptx
+++ b/slides/AWS-EKS-Cluster-Quickstart.pptx
@@ -206,7 +206,7 @@
             <a:fld id="{814910AB-AEF0-414C-82CB-791080B1186B}" type="datetimeFigureOut">
               <a:rPr lang="en-US" smtClean="0"/>
               <a:pPr/>
-              <a:t>9/18/2018</a:t>
+              <a:t>9/26/2018</a:t>
             </a:fld>
             <a:endParaRPr lang="en-US" dirty="0"/>
           </a:p>
@@ -373,7 +373,7 @@
             <a:fld id="{5B4AE38D-E020-46F3-803D-8636C5B7B74E}" type="datetimeFigureOut">
               <a:rPr lang="en-US" smtClean="0"/>
               <a:pPr/>
-              <a:t>9/18/2018</a:t>
+              <a:t>9/26/2018</a:t>
             </a:fld>
             <a:endParaRPr lang="en-US" dirty="0"/>
           </a:p>
@@ -1201,7 +1201,7 @@
             <a:fld id="{7DDB771E-4AED-4DD3-8AA1-5D9FD2224F14}" type="datetimeFigureOut">
               <a:rPr lang="en-US" smtClean="0"/>
               <a:pPr/>
-              <a:t>9/18/2018</a:t>
+              <a:t>9/26/2018</a:t>
             </a:fld>
             <a:endParaRPr lang="en-US" dirty="0"/>
           </a:p>
@@ -1368,7 +1368,7 @@
             <a:fld id="{7DDB771E-4AED-4DD3-8AA1-5D9FD2224F14}" type="datetimeFigureOut">
               <a:rPr lang="en-US" smtClean="0"/>
               <a:pPr/>
-              <a:t>9/18/2018</a:t>
+              <a:t>9/26/2018</a:t>
             </a:fld>
             <a:endParaRPr lang="en-US" dirty="0"/>
           </a:p>
@@ -1545,7 +1545,7 @@
             <a:fld id="{7DDB771E-4AED-4DD3-8AA1-5D9FD2224F14}" type="datetimeFigureOut">
               <a:rPr lang="en-US" smtClean="0"/>
               <a:pPr/>
-              <a:t>9/18/2018</a:t>
+              <a:t>9/26/2018</a:t>
             </a:fld>
             <a:endParaRPr lang="en-US" dirty="0"/>
           </a:p>
@@ -1712,7 +1712,7 @@
             <a:fld id="{7DDB771E-4AED-4DD3-8AA1-5D9FD2224F14}" type="datetimeFigureOut">
               <a:rPr lang="en-US" smtClean="0"/>
               <a:pPr/>
-              <a:t>9/18/2018</a:t>
+              <a:t>9/26/2018</a:t>
             </a:fld>
             <a:endParaRPr lang="en-US" dirty="0"/>
           </a:p>
@@ -1955,7 +1955,7 @@
             <a:fld id="{7DDB771E-4AED-4DD3-8AA1-5D9FD2224F14}" type="datetimeFigureOut">
               <a:rPr lang="en-US" smtClean="0"/>
               <a:pPr/>
-              <a:t>9/18/2018</a:t>
+              <a:t>9/26/2018</a:t>
             </a:fld>
             <a:endParaRPr lang="en-US" dirty="0"/>
           </a:p>
@@ -2240,7 +2240,7 @@
             <a:fld id="{7DDB771E-4AED-4DD3-8AA1-5D9FD2224F14}" type="datetimeFigureOut">
               <a:rPr lang="en-US" smtClean="0"/>
               <a:pPr/>
-              <a:t>9/18/2018</a:t>
+              <a:t>9/26/2018</a:t>
             </a:fld>
             <a:endParaRPr lang="en-US" dirty="0"/>
           </a:p>
@@ -2659,7 +2659,7 @@
             <a:fld id="{7DDB771E-4AED-4DD3-8AA1-5D9FD2224F14}" type="datetimeFigureOut">
               <a:rPr lang="en-US" smtClean="0"/>
               <a:pPr/>
-              <a:t>9/18/2018</a:t>
+              <a:t>9/26/2018</a:t>
             </a:fld>
             <a:endParaRPr lang="en-US" dirty="0"/>
           </a:p>
@@ -2774,7 +2774,7 @@
             <a:fld id="{7DDB771E-4AED-4DD3-8AA1-5D9FD2224F14}" type="datetimeFigureOut">
               <a:rPr lang="en-US" smtClean="0"/>
               <a:pPr/>
-              <a:t>9/18/2018</a:t>
+              <a:t>9/26/2018</a:t>
             </a:fld>
             <a:endParaRPr lang="en-US" dirty="0"/>
           </a:p>
@@ -2866,7 +2866,7 @@
             <a:fld id="{7DDB771E-4AED-4DD3-8AA1-5D9FD2224F14}" type="datetimeFigureOut">
               <a:rPr lang="en-US" smtClean="0"/>
               <a:pPr/>
-              <a:t>9/18/2018</a:t>
+              <a:t>9/26/2018</a:t>
             </a:fld>
             <a:endParaRPr lang="en-US" dirty="0"/>
           </a:p>
@@ -3140,7 +3140,7 @@
             <a:fld id="{7DDB771E-4AED-4DD3-8AA1-5D9FD2224F14}" type="datetimeFigureOut">
               <a:rPr lang="en-US" smtClean="0"/>
               <a:pPr/>
-              <a:t>9/18/2018</a:t>
+              <a:t>9/26/2018</a:t>
             </a:fld>
             <a:endParaRPr lang="en-US" dirty="0"/>
           </a:p>
@@ -3390,7 +3390,7 @@
             <a:fld id="{7DDB771E-4AED-4DD3-8AA1-5D9FD2224F14}" type="datetimeFigureOut">
               <a:rPr lang="en-US" smtClean="0"/>
               <a:pPr/>
-              <a:t>9/18/2018</a:t>
+              <a:t>9/26/2018</a:t>
             </a:fld>
             <a:endParaRPr lang="en-US" dirty="0"/>
           </a:p>
@@ -3600,7 +3600,7 @@
             <a:fld id="{7DDB771E-4AED-4DD3-8AA1-5D9FD2224F14}" type="datetimeFigureOut">
               <a:rPr lang="en-US" smtClean="0"/>
               <a:pPr/>
-              <a:t>9/18/2018</a:t>
+              <a:t>9/26/2018</a:t>
             </a:fld>
             <a:endParaRPr lang="en-US" dirty="0"/>
           </a:p>
@@ -3685,6 +3685,66 @@
           </a:p>
         </p:txBody>
       </p:sp>
+      <p:pic>
+        <p:nvPicPr>
+          <p:cNvPr id="7" name="Picture 6"/>
+          <p:cNvPicPr>
+            <a:picLocks noChangeAspect="1"/>
+          </p:cNvPicPr>
+          <p:nvPr userDrawn="1"/>
+        </p:nvPicPr>
+        <p:blipFill>
+          <a:blip r:embed="rId13">
+            <a:extLst>
+              <a:ext uri="{28A0092B-C50C-407E-A947-70E740481C1C}">
+                <a14:useLocalDpi xmlns:a14="http://schemas.microsoft.com/office/drawing/2010/main" val="0"/>
+              </a:ext>
+            </a:extLst>
+          </a:blip>
+          <a:stretch>
+            <a:fillRect/>
+          </a:stretch>
+        </p:blipFill>
+        <p:spPr>
+          <a:xfrm>
+            <a:off x="7845588" y="210960"/>
+            <a:ext cx="1143160" cy="762106"/>
+          </a:xfrm>
+          <a:prstGeom prst="rect">
+            <a:avLst/>
+          </a:prstGeom>
+        </p:spPr>
+      </p:pic>
+      <p:pic>
+        <p:nvPicPr>
+          <p:cNvPr id="8" name="Picture 7"/>
+          <p:cNvPicPr>
+            <a:picLocks noChangeAspect="1"/>
+          </p:cNvPicPr>
+          <p:nvPr userDrawn="1"/>
+        </p:nvPicPr>
+        <p:blipFill>
+          <a:blip r:embed="rId14">
+            <a:extLst>
+              <a:ext uri="{28A0092B-C50C-407E-A947-70E740481C1C}">
+                <a14:useLocalDpi xmlns:a14="http://schemas.microsoft.com/office/drawing/2010/main" val="0"/>
+              </a:ext>
+            </a:extLst>
+          </a:blip>
+          <a:stretch>
+            <a:fillRect/>
+          </a:stretch>
+        </p:blipFill>
+        <p:spPr>
+          <a:xfrm>
+            <a:off x="228728" y="251407"/>
+            <a:ext cx="1371600" cy="1009650"/>
+          </a:xfrm>
+          <a:prstGeom prst="rect">
+            <a:avLst/>
+          </a:prstGeom>
+        </p:spPr>
+      </p:pic>
     </p:spTree>
   </p:cSld>
   <p:clrMap bg1="lt1" tx1="dk1" bg2="lt2" tx2="dk2" accent1="accent1" accent2="accent2" accent3="accent3" accent4="accent4" accent5="accent5" accent6="accent6" hlink="hlink" folHlink="folHlink"/>
@@ -3979,7 +4039,7 @@
         </p:nvSpPr>
         <p:spPr>
           <a:xfrm>
-            <a:off x="3117273" y="4261150"/>
+            <a:off x="2875733" y="2777407"/>
             <a:ext cx="2951754" cy="646331"/>
           </a:xfrm>
           <a:prstGeom prst="rect">
@@ -4189,7 +4249,7 @@
           <a:p>
             <a:r>
               <a:rPr lang="en-US" dirty="0" smtClean="0"/>
-              <a:t>My AWS EKS QuickStart</a:t>
+              <a:t>AWS EKS QuickStart</a:t>
             </a:r>
           </a:p>
           <a:p>
@@ -4629,7 +4689,7 @@
             </a:r>
             <a:r>
               <a:rPr lang="en-US" dirty="0" smtClean="0"/>
-              <a:t>open-source Kubernetes software</a:t>
+              <a:t>open-source Kubernetes software. Currently 1.10.3</a:t>
             </a:r>
           </a:p>
           <a:p>
@@ -4818,7 +4878,7 @@
             </a:r>
             <a:r>
               <a:rPr lang="en-US" dirty="0" smtClean="0"/>
-              <a:t>and awscli version 1.15.x or greater</a:t>
+              <a:t>and aws cli version 1.15.x or greater</a:t>
             </a:r>
           </a:p>
           <a:p>
@@ -4972,7 +5032,7 @@
         </p:blipFill>
         <p:spPr bwMode="auto">
           <a:xfrm>
-            <a:off x="291313" y="1569855"/>
+            <a:off x="291313" y="1561229"/>
             <a:ext cx="8569466" cy="5138442"/>
           </a:xfrm>
           <a:prstGeom prst="rect">
@@ -5146,7 +5206,7 @@
       </p:sp>
       <p:pic>
         <p:nvPicPr>
-          <p:cNvPr id="2050" name="Picture 2"/>
+          <p:cNvPr id="4" name="Picture 2"/>
           <p:cNvPicPr>
             <a:picLocks noChangeAspect="1" noChangeArrowheads="1"/>
           </p:cNvPicPr>
@@ -5167,8 +5227,8 @@
         </p:blipFill>
         <p:spPr bwMode="auto">
           <a:xfrm>
-            <a:off x="274927" y="1344815"/>
-            <a:ext cx="8529006" cy="5286800"/>
+            <a:off x="326689" y="1561229"/>
+            <a:ext cx="8534090" cy="5157003"/>
           </a:xfrm>
           <a:prstGeom prst="rect">
             <a:avLst/>
@@ -5276,8 +5336,8 @@
         </p:nvSpPr>
         <p:spPr>
           <a:xfrm>
-            <a:off x="501706" y="1584186"/>
-            <a:ext cx="7986839" cy="2585323"/>
+            <a:off x="879894" y="1584186"/>
+            <a:ext cx="7608651" cy="2308324"/>
           </a:xfrm>
           <a:prstGeom prst="rect">
             <a:avLst/>
@@ -5314,15 +5374,15 @@
             </a:pPr>
             <a:r>
               <a:rPr lang="en-US" dirty="0" smtClean="0"/>
-              <a:t>  Add </a:t>
+              <a:t>  Create </a:t>
             </a:r>
             <a:r>
               <a:rPr lang="en-US" dirty="0"/>
-              <a:t>Amazon EC2 Full Access to Service </a:t>
-            </a:r>
-            <a:r>
-              <a:rPr lang="en-US" dirty="0" smtClean="0"/>
-              <a:t>Role (AWS IAM Console)</a:t>
+              <a:t>your Amazon EKS Cluster </a:t>
+            </a:r>
+            <a:r>
+              <a:rPr lang="en-US" dirty="0" smtClean="0"/>
+              <a:t>VPC (AWS CloudFormation)</a:t>
             </a:r>
           </a:p>
           <a:p>
@@ -5331,16 +5391,24 @@
               <a:buChar char="•"/>
             </a:pPr>
             <a:r>
-              <a:rPr lang="en-US" dirty="0" smtClean="0"/>
-              <a:t>  Create </a:t>
-            </a:r>
-            <a:r>
               <a:rPr lang="en-US" dirty="0"/>
-              <a:t>your Amazon EKS Cluster </a:t>
-            </a:r>
-            <a:r>
-              <a:rPr lang="en-US" dirty="0" smtClean="0"/>
-              <a:t>VPC (CloudFormation)</a:t>
+              <a:t> </a:t>
+            </a:r>
+            <a:r>
+              <a:rPr lang="en-US" dirty="0" smtClean="0"/>
+              <a:t> </a:t>
+            </a:r>
+            <a:r>
+              <a:rPr lang="en-US" b="1" dirty="0" smtClean="0"/>
+              <a:t>Create </a:t>
+            </a:r>
+            <a:r>
+              <a:rPr lang="en-US" b="1" dirty="0"/>
+              <a:t>your Amazon EKS </a:t>
+            </a:r>
+            <a:r>
+              <a:rPr lang="en-US" b="1" dirty="0" smtClean="0"/>
+              <a:t>Cluster (AWS EKS Console)</a:t>
             </a:r>
           </a:p>
           <a:p>
@@ -5349,24 +5417,16 @@
               <a:buChar char="•"/>
             </a:pPr>
             <a:r>
+              <a:rPr lang="en-US" dirty="0" smtClean="0"/>
+              <a:t>  Launch </a:t>
+            </a:r>
+            <a:r>
               <a:rPr lang="en-US" dirty="0"/>
-              <a:t> </a:t>
-            </a:r>
-            <a:r>
-              <a:rPr lang="en-US" dirty="0" smtClean="0"/>
-              <a:t> </a:t>
-            </a:r>
-            <a:r>
-              <a:rPr lang="en-US" b="1" dirty="0" smtClean="0"/>
-              <a:t>Create </a:t>
-            </a:r>
-            <a:r>
-              <a:rPr lang="en-US" b="1" dirty="0"/>
-              <a:t>your Amazon EKS </a:t>
-            </a:r>
-            <a:r>
-              <a:rPr lang="en-US" b="1" dirty="0" smtClean="0"/>
-              <a:t>Cluster (AWS EKS Console)</a:t>
+              <a:t>and Configure Your Amazon EKS Worker </a:t>
+            </a:r>
+            <a:r>
+              <a:rPr lang="en-US" dirty="0" smtClean="0"/>
+              <a:t>Nodes (AWS CloudFormation)</a:t>
             </a:r>
           </a:p>
           <a:p>
@@ -5376,15 +5436,7 @@
             </a:pPr>
             <a:r>
               <a:rPr lang="en-US" dirty="0" smtClean="0"/>
-              <a:t>  Launch </a:t>
-            </a:r>
-            <a:r>
-              <a:rPr lang="en-US" dirty="0"/>
-              <a:t>and Configure Your Amazon EKS Worker </a:t>
-            </a:r>
-            <a:r>
-              <a:rPr lang="en-US" dirty="0" smtClean="0"/>
-              <a:t>Nodes (AWS CloudFormation)</a:t>
+              <a:t>  Configure Your AWS EC2 Instance (AWS EC2 Console)</a:t>
             </a:r>
           </a:p>
           <a:p>
@@ -5394,7 +5446,7 @@
             </a:pPr>
             <a:r>
               <a:rPr lang="en-US" dirty="0" smtClean="0"/>
-              <a:t>  Configure Your AWS EC2 Instance (AWS EC2 Console cloud-init)</a:t>
+              <a:t>  Configure kubectl on Your EC2 Instance (AWS EC2 Instance)</a:t>
             </a:r>
           </a:p>
           <a:p>
@@ -5404,7 +5456,15 @@
             </a:pPr>
             <a:r>
               <a:rPr lang="en-US" dirty="0" smtClean="0"/>
-              <a:t>  Configure kubectl on Your EC2 Instance (AWS EC2 Instance kubectl)</a:t>
+              <a:t>  Enable </a:t>
+            </a:r>
+            <a:r>
+              <a:rPr lang="en-US" dirty="0"/>
+              <a:t>Worker Nodes to Join Your </a:t>
+            </a:r>
+            <a:r>
+              <a:rPr lang="en-US" dirty="0" smtClean="0"/>
+              <a:t>Cluster (AWS EC2 Instance)</a:t>
             </a:r>
           </a:p>
           <a:p>
@@ -5413,24 +5473,6 @@
               <a:buChar char="•"/>
             </a:pPr>
             <a:r>
-              <a:rPr lang="en-US" dirty="0" smtClean="0"/>
-              <a:t>  Enable </a:t>
-            </a:r>
-            <a:r>
-              <a:rPr lang="en-US" dirty="0"/>
-              <a:t>Worker Nodes to Join Your </a:t>
-            </a:r>
-            <a:r>
-              <a:rPr lang="en-US" dirty="0" smtClean="0"/>
-              <a:t>Cluster (AWS EC2 Instance kubectl)</a:t>
-            </a:r>
-          </a:p>
-          <a:p>
-            <a:pPr>
-              <a:buFont typeface="Arial" pitchFamily="34" charset="0"/>
-              <a:buChar char="•"/>
-            </a:pPr>
-            <a:r>
               <a:rPr lang="en-US" dirty="0"/>
               <a:t> </a:t>
             </a:r>
@@ -5444,7 +5486,7 @@
             </a:r>
             <a:r>
               <a:rPr lang="en-US" dirty="0" smtClean="0"/>
-              <a:t>Cluster (AWS EC2 Instance kubectl)</a:t>
+              <a:t>Cluster (AWS EC2 Instance)</a:t>
             </a:r>
           </a:p>
         </p:txBody>
@@ -5513,7 +5555,7 @@
         <p:spPr>
           <a:xfrm>
             <a:off x="757367" y="1584186"/>
-            <a:ext cx="7515090" cy="3139321"/>
+            <a:ext cx="7515090" cy="2862322"/>
           </a:xfrm>
           <a:prstGeom prst="rect">
             <a:avLst/>
@@ -5532,7 +5574,60 @@
             </a:pPr>
             <a:r>
               <a:rPr lang="en-US" dirty="0" smtClean="0"/>
-              <a:t>  To save time AWS EKS Cluster has already been configured using the AWS Web Console, CloudFormation, cloud-init script, and some manual configuration.</a:t>
+              <a:t>  To save time AWS EKS Cluster has already been configured using the AWS Web Console, CloudFormation scripts, a cloud-init script, and some manual configuration. </a:t>
+            </a:r>
+            <a:r>
+              <a:rPr lang="en-US" dirty="0"/>
+              <a:t> </a:t>
+            </a:r>
+            <a:r>
+              <a:rPr lang="en-US" dirty="0" smtClean="0"/>
+              <a:t> I’ve already:</a:t>
+            </a:r>
+          </a:p>
+          <a:p>
+            <a:pPr lvl="1">
+              <a:buFont typeface="Arial" pitchFamily="34" charset="0"/>
+              <a:buChar char="•"/>
+            </a:pPr>
+            <a:r>
+              <a:rPr lang="en-US" dirty="0"/>
+              <a:t> </a:t>
+            </a:r>
+            <a:r>
+              <a:rPr lang="en-US" dirty="0" smtClean="0"/>
+              <a:t> Created a docker image located in DockerHub at kskalvar/web. This image is nothing more than a simple flask webapp that returns the current ip address of the container it's running in.</a:t>
+            </a:r>
+          </a:p>
+          <a:p>
+            <a:pPr lvl="1">
+              <a:buFont typeface="Arial" pitchFamily="34" charset="0"/>
+              <a:buChar char="•"/>
+            </a:pPr>
+            <a:r>
+              <a:rPr lang="en-US" dirty="0" smtClean="0"/>
+              <a:t>  Created a pod</a:t>
+            </a:r>
+          </a:p>
+          <a:p>
+            <a:pPr lvl="1">
+              <a:buFont typeface="Arial" pitchFamily="34" charset="0"/>
+              <a:buChar char="•"/>
+            </a:pPr>
+            <a:r>
+              <a:rPr lang="en-US" dirty="0" smtClean="0"/>
+              <a:t>  Scaled the pod</a:t>
+            </a:r>
+            <a:endParaRPr lang="en-US" dirty="0"/>
+          </a:p>
+          <a:p>
+            <a:pPr lvl="1">
+              <a:buFont typeface="Arial" pitchFamily="34" charset="0"/>
+              <a:buChar char="•"/>
+            </a:pPr>
+            <a:r>
+              <a:rPr lang="en-US" dirty="0" smtClean="0"/>
+              <a:t>  Created an external AWS Load Balancer</a:t>
             </a:r>
           </a:p>
           <a:p>
@@ -5541,32 +5636,12 @@
               <a:buChar char="•"/>
             </a:pPr>
             <a:r>
-              <a:rPr lang="en-US" dirty="0" smtClean="0"/>
-              <a:t>  We’ll:</a:t>
-            </a:r>
-          </a:p>
-          <a:p>
-            <a:pPr lvl="1">
-              <a:buFont typeface="Arial" pitchFamily="34" charset="0"/>
-              <a:buChar char="•"/>
-            </a:pPr>
-            <a:r>
-              <a:rPr lang="en-US" dirty="0" smtClean="0"/>
-              <a:t>  Deploy an application using a docker image located in DockerHub at kskalvar/web. This image is nothing more than a simple flask webapp that returns the current ip address of the container it's running in. We'll create a pod, scale the pod, and create an external AWS Load Balancer using kubectl.</a:t>
-            </a:r>
-          </a:p>
-          <a:p>
-            <a:pPr lvl="1">
-              <a:buFont typeface="Arial" pitchFamily="34" charset="0"/>
-              <a:buChar char="•"/>
-            </a:pPr>
-            <a:r>
               <a:rPr lang="en-US" dirty="0"/>
               <a:t> </a:t>
             </a:r>
             <a:r>
               <a:rPr lang="en-US" dirty="0" smtClean="0"/>
-              <a:t> Once the running the external load balancer is configured you should see a unique ip address as it is load balanced across containers.</a:t>
+              <a:t> You should see a unique ip address as it is load balanced across containers.</a:t>
             </a:r>
           </a:p>
         </p:txBody>
@@ -5640,7 +5715,7 @@
         <p:spPr>
           <a:xfrm>
             <a:off x="757367" y="1584186"/>
-            <a:ext cx="7515090" cy="2308324"/>
+            <a:ext cx="7515090" cy="2031325"/>
           </a:xfrm>
           <a:prstGeom prst="rect">
             <a:avLst/>
@@ -5695,24 +5770,6 @@
             </a:r>
             <a:r>
               <a:rPr lang="en-US" dirty="0" smtClean="0"/>
-              <a:t> AWS EKS Fargate still a ways </a:t>
-            </a:r>
-            <a:r>
-              <a:rPr lang="en-US" dirty="0" smtClean="0"/>
-              <a:t>off</a:t>
-            </a:r>
-          </a:p>
-          <a:p>
-            <a:pPr lvl="1">
-              <a:buFont typeface="Arial" pitchFamily="34" charset="0"/>
-              <a:buChar char="•"/>
-            </a:pPr>
-            <a:r>
-              <a:rPr lang="en-US" dirty="0"/>
-              <a:t> </a:t>
-            </a:r>
-            <a:r>
-              <a:rPr lang="en-US" dirty="0" smtClean="0"/>
               <a:t> </a:t>
             </a:r>
             <a:r>
@@ -5723,7 +5780,6 @@
               <a:rPr lang="en-US" dirty="0" smtClean="0"/>
               <a:t>2018</a:t>
             </a:r>
-            <a:endParaRPr lang="en-US" dirty="0" smtClean="0"/>
           </a:p>
           <a:p>
             <a:pPr>

--- a/slides/AWS-EKS-Cluster-Quickstart.pptx
+++ b/slides/AWS-EKS-Cluster-Quickstart.pptx
@@ -206,7 +206,7 @@
             <a:fld id="{814910AB-AEF0-414C-82CB-791080B1186B}" type="datetimeFigureOut">
               <a:rPr lang="en-US" smtClean="0"/>
               <a:pPr/>
-              <a:t>9/26/2018</a:t>
+              <a:t>2/1/2019</a:t>
             </a:fld>
             <a:endParaRPr lang="en-US" dirty="0"/>
           </a:p>
@@ -373,7 +373,7 @@
             <a:fld id="{5B4AE38D-E020-46F3-803D-8636C5B7B74E}" type="datetimeFigureOut">
               <a:rPr lang="en-US" smtClean="0"/>
               <a:pPr/>
-              <a:t>9/26/2018</a:t>
+              <a:t>2/1/2019</a:t>
             </a:fld>
             <a:endParaRPr lang="en-US" dirty="0"/>
           </a:p>
@@ -1201,7 +1201,7 @@
             <a:fld id="{7DDB771E-4AED-4DD3-8AA1-5D9FD2224F14}" type="datetimeFigureOut">
               <a:rPr lang="en-US" smtClean="0"/>
               <a:pPr/>
-              <a:t>9/26/2018</a:t>
+              <a:t>2/1/2019</a:t>
             </a:fld>
             <a:endParaRPr lang="en-US" dirty="0"/>
           </a:p>
@@ -1368,7 +1368,7 @@
             <a:fld id="{7DDB771E-4AED-4DD3-8AA1-5D9FD2224F14}" type="datetimeFigureOut">
               <a:rPr lang="en-US" smtClean="0"/>
               <a:pPr/>
-              <a:t>9/26/2018</a:t>
+              <a:t>2/1/2019</a:t>
             </a:fld>
             <a:endParaRPr lang="en-US" dirty="0"/>
           </a:p>
@@ -1545,7 +1545,7 @@
             <a:fld id="{7DDB771E-4AED-4DD3-8AA1-5D9FD2224F14}" type="datetimeFigureOut">
               <a:rPr lang="en-US" smtClean="0"/>
               <a:pPr/>
-              <a:t>9/26/2018</a:t>
+              <a:t>2/1/2019</a:t>
             </a:fld>
             <a:endParaRPr lang="en-US" dirty="0"/>
           </a:p>
@@ -1712,7 +1712,7 @@
             <a:fld id="{7DDB771E-4AED-4DD3-8AA1-5D9FD2224F14}" type="datetimeFigureOut">
               <a:rPr lang="en-US" smtClean="0"/>
               <a:pPr/>
-              <a:t>9/26/2018</a:t>
+              <a:t>2/1/2019</a:t>
             </a:fld>
             <a:endParaRPr lang="en-US" dirty="0"/>
           </a:p>
@@ -1955,7 +1955,7 @@
             <a:fld id="{7DDB771E-4AED-4DD3-8AA1-5D9FD2224F14}" type="datetimeFigureOut">
               <a:rPr lang="en-US" smtClean="0"/>
               <a:pPr/>
-              <a:t>9/26/2018</a:t>
+              <a:t>2/1/2019</a:t>
             </a:fld>
             <a:endParaRPr lang="en-US" dirty="0"/>
           </a:p>
@@ -2240,7 +2240,7 @@
             <a:fld id="{7DDB771E-4AED-4DD3-8AA1-5D9FD2224F14}" type="datetimeFigureOut">
               <a:rPr lang="en-US" smtClean="0"/>
               <a:pPr/>
-              <a:t>9/26/2018</a:t>
+              <a:t>2/1/2019</a:t>
             </a:fld>
             <a:endParaRPr lang="en-US" dirty="0"/>
           </a:p>
@@ -2659,7 +2659,7 @@
             <a:fld id="{7DDB771E-4AED-4DD3-8AA1-5D9FD2224F14}" type="datetimeFigureOut">
               <a:rPr lang="en-US" smtClean="0"/>
               <a:pPr/>
-              <a:t>9/26/2018</a:t>
+              <a:t>2/1/2019</a:t>
             </a:fld>
             <a:endParaRPr lang="en-US" dirty="0"/>
           </a:p>
@@ -2774,7 +2774,7 @@
             <a:fld id="{7DDB771E-4AED-4DD3-8AA1-5D9FD2224F14}" type="datetimeFigureOut">
               <a:rPr lang="en-US" smtClean="0"/>
               <a:pPr/>
-              <a:t>9/26/2018</a:t>
+              <a:t>2/1/2019</a:t>
             </a:fld>
             <a:endParaRPr lang="en-US" dirty="0"/>
           </a:p>
@@ -2866,7 +2866,7 @@
             <a:fld id="{7DDB771E-4AED-4DD3-8AA1-5D9FD2224F14}" type="datetimeFigureOut">
               <a:rPr lang="en-US" smtClean="0"/>
               <a:pPr/>
-              <a:t>9/26/2018</a:t>
+              <a:t>2/1/2019</a:t>
             </a:fld>
             <a:endParaRPr lang="en-US" dirty="0"/>
           </a:p>
@@ -3140,7 +3140,7 @@
             <a:fld id="{7DDB771E-4AED-4DD3-8AA1-5D9FD2224F14}" type="datetimeFigureOut">
               <a:rPr lang="en-US" smtClean="0"/>
               <a:pPr/>
-              <a:t>9/26/2018</a:t>
+              <a:t>2/1/2019</a:t>
             </a:fld>
             <a:endParaRPr lang="en-US" dirty="0"/>
           </a:p>
@@ -3390,7 +3390,7 @@
             <a:fld id="{7DDB771E-4AED-4DD3-8AA1-5D9FD2224F14}" type="datetimeFigureOut">
               <a:rPr lang="en-US" smtClean="0"/>
               <a:pPr/>
-              <a:t>9/26/2018</a:t>
+              <a:t>2/1/2019</a:t>
             </a:fld>
             <a:endParaRPr lang="en-US" dirty="0"/>
           </a:p>
@@ -3600,7 +3600,7 @@
             <a:fld id="{7DDB771E-4AED-4DD3-8AA1-5D9FD2224F14}" type="datetimeFigureOut">
               <a:rPr lang="en-US" smtClean="0"/>
               <a:pPr/>
-              <a:t>9/26/2018</a:t>
+              <a:t>2/1/2019</a:t>
             </a:fld>
             <a:endParaRPr lang="en-US" dirty="0"/>
           </a:p>
@@ -3709,36 +3709,6 @@
           <a:xfrm>
             <a:off x="7845588" y="210960"/>
             <a:ext cx="1143160" cy="762106"/>
-          </a:xfrm>
-          <a:prstGeom prst="rect">
-            <a:avLst/>
-          </a:prstGeom>
-        </p:spPr>
-      </p:pic>
-      <p:pic>
-        <p:nvPicPr>
-          <p:cNvPr id="8" name="Picture 7"/>
-          <p:cNvPicPr>
-            <a:picLocks noChangeAspect="1"/>
-          </p:cNvPicPr>
-          <p:nvPr userDrawn="1"/>
-        </p:nvPicPr>
-        <p:blipFill>
-          <a:blip r:embed="rId14">
-            <a:extLst>
-              <a:ext uri="{28A0092B-C50C-407E-A947-70E740481C1C}">
-                <a14:useLocalDpi xmlns:a14="http://schemas.microsoft.com/office/drawing/2010/main" val="0"/>
-              </a:ext>
-            </a:extLst>
-          </a:blip>
-          <a:stretch>
-            <a:fillRect/>
-          </a:stretch>
-        </p:blipFill>
-        <p:spPr>
-          <a:xfrm>
-            <a:off x="228728" y="251407"/>
-            <a:ext cx="1371600" cy="1009650"/>
           </a:xfrm>
           <a:prstGeom prst="rect">
             <a:avLst/>
@@ -4040,7 +4010,7 @@
         <p:spPr>
           <a:xfrm>
             <a:off x="2875733" y="2777407"/>
-            <a:ext cx="2951754" cy="646331"/>
+            <a:ext cx="2951754" cy="369332"/>
           </a:xfrm>
           <a:prstGeom prst="rect">
             <a:avLst/>
@@ -4055,19 +4025,12 @@
           <a:p>
             <a:pPr algn="ctr"/>
             <a:r>
-              <a:rPr lang="en-US" dirty="0"/>
-              <a:t>Andrew </a:t>
-            </a:r>
-            <a:r>
-              <a:rPr lang="en-US" dirty="0" smtClean="0"/>
-              <a:t>Heifetz, AMPSight</a:t>
-            </a:r>
-          </a:p>
-          <a:p>
-            <a:pPr algn="ctr"/>
-            <a:r>
-              <a:rPr lang="en-US" dirty="0" smtClean="0"/>
-              <a:t>Kirk Kalvar, KAL Technology</a:t>
+              <a:rPr lang="en-US" dirty="0" smtClean="0"/>
+              <a:t>Kirk </a:t>
+            </a:r>
+            <a:r>
+              <a:rPr lang="en-US" dirty="0" smtClean="0"/>
+              <a:t>Kalvar, KAL Technology</a:t>
             </a:r>
           </a:p>
         </p:txBody>

--- a/slides/AWS-EKS-Cluster-Quickstart.pptx
+++ b/slides/AWS-EKS-Cluster-Quickstart.pptx
@@ -206,7 +206,7 @@
             <a:fld id="{814910AB-AEF0-414C-82CB-791080B1186B}" type="datetimeFigureOut">
               <a:rPr lang="en-US" smtClean="0"/>
               <a:pPr/>
-              <a:t>2/1/2019</a:t>
+              <a:t>2/22/2019</a:t>
             </a:fld>
             <a:endParaRPr lang="en-US" dirty="0"/>
           </a:p>
@@ -373,7 +373,7 @@
             <a:fld id="{5B4AE38D-E020-46F3-803D-8636C5B7B74E}" type="datetimeFigureOut">
               <a:rPr lang="en-US" smtClean="0"/>
               <a:pPr/>
-              <a:t>2/1/2019</a:t>
+              <a:t>2/22/2019</a:t>
             </a:fld>
             <a:endParaRPr lang="en-US" dirty="0"/>
           </a:p>
@@ -1201,7 +1201,7 @@
             <a:fld id="{7DDB771E-4AED-4DD3-8AA1-5D9FD2224F14}" type="datetimeFigureOut">
               <a:rPr lang="en-US" smtClean="0"/>
               <a:pPr/>
-              <a:t>2/1/2019</a:t>
+              <a:t>2/22/2019</a:t>
             </a:fld>
             <a:endParaRPr lang="en-US" dirty="0"/>
           </a:p>
@@ -1368,7 +1368,7 @@
             <a:fld id="{7DDB771E-4AED-4DD3-8AA1-5D9FD2224F14}" type="datetimeFigureOut">
               <a:rPr lang="en-US" smtClean="0"/>
               <a:pPr/>
-              <a:t>2/1/2019</a:t>
+              <a:t>2/22/2019</a:t>
             </a:fld>
             <a:endParaRPr lang="en-US" dirty="0"/>
           </a:p>
@@ -1545,7 +1545,7 @@
             <a:fld id="{7DDB771E-4AED-4DD3-8AA1-5D9FD2224F14}" type="datetimeFigureOut">
               <a:rPr lang="en-US" smtClean="0"/>
               <a:pPr/>
-              <a:t>2/1/2019</a:t>
+              <a:t>2/22/2019</a:t>
             </a:fld>
             <a:endParaRPr lang="en-US" dirty="0"/>
           </a:p>
@@ -1712,7 +1712,7 @@
             <a:fld id="{7DDB771E-4AED-4DD3-8AA1-5D9FD2224F14}" type="datetimeFigureOut">
               <a:rPr lang="en-US" smtClean="0"/>
               <a:pPr/>
-              <a:t>2/1/2019</a:t>
+              <a:t>2/22/2019</a:t>
             </a:fld>
             <a:endParaRPr lang="en-US" dirty="0"/>
           </a:p>
@@ -1955,7 +1955,7 @@
             <a:fld id="{7DDB771E-4AED-4DD3-8AA1-5D9FD2224F14}" type="datetimeFigureOut">
               <a:rPr lang="en-US" smtClean="0"/>
               <a:pPr/>
-              <a:t>2/1/2019</a:t>
+              <a:t>2/22/2019</a:t>
             </a:fld>
             <a:endParaRPr lang="en-US" dirty="0"/>
           </a:p>
@@ -2240,7 +2240,7 @@
             <a:fld id="{7DDB771E-4AED-4DD3-8AA1-5D9FD2224F14}" type="datetimeFigureOut">
               <a:rPr lang="en-US" smtClean="0"/>
               <a:pPr/>
-              <a:t>2/1/2019</a:t>
+              <a:t>2/22/2019</a:t>
             </a:fld>
             <a:endParaRPr lang="en-US" dirty="0"/>
           </a:p>
@@ -2659,7 +2659,7 @@
             <a:fld id="{7DDB771E-4AED-4DD3-8AA1-5D9FD2224F14}" type="datetimeFigureOut">
               <a:rPr lang="en-US" smtClean="0"/>
               <a:pPr/>
-              <a:t>2/1/2019</a:t>
+              <a:t>2/22/2019</a:t>
             </a:fld>
             <a:endParaRPr lang="en-US" dirty="0"/>
           </a:p>
@@ -2774,7 +2774,7 @@
             <a:fld id="{7DDB771E-4AED-4DD3-8AA1-5D9FD2224F14}" type="datetimeFigureOut">
               <a:rPr lang="en-US" smtClean="0"/>
               <a:pPr/>
-              <a:t>2/1/2019</a:t>
+              <a:t>2/22/2019</a:t>
             </a:fld>
             <a:endParaRPr lang="en-US" dirty="0"/>
           </a:p>
@@ -2866,7 +2866,7 @@
             <a:fld id="{7DDB771E-4AED-4DD3-8AA1-5D9FD2224F14}" type="datetimeFigureOut">
               <a:rPr lang="en-US" smtClean="0"/>
               <a:pPr/>
-              <a:t>2/1/2019</a:t>
+              <a:t>2/22/2019</a:t>
             </a:fld>
             <a:endParaRPr lang="en-US" dirty="0"/>
           </a:p>
@@ -3140,7 +3140,7 @@
             <a:fld id="{7DDB771E-4AED-4DD3-8AA1-5D9FD2224F14}" type="datetimeFigureOut">
               <a:rPr lang="en-US" smtClean="0"/>
               <a:pPr/>
-              <a:t>2/1/2019</a:t>
+              <a:t>2/22/2019</a:t>
             </a:fld>
             <a:endParaRPr lang="en-US" dirty="0"/>
           </a:p>
@@ -3390,7 +3390,7 @@
             <a:fld id="{7DDB771E-4AED-4DD3-8AA1-5D9FD2224F14}" type="datetimeFigureOut">
               <a:rPr lang="en-US" smtClean="0"/>
               <a:pPr/>
-              <a:t>2/1/2019</a:t>
+              <a:t>2/22/2019</a:t>
             </a:fld>
             <a:endParaRPr lang="en-US" dirty="0"/>
           </a:p>
@@ -3600,7 +3600,7 @@
             <a:fld id="{7DDB771E-4AED-4DD3-8AA1-5D9FD2224F14}" type="datetimeFigureOut">
               <a:rPr lang="en-US" smtClean="0"/>
               <a:pPr/>
-              <a:t>2/1/2019</a:t>
+              <a:t>2/22/2019</a:t>
             </a:fld>
             <a:endParaRPr lang="en-US" dirty="0"/>
           </a:p>
@@ -4026,11 +4026,7 @@
             <a:pPr algn="ctr"/>
             <a:r>
               <a:rPr lang="en-US" dirty="0" smtClean="0"/>
-              <a:t>Kirk </a:t>
-            </a:r>
-            <a:r>
-              <a:rPr lang="en-US" dirty="0" smtClean="0"/>
-              <a:t>Kalvar, KAL Technology</a:t>
+              <a:t>Kirk Kalvar, KAL Technology</a:t>
             </a:r>
           </a:p>
         </p:txBody>
@@ -4652,8 +4648,13 @@
             </a:r>
             <a:r>
               <a:rPr lang="en-US" dirty="0" smtClean="0"/>
-              <a:t>open-source Kubernetes software. Currently 1.10.3</a:t>
-            </a:r>
+              <a:t>open-source Kubernetes software. Currently </a:t>
+            </a:r>
+            <a:r>
+              <a:rPr lang="en-US" dirty="0" smtClean="0"/>
+              <a:t>1.11</a:t>
+            </a:r>
+            <a:endParaRPr lang="en-US" dirty="0" smtClean="0"/>
           </a:p>
           <a:p>
             <a:endParaRPr lang="en-US" dirty="0" smtClean="0"/>
@@ -4804,7 +4805,7 @@
         <p:spPr>
           <a:xfrm>
             <a:off x="1263242" y="1572798"/>
-            <a:ext cx="6705600" cy="2862322"/>
+            <a:ext cx="6705600" cy="3139321"/>
           </a:xfrm>
           <a:prstGeom prst="rect">
             <a:avLst/>
@@ -4905,8 +4906,13 @@
             </a:pPr>
             <a:r>
               <a:rPr lang="en-US" dirty="0" smtClean="0"/>
-              <a:t>  Installation time ~30 minutes	</a:t>
-            </a:r>
+              <a:t>  Installation time ~30 </a:t>
+            </a:r>
+            <a:r>
+              <a:rPr lang="en-US" dirty="0" smtClean="0"/>
+              <a:t>minutes using manual process, 15 minutes with CloudFormation</a:t>
+            </a:r>
+            <a:endParaRPr lang="en-US" dirty="0" smtClean="0"/>
           </a:p>
         </p:txBody>
       </p:sp>
@@ -5518,7 +5524,7 @@
         <p:spPr>
           <a:xfrm>
             <a:off x="757367" y="1584186"/>
-            <a:ext cx="7515090" cy="2862322"/>
+            <a:ext cx="7515090" cy="2585323"/>
           </a:xfrm>
           <a:prstGeom prst="rect">
             <a:avLst/>
@@ -5537,15 +5543,23 @@
             </a:pPr>
             <a:r>
               <a:rPr lang="en-US" dirty="0" smtClean="0"/>
-              <a:t>  To save time AWS EKS Cluster has already been configured using the AWS Web Console, CloudFormation scripts, a cloud-init script, and some manual configuration. </a:t>
-            </a:r>
-            <a:r>
-              <a:rPr lang="en-US" dirty="0"/>
-              <a:t> </a:t>
-            </a:r>
-            <a:r>
-              <a:rPr lang="en-US" dirty="0" smtClean="0"/>
-              <a:t> I’ve already:</a:t>
+              <a:t>  To save time AWS EKS Cluster has already been configured using the </a:t>
+            </a:r>
+            <a:r>
+              <a:rPr lang="en-US" dirty="0" smtClean="0"/>
+              <a:t>AWS CloudFormation </a:t>
+            </a:r>
+            <a:r>
+              <a:rPr lang="en-US" dirty="0" smtClean="0"/>
+              <a:t>scripts, </a:t>
+            </a:r>
+            <a:r>
+              <a:rPr lang="en-US" dirty="0" smtClean="0"/>
+              <a:t>an EC2 cloud-init script.  I’ve </a:t>
+            </a:r>
+            <a:r>
+              <a:rPr lang="en-US" dirty="0" smtClean="0"/>
+              <a:t>already:</a:t>
             </a:r>
           </a:p>
           <a:p>
@@ -5678,7 +5692,7 @@
         <p:spPr>
           <a:xfrm>
             <a:off x="757367" y="1584186"/>
-            <a:ext cx="7515090" cy="2031325"/>
+            <a:ext cx="7515090" cy="2585323"/>
           </a:xfrm>
           <a:prstGeom prst="rect">
             <a:avLst/>
@@ -5719,8 +5733,27 @@
             </a:r>
             <a:r>
               <a:rPr lang="en-US" dirty="0" smtClean="0"/>
-              <a:t>now, not what I would expect for a AWS Managed Service</a:t>
-            </a:r>
+              <a:t>now, not what I would expect for a AWS Managed </a:t>
+            </a:r>
+            <a:r>
+              <a:rPr lang="en-US" dirty="0" smtClean="0"/>
+              <a:t>Service</a:t>
+            </a:r>
+          </a:p>
+          <a:p>
+            <a:pPr lvl="1">
+              <a:buFont typeface="Arial" pitchFamily="34" charset="0"/>
+              <a:buChar char="•"/>
+            </a:pPr>
+            <a:r>
+              <a:rPr lang="en-US" dirty="0"/>
+              <a:t> </a:t>
+            </a:r>
+            <a:r>
+              <a:rPr lang="en-US" dirty="0" smtClean="0"/>
+              <a:t> I’ve created some CloudFormation and EC2 cloud-init scripts to speed the process</a:t>
+            </a:r>
+            <a:endParaRPr lang="en-US" dirty="0" smtClean="0"/>
           </a:p>
           <a:p>
             <a:pPr lvl="1">

--- a/slides/AWS-EKS-Cluster-Quickstart.pptx
+++ b/slides/AWS-EKS-Cluster-Quickstart.pptx
@@ -4010,7 +4010,7 @@
         <p:spPr>
           <a:xfrm>
             <a:off x="2875733" y="2777407"/>
-            <a:ext cx="2951754" cy="369332"/>
+            <a:ext cx="2951754" cy="646331"/>
           </a:xfrm>
           <a:prstGeom prst="rect">
             <a:avLst/>
@@ -4026,7 +4026,18 @@
             <a:pPr algn="ctr"/>
             <a:r>
               <a:rPr lang="en-US" dirty="0" smtClean="0"/>
-              <a:t>Kirk Kalvar, KAL Technology</a:t>
+              <a:t>@</a:t>
+            </a:r>
+            <a:r>
+              <a:rPr lang="en-US" dirty="0" smtClean="0"/>
+              <a:t>kskalvar</a:t>
+            </a:r>
+          </a:p>
+          <a:p>
+            <a:pPr algn="ctr"/>
+            <a:r>
+              <a:rPr lang="en-US" dirty="0" smtClean="0"/>
+              <a:t>kirk.kalvar@kal.technology</a:t>
             </a:r>
           </a:p>
         </p:txBody>
@@ -4648,13 +4659,8 @@
             </a:r>
             <a:r>
               <a:rPr lang="en-US" dirty="0" smtClean="0"/>
-              <a:t>open-source Kubernetes software. Currently </a:t>
-            </a:r>
-            <a:r>
-              <a:rPr lang="en-US" dirty="0" smtClean="0"/>
-              <a:t>1.11</a:t>
-            </a:r>
-            <a:endParaRPr lang="en-US" dirty="0" smtClean="0"/>
+              <a:t>open-source Kubernetes software. Currently 1.11</a:t>
+            </a:r>
           </a:p>
           <a:p>
             <a:endParaRPr lang="en-US" dirty="0" smtClean="0"/>
@@ -4906,13 +4912,8 @@
             </a:pPr>
             <a:r>
               <a:rPr lang="en-US" dirty="0" smtClean="0"/>
-              <a:t>  Installation time ~30 </a:t>
-            </a:r>
-            <a:r>
-              <a:rPr lang="en-US" dirty="0" smtClean="0"/>
-              <a:t>minutes using manual process, 15 minutes with CloudFormation</a:t>
-            </a:r>
-            <a:endParaRPr lang="en-US" dirty="0" smtClean="0"/>
+              <a:t>  Installation time ~30 minutes using manual process, 15 minutes with CloudFormation</a:t>
+            </a:r>
           </a:p>
         </p:txBody>
       </p:sp>
@@ -5291,7 +5292,7 @@
           <a:p>
             <a:r>
               <a:rPr lang="en-US" dirty="0" smtClean="0"/>
-              <a:t>Installation Steps</a:t>
+              <a:t>Manual Installation Steps</a:t>
             </a:r>
             <a:endParaRPr lang="en-US" dirty="0"/>
           </a:p>
@@ -5543,23 +5544,7 @@
             </a:pPr>
             <a:r>
               <a:rPr lang="en-US" dirty="0" smtClean="0"/>
-              <a:t>  To save time AWS EKS Cluster has already been configured using the </a:t>
-            </a:r>
-            <a:r>
-              <a:rPr lang="en-US" dirty="0" smtClean="0"/>
-              <a:t>AWS CloudFormation </a:t>
-            </a:r>
-            <a:r>
-              <a:rPr lang="en-US" dirty="0" smtClean="0"/>
-              <a:t>scripts, </a:t>
-            </a:r>
-            <a:r>
-              <a:rPr lang="en-US" dirty="0" smtClean="0"/>
-              <a:t>an EC2 cloud-init script.  I’ve </a:t>
-            </a:r>
-            <a:r>
-              <a:rPr lang="en-US" dirty="0" smtClean="0"/>
-              <a:t>already:</a:t>
+              <a:t>  To save time AWS EKS Cluster has already been configured using the AWS CloudFormation scripts, and an EC2 cloud-init script.  I’ve already:</a:t>
             </a:r>
           </a:p>
           <a:p>
@@ -5733,11 +5718,7 @@
             </a:r>
             <a:r>
               <a:rPr lang="en-US" dirty="0" smtClean="0"/>
-              <a:t>now, not what I would expect for a AWS Managed </a:t>
-            </a:r>
-            <a:r>
-              <a:rPr lang="en-US" dirty="0" smtClean="0"/>
-              <a:t>Service</a:t>
+              <a:t>now, not what I would expect for a AWS Managed Service</a:t>
             </a:r>
           </a:p>
           <a:p>
@@ -5753,7 +5734,6 @@
               <a:rPr lang="en-US" dirty="0" smtClean="0"/>
               <a:t> I’ve created some CloudFormation and EC2 cloud-init scripts to speed the process</a:t>
             </a:r>
-            <a:endParaRPr lang="en-US" dirty="0" smtClean="0"/>
           </a:p>
           <a:p>
             <a:pPr lvl="1">

--- a/slides/AWS-EKS-Cluster-Quickstart.pptx
+++ b/slides/AWS-EKS-Cluster-Quickstart.pptx
@@ -206,7 +206,7 @@
             <a:fld id="{814910AB-AEF0-414C-82CB-791080B1186B}" type="datetimeFigureOut">
               <a:rPr lang="en-US" smtClean="0"/>
               <a:pPr/>
-              <a:t>2/22/2019</a:t>
+              <a:t>5/17/2019</a:t>
             </a:fld>
             <a:endParaRPr lang="en-US" dirty="0"/>
           </a:p>
@@ -373,7 +373,7 @@
             <a:fld id="{5B4AE38D-E020-46F3-803D-8636C5B7B74E}" type="datetimeFigureOut">
               <a:rPr lang="en-US" smtClean="0"/>
               <a:pPr/>
-              <a:t>2/22/2019</a:t>
+              <a:t>5/17/2019</a:t>
             </a:fld>
             <a:endParaRPr lang="en-US" dirty="0"/>
           </a:p>
@@ -1201,7 +1201,7 @@
             <a:fld id="{7DDB771E-4AED-4DD3-8AA1-5D9FD2224F14}" type="datetimeFigureOut">
               <a:rPr lang="en-US" smtClean="0"/>
               <a:pPr/>
-              <a:t>2/22/2019</a:t>
+              <a:t>5/17/2019</a:t>
             </a:fld>
             <a:endParaRPr lang="en-US" dirty="0"/>
           </a:p>
@@ -1368,7 +1368,7 @@
             <a:fld id="{7DDB771E-4AED-4DD3-8AA1-5D9FD2224F14}" type="datetimeFigureOut">
               <a:rPr lang="en-US" smtClean="0"/>
               <a:pPr/>
-              <a:t>2/22/2019</a:t>
+              <a:t>5/17/2019</a:t>
             </a:fld>
             <a:endParaRPr lang="en-US" dirty="0"/>
           </a:p>
@@ -1545,7 +1545,7 @@
             <a:fld id="{7DDB771E-4AED-4DD3-8AA1-5D9FD2224F14}" type="datetimeFigureOut">
               <a:rPr lang="en-US" smtClean="0"/>
               <a:pPr/>
-              <a:t>2/22/2019</a:t>
+              <a:t>5/17/2019</a:t>
             </a:fld>
             <a:endParaRPr lang="en-US" dirty="0"/>
           </a:p>
@@ -1712,7 +1712,7 @@
             <a:fld id="{7DDB771E-4AED-4DD3-8AA1-5D9FD2224F14}" type="datetimeFigureOut">
               <a:rPr lang="en-US" smtClean="0"/>
               <a:pPr/>
-              <a:t>2/22/2019</a:t>
+              <a:t>5/17/2019</a:t>
             </a:fld>
             <a:endParaRPr lang="en-US" dirty="0"/>
           </a:p>
@@ -1955,7 +1955,7 @@
             <a:fld id="{7DDB771E-4AED-4DD3-8AA1-5D9FD2224F14}" type="datetimeFigureOut">
               <a:rPr lang="en-US" smtClean="0"/>
               <a:pPr/>
-              <a:t>2/22/2019</a:t>
+              <a:t>5/17/2019</a:t>
             </a:fld>
             <a:endParaRPr lang="en-US" dirty="0"/>
           </a:p>
@@ -2240,7 +2240,7 @@
             <a:fld id="{7DDB771E-4AED-4DD3-8AA1-5D9FD2224F14}" type="datetimeFigureOut">
               <a:rPr lang="en-US" smtClean="0"/>
               <a:pPr/>
-              <a:t>2/22/2019</a:t>
+              <a:t>5/17/2019</a:t>
             </a:fld>
             <a:endParaRPr lang="en-US" dirty="0"/>
           </a:p>
@@ -2659,7 +2659,7 @@
             <a:fld id="{7DDB771E-4AED-4DD3-8AA1-5D9FD2224F14}" type="datetimeFigureOut">
               <a:rPr lang="en-US" smtClean="0"/>
               <a:pPr/>
-              <a:t>2/22/2019</a:t>
+              <a:t>5/17/2019</a:t>
             </a:fld>
             <a:endParaRPr lang="en-US" dirty="0"/>
           </a:p>
@@ -2774,7 +2774,7 @@
             <a:fld id="{7DDB771E-4AED-4DD3-8AA1-5D9FD2224F14}" type="datetimeFigureOut">
               <a:rPr lang="en-US" smtClean="0"/>
               <a:pPr/>
-              <a:t>2/22/2019</a:t>
+              <a:t>5/17/2019</a:t>
             </a:fld>
             <a:endParaRPr lang="en-US" dirty="0"/>
           </a:p>
@@ -2866,7 +2866,7 @@
             <a:fld id="{7DDB771E-4AED-4DD3-8AA1-5D9FD2224F14}" type="datetimeFigureOut">
               <a:rPr lang="en-US" smtClean="0"/>
               <a:pPr/>
-              <a:t>2/22/2019</a:t>
+              <a:t>5/17/2019</a:t>
             </a:fld>
             <a:endParaRPr lang="en-US" dirty="0"/>
           </a:p>
@@ -3140,7 +3140,7 @@
             <a:fld id="{7DDB771E-4AED-4DD3-8AA1-5D9FD2224F14}" type="datetimeFigureOut">
               <a:rPr lang="en-US" smtClean="0"/>
               <a:pPr/>
-              <a:t>2/22/2019</a:t>
+              <a:t>5/17/2019</a:t>
             </a:fld>
             <a:endParaRPr lang="en-US" dirty="0"/>
           </a:p>
@@ -3390,7 +3390,7 @@
             <a:fld id="{7DDB771E-4AED-4DD3-8AA1-5D9FD2224F14}" type="datetimeFigureOut">
               <a:rPr lang="en-US" smtClean="0"/>
               <a:pPr/>
-              <a:t>2/22/2019</a:t>
+              <a:t>5/17/2019</a:t>
             </a:fld>
             <a:endParaRPr lang="en-US" dirty="0"/>
           </a:p>
@@ -3600,7 +3600,7 @@
             <a:fld id="{7DDB771E-4AED-4DD3-8AA1-5D9FD2224F14}" type="datetimeFigureOut">
               <a:rPr lang="en-US" smtClean="0"/>
               <a:pPr/>
-              <a:t>2/22/2019</a:t>
+              <a:t>5/17/2019</a:t>
             </a:fld>
             <a:endParaRPr lang="en-US" dirty="0"/>
           </a:p>
@@ -4009,8 +4009,8 @@
         </p:nvSpPr>
         <p:spPr>
           <a:xfrm>
-            <a:off x="2875733" y="2777407"/>
-            <a:ext cx="2951754" cy="646331"/>
+            <a:off x="2454378" y="2777407"/>
+            <a:ext cx="3641608" cy="1754326"/>
           </a:xfrm>
           <a:prstGeom prst="rect">
             <a:avLst/>
@@ -4022,6 +4022,31 @@
             <a:spAutoFit/>
           </a:bodyPr>
           <a:lstStyle/>
+          <a:p>
+            <a:pPr algn="ctr"/>
+            <a:r>
+              <a:rPr lang="en-US" dirty="0" smtClean="0"/>
+              <a:t>Kirk Kalvar</a:t>
+            </a:r>
+          </a:p>
+          <a:p>
+            <a:pPr algn="ctr"/>
+            <a:r>
+              <a:rPr lang="en-US" dirty="0" smtClean="0"/>
+              <a:t>Senior Software Engineer/Principal</a:t>
+            </a:r>
+          </a:p>
+          <a:p>
+            <a:pPr algn="ctr"/>
+            <a:r>
+              <a:rPr lang="en-US" dirty="0" smtClean="0"/>
+              <a:t>KAL Technology</a:t>
+            </a:r>
+          </a:p>
+          <a:p>
+            <a:pPr algn="ctr"/>
+            <a:endParaRPr lang="en-US" dirty="0"/>
+          </a:p>
           <a:p>
             <a:pPr algn="ctr"/>
             <a:r>
@@ -4659,8 +4684,17 @@
             </a:r>
             <a:r>
               <a:rPr lang="en-US" dirty="0" smtClean="0"/>
-              <a:t>open-source Kubernetes software. Currently 1.11</a:t>
-            </a:r>
+              <a:t>open-source Kubernetes software. </a:t>
+            </a:r>
+            <a:r>
+              <a:rPr lang="en-US" smtClean="0"/>
+              <a:t>Currently </a:t>
+            </a:r>
+            <a:r>
+              <a:rPr lang="en-US" smtClean="0"/>
+              <a:t>1.12</a:t>
+            </a:r>
+            <a:endParaRPr lang="en-US" dirty="0" smtClean="0"/>
           </a:p>
           <a:p>
             <a:endParaRPr lang="en-US" dirty="0" smtClean="0"/>

--- a/slides/AWS-EKS-Cluster-Quickstart.pptx
+++ b/slides/AWS-EKS-Cluster-Quickstart.pptx
@@ -206,7 +206,7 @@
             <a:fld id="{814910AB-AEF0-414C-82CB-791080B1186B}" type="datetimeFigureOut">
               <a:rPr lang="en-US" smtClean="0"/>
               <a:pPr/>
-              <a:t>5/17/2019</a:t>
+              <a:t>6/3/2019</a:t>
             </a:fld>
             <a:endParaRPr lang="en-US" dirty="0"/>
           </a:p>
@@ -373,7 +373,7 @@
             <a:fld id="{5B4AE38D-E020-46F3-803D-8636C5B7B74E}" type="datetimeFigureOut">
               <a:rPr lang="en-US" smtClean="0"/>
               <a:pPr/>
-              <a:t>5/17/2019</a:t>
+              <a:t>6/3/2019</a:t>
             </a:fld>
             <a:endParaRPr lang="en-US" dirty="0"/>
           </a:p>
@@ -1201,7 +1201,7 @@
             <a:fld id="{7DDB771E-4AED-4DD3-8AA1-5D9FD2224F14}" type="datetimeFigureOut">
               <a:rPr lang="en-US" smtClean="0"/>
               <a:pPr/>
-              <a:t>5/17/2019</a:t>
+              <a:t>6/3/2019</a:t>
             </a:fld>
             <a:endParaRPr lang="en-US" dirty="0"/>
           </a:p>
@@ -1368,7 +1368,7 @@
             <a:fld id="{7DDB771E-4AED-4DD3-8AA1-5D9FD2224F14}" type="datetimeFigureOut">
               <a:rPr lang="en-US" smtClean="0"/>
               <a:pPr/>
-              <a:t>5/17/2019</a:t>
+              <a:t>6/3/2019</a:t>
             </a:fld>
             <a:endParaRPr lang="en-US" dirty="0"/>
           </a:p>
@@ -1545,7 +1545,7 @@
             <a:fld id="{7DDB771E-4AED-4DD3-8AA1-5D9FD2224F14}" type="datetimeFigureOut">
               <a:rPr lang="en-US" smtClean="0"/>
               <a:pPr/>
-              <a:t>5/17/2019</a:t>
+              <a:t>6/3/2019</a:t>
             </a:fld>
             <a:endParaRPr lang="en-US" dirty="0"/>
           </a:p>
@@ -1712,7 +1712,7 @@
             <a:fld id="{7DDB771E-4AED-4DD3-8AA1-5D9FD2224F14}" type="datetimeFigureOut">
               <a:rPr lang="en-US" smtClean="0"/>
               <a:pPr/>
-              <a:t>5/17/2019</a:t>
+              <a:t>6/3/2019</a:t>
             </a:fld>
             <a:endParaRPr lang="en-US" dirty="0"/>
           </a:p>
@@ -1955,7 +1955,7 @@
             <a:fld id="{7DDB771E-4AED-4DD3-8AA1-5D9FD2224F14}" type="datetimeFigureOut">
               <a:rPr lang="en-US" smtClean="0"/>
               <a:pPr/>
-              <a:t>5/17/2019</a:t>
+              <a:t>6/3/2019</a:t>
             </a:fld>
             <a:endParaRPr lang="en-US" dirty="0"/>
           </a:p>
@@ -2240,7 +2240,7 @@
             <a:fld id="{7DDB771E-4AED-4DD3-8AA1-5D9FD2224F14}" type="datetimeFigureOut">
               <a:rPr lang="en-US" smtClean="0"/>
               <a:pPr/>
-              <a:t>5/17/2019</a:t>
+              <a:t>6/3/2019</a:t>
             </a:fld>
             <a:endParaRPr lang="en-US" dirty="0"/>
           </a:p>
@@ -2659,7 +2659,7 @@
             <a:fld id="{7DDB771E-4AED-4DD3-8AA1-5D9FD2224F14}" type="datetimeFigureOut">
               <a:rPr lang="en-US" smtClean="0"/>
               <a:pPr/>
-              <a:t>5/17/2019</a:t>
+              <a:t>6/3/2019</a:t>
             </a:fld>
             <a:endParaRPr lang="en-US" dirty="0"/>
           </a:p>
@@ -2774,7 +2774,7 @@
             <a:fld id="{7DDB771E-4AED-4DD3-8AA1-5D9FD2224F14}" type="datetimeFigureOut">
               <a:rPr lang="en-US" smtClean="0"/>
               <a:pPr/>
-              <a:t>5/17/2019</a:t>
+              <a:t>6/3/2019</a:t>
             </a:fld>
             <a:endParaRPr lang="en-US" dirty="0"/>
           </a:p>
@@ -2866,7 +2866,7 @@
             <a:fld id="{7DDB771E-4AED-4DD3-8AA1-5D9FD2224F14}" type="datetimeFigureOut">
               <a:rPr lang="en-US" smtClean="0"/>
               <a:pPr/>
-              <a:t>5/17/2019</a:t>
+              <a:t>6/3/2019</a:t>
             </a:fld>
             <a:endParaRPr lang="en-US" dirty="0"/>
           </a:p>
@@ -3140,7 +3140,7 @@
             <a:fld id="{7DDB771E-4AED-4DD3-8AA1-5D9FD2224F14}" type="datetimeFigureOut">
               <a:rPr lang="en-US" smtClean="0"/>
               <a:pPr/>
-              <a:t>5/17/2019</a:t>
+              <a:t>6/3/2019</a:t>
             </a:fld>
             <a:endParaRPr lang="en-US" dirty="0"/>
           </a:p>
@@ -3390,7 +3390,7 @@
             <a:fld id="{7DDB771E-4AED-4DD3-8AA1-5D9FD2224F14}" type="datetimeFigureOut">
               <a:rPr lang="en-US" smtClean="0"/>
               <a:pPr/>
-              <a:t>5/17/2019</a:t>
+              <a:t>6/3/2019</a:t>
             </a:fld>
             <a:endParaRPr lang="en-US" dirty="0"/>
           </a:p>
@@ -3600,7 +3600,7 @@
             <a:fld id="{7DDB771E-4AED-4DD3-8AA1-5D9FD2224F14}" type="datetimeFigureOut">
               <a:rPr lang="en-US" smtClean="0"/>
               <a:pPr/>
-              <a:t>5/17/2019</a:t>
+              <a:t>6/3/2019</a:t>
             </a:fld>
             <a:endParaRPr lang="en-US" dirty="0"/>
           </a:p>
@@ -4010,7 +4010,7 @@
         <p:spPr>
           <a:xfrm>
             <a:off x="2454378" y="2777407"/>
-            <a:ext cx="3641608" cy="1754326"/>
+            <a:ext cx="3641608" cy="1477328"/>
           </a:xfrm>
           <a:prstGeom prst="rect">
             <a:avLst/>
@@ -4045,18 +4045,7 @@
           </a:p>
           <a:p>
             <a:pPr algn="ctr"/>
-            <a:endParaRPr lang="en-US" dirty="0"/>
-          </a:p>
-          <a:p>
-            <a:pPr algn="ctr"/>
-            <a:r>
-              <a:rPr lang="en-US" dirty="0" smtClean="0"/>
-              <a:t>@</a:t>
-            </a:r>
-            <a:r>
-              <a:rPr lang="en-US" dirty="0" smtClean="0"/>
-              <a:t>kskalvar</a:t>
-            </a:r>
+            <a:endParaRPr lang="en-US" dirty="0" smtClean="0"/>
           </a:p>
           <a:p>
             <a:pPr algn="ctr"/>
@@ -4688,11 +4677,7 @@
             </a:r>
             <a:r>
               <a:rPr lang="en-US" smtClean="0"/>
-              <a:t>Currently </a:t>
-            </a:r>
-            <a:r>
-              <a:rPr lang="en-US" smtClean="0"/>
-              <a:t>1.12</a:t>
+              <a:t>Currently 1.12</a:t>
             </a:r>
             <a:endParaRPr lang="en-US" dirty="0" smtClean="0"/>
           </a:p>
@@ -4845,7 +4830,7 @@
         <p:spPr>
           <a:xfrm>
             <a:off x="1263242" y="1572798"/>
-            <a:ext cx="6705600" cy="3139321"/>
+            <a:ext cx="6705600" cy="2862322"/>
           </a:xfrm>
           <a:prstGeom prst="rect">
             <a:avLst/>
@@ -4902,7 +4887,15 @@
             </a:pPr>
             <a:r>
               <a:rPr lang="en-US" dirty="0" smtClean="0"/>
-              <a:t>  AWS Service Role  </a:t>
+              <a:t>  </a:t>
+            </a:r>
+            <a:r>
+              <a:rPr lang="en-US" dirty="0" smtClean="0"/>
+              <a:t>Service </a:t>
+            </a:r>
+            <a:r>
+              <a:rPr lang="en-US" dirty="0" smtClean="0"/>
+              <a:t>Role  </a:t>
             </a:r>
           </a:p>
           <a:p>
@@ -4912,8 +4905,13 @@
             </a:pPr>
             <a:r>
               <a:rPr lang="en-US" dirty="0" smtClean="0"/>
-              <a:t>  AWS VPC  </a:t>
-            </a:r>
+              <a:t>  </a:t>
+            </a:r>
+            <a:r>
+              <a:rPr lang="en-US" dirty="0" smtClean="0"/>
+              <a:t>VPC  </a:t>
+            </a:r>
+            <a:endParaRPr lang="en-US" dirty="0" smtClean="0"/>
           </a:p>
           <a:p>
             <a:pPr lvl="1">
@@ -4922,7 +4920,15 @@
             </a:pPr>
             <a:r>
               <a:rPr lang="en-US" dirty="0" smtClean="0"/>
-              <a:t>  AWS EKS Cluster (installs Master Nodes)</a:t>
+              <a:t>  </a:t>
+            </a:r>
+            <a:r>
+              <a:rPr lang="en-US" dirty="0" smtClean="0"/>
+              <a:t>EKS </a:t>
+            </a:r>
+            <a:r>
+              <a:rPr lang="en-US" dirty="0" smtClean="0"/>
+              <a:t>Cluster (installs Master Nodes)</a:t>
             </a:r>
           </a:p>
           <a:p>
@@ -4936,7 +4942,15 @@
             </a:r>
             <a:r>
               <a:rPr lang="en-US" dirty="0" smtClean="0"/>
-              <a:t> Three AWS EC2 worker nodes (one for each AWS Availability Zone)</a:t>
+              <a:t> Three </a:t>
+            </a:r>
+            <a:r>
+              <a:rPr lang="en-US" dirty="0" smtClean="0"/>
+              <a:t>EC2 </a:t>
+            </a:r>
+            <a:r>
+              <a:rPr lang="en-US" dirty="0" smtClean="0"/>
+              <a:t>worker nodes (one for each AWS Availability Zone)</a:t>
             </a:r>
           </a:p>
           <a:p>
@@ -5559,7 +5573,7 @@
         <p:spPr>
           <a:xfrm>
             <a:off x="757367" y="1584186"/>
-            <a:ext cx="7515090" cy="2585323"/>
+            <a:ext cx="7515090" cy="2862322"/>
           </a:xfrm>
           <a:prstGeom prst="rect">
             <a:avLst/>
@@ -5578,7 +5592,33 @@
             </a:pPr>
             <a:r>
               <a:rPr lang="en-US" dirty="0" smtClean="0"/>
-              <a:t>  To save time AWS EKS Cluster has already been configured using the AWS CloudFormation scripts, and an EC2 cloud-init script.  I’ve already:</a:t>
+              <a:t>  To save time AWS EKS Cluster has already been configured using the AWS CloudFormation scripts, and an EC2 cloud-init </a:t>
+            </a:r>
+            <a:r>
+              <a:rPr lang="en-US" dirty="0" smtClean="0"/>
+              <a:t>script.</a:t>
+            </a:r>
+          </a:p>
+          <a:p>
+            <a:pPr>
+              <a:buFont typeface="Arial" pitchFamily="34" charset="0"/>
+              <a:buChar char="•"/>
+            </a:pPr>
+            <a:r>
+              <a:rPr lang="en-US" dirty="0"/>
+              <a:t> </a:t>
+            </a:r>
+            <a:r>
+              <a:rPr lang="en-US" dirty="0" smtClean="0"/>
+              <a:t> </a:t>
+            </a:r>
+            <a:r>
+              <a:rPr lang="en-US" dirty="0" smtClean="0"/>
+              <a:t>I’ve </a:t>
+            </a:r>
+            <a:r>
+              <a:rPr lang="en-US" dirty="0" smtClean="0"/>
+              <a:t>already:</a:t>
             </a:r>
           </a:p>
           <a:p>
@@ -5711,7 +5751,7 @@
         <p:spPr>
           <a:xfrm>
             <a:off x="757367" y="1584186"/>
-            <a:ext cx="7515090" cy="2585323"/>
+            <a:ext cx="7515090" cy="2862322"/>
           </a:xfrm>
           <a:prstGeom prst="rect">
             <a:avLst/>
@@ -5766,7 +5806,15 @@
             </a:r>
             <a:r>
               <a:rPr lang="en-US" dirty="0" smtClean="0"/>
-              <a:t> I’ve created some CloudFormation and EC2 cloud-init scripts to speed the process</a:t>
+              <a:t> </a:t>
+            </a:r>
+            <a:r>
+              <a:rPr lang="en-US" dirty="0" smtClean="0"/>
+              <a:t>Need for CloudFormation </a:t>
+            </a:r>
+            <a:r>
+              <a:rPr lang="en-US" dirty="0" smtClean="0"/>
+              <a:t>and EC2 cloud-init scripts to speed the process</a:t>
             </a:r>
           </a:p>
           <a:p>
@@ -5788,7 +5836,7 @@
             </a:r>
             <a:r>
               <a:rPr lang="en-US" dirty="0" smtClean="0"/>
-              <a:t>2018</a:t>
+              <a:t>2018 (still not released as of this date)</a:t>
             </a:r>
           </a:p>
           <a:p>
@@ -5826,7 +5874,11 @@
             </a:r>
             <a:r>
               <a:rPr lang="en-US" dirty="0" smtClean="0"/>
-              <a:t> kubectl vs. kops</a:t>
+              <a:t> kubectl vs. </a:t>
+            </a:r>
+            <a:r>
+              <a:rPr lang="en-US" dirty="0" smtClean="0"/>
+              <a:t>kops</a:t>
             </a:r>
           </a:p>
         </p:txBody>

--- a/slides/AWS-EKS-Cluster-Quickstart.pptx
+++ b/slides/AWS-EKS-Cluster-Quickstart.pptx
@@ -5,23 +5,24 @@
     <p:sldMasterId id="2147483852" r:id="rId1"/>
   </p:sldMasterIdLst>
   <p:notesMasterIdLst>
-    <p:notesMasterId r:id="rId13"/>
+    <p:notesMasterId r:id="rId14"/>
   </p:notesMasterIdLst>
   <p:handoutMasterIdLst>
-    <p:handoutMasterId r:id="rId14"/>
+    <p:handoutMasterId r:id="rId15"/>
   </p:handoutMasterIdLst>
   <p:sldIdLst>
     <p:sldId id="256" r:id="rId2"/>
-    <p:sldId id="258" r:id="rId3"/>
-    <p:sldId id="270" r:id="rId4"/>
-    <p:sldId id="266" r:id="rId5"/>
-    <p:sldId id="267" r:id="rId6"/>
-    <p:sldId id="269" r:id="rId7"/>
-    <p:sldId id="262" r:id="rId8"/>
-    <p:sldId id="272" r:id="rId9"/>
-    <p:sldId id="271" r:id="rId10"/>
-    <p:sldId id="268" r:id="rId11"/>
-    <p:sldId id="265" r:id="rId12"/>
+    <p:sldId id="273" r:id="rId3"/>
+    <p:sldId id="258" r:id="rId4"/>
+    <p:sldId id="270" r:id="rId5"/>
+    <p:sldId id="266" r:id="rId6"/>
+    <p:sldId id="267" r:id="rId7"/>
+    <p:sldId id="269" r:id="rId8"/>
+    <p:sldId id="262" r:id="rId9"/>
+    <p:sldId id="272" r:id="rId10"/>
+    <p:sldId id="271" r:id="rId11"/>
+    <p:sldId id="268" r:id="rId12"/>
+    <p:sldId id="265" r:id="rId13"/>
   </p:sldIdLst>
   <p:sldSz cx="9144000" cy="6858000" type="screen4x3"/>
   <p:notesSz cx="6858000" cy="9144000"/>
@@ -206,7 +207,7 @@
             <a:fld id="{814910AB-AEF0-414C-82CB-791080B1186B}" type="datetimeFigureOut">
               <a:rPr lang="en-US" smtClean="0"/>
               <a:pPr/>
-              <a:t>6/3/2019</a:t>
+              <a:t>8/8/2019</a:t>
             </a:fld>
             <a:endParaRPr lang="en-US" dirty="0"/>
           </a:p>
@@ -373,7 +374,7 @@
             <a:fld id="{5B4AE38D-E020-46F3-803D-8636C5B7B74E}" type="datetimeFigureOut">
               <a:rPr lang="en-US" smtClean="0"/>
               <a:pPr/>
-              <a:t>6/3/2019</a:t>
+              <a:t>8/8/2019</a:t>
             </a:fld>
             <a:endParaRPr lang="en-US" dirty="0"/>
           </a:p>
@@ -755,7 +756,7 @@
             <a:fld id="{74DE7DC8-A302-4EFB-9208-987A80C71CE4}" type="slidenum">
               <a:rPr lang="en-US" smtClean="0"/>
               <a:pPr/>
-              <a:t>7</a:t>
+              <a:t>8</a:t>
             </a:fld>
             <a:endParaRPr lang="en-US" dirty="0"/>
           </a:p>
@@ -880,7 +881,7 @@
             <a:fld id="{74DE7DC8-A302-4EFB-9208-987A80C71CE4}" type="slidenum">
               <a:rPr lang="en-US" smtClean="0"/>
               <a:pPr/>
-              <a:t>8</a:t>
+              <a:t>9</a:t>
             </a:fld>
             <a:endParaRPr lang="en-US" dirty="0"/>
           </a:p>
@@ -1005,7 +1006,7 @@
             <a:fld id="{74DE7DC8-A302-4EFB-9208-987A80C71CE4}" type="slidenum">
               <a:rPr lang="en-US" smtClean="0"/>
               <a:pPr/>
-              <a:t>9</a:t>
+              <a:t>10</a:t>
             </a:fld>
             <a:endParaRPr lang="en-US" dirty="0"/>
           </a:p>
@@ -1201,7 +1202,7 @@
             <a:fld id="{7DDB771E-4AED-4DD3-8AA1-5D9FD2224F14}" type="datetimeFigureOut">
               <a:rPr lang="en-US" smtClean="0"/>
               <a:pPr/>
-              <a:t>6/3/2019</a:t>
+              <a:t>8/8/2019</a:t>
             </a:fld>
             <a:endParaRPr lang="en-US" dirty="0"/>
           </a:p>
@@ -1368,7 +1369,7 @@
             <a:fld id="{7DDB771E-4AED-4DD3-8AA1-5D9FD2224F14}" type="datetimeFigureOut">
               <a:rPr lang="en-US" smtClean="0"/>
               <a:pPr/>
-              <a:t>6/3/2019</a:t>
+              <a:t>8/8/2019</a:t>
             </a:fld>
             <a:endParaRPr lang="en-US" dirty="0"/>
           </a:p>
@@ -1545,7 +1546,7 @@
             <a:fld id="{7DDB771E-4AED-4DD3-8AA1-5D9FD2224F14}" type="datetimeFigureOut">
               <a:rPr lang="en-US" smtClean="0"/>
               <a:pPr/>
-              <a:t>6/3/2019</a:t>
+              <a:t>8/8/2019</a:t>
             </a:fld>
             <a:endParaRPr lang="en-US" dirty="0"/>
           </a:p>
@@ -1712,7 +1713,7 @@
             <a:fld id="{7DDB771E-4AED-4DD3-8AA1-5D9FD2224F14}" type="datetimeFigureOut">
               <a:rPr lang="en-US" smtClean="0"/>
               <a:pPr/>
-              <a:t>6/3/2019</a:t>
+              <a:t>8/8/2019</a:t>
             </a:fld>
             <a:endParaRPr lang="en-US" dirty="0"/>
           </a:p>
@@ -1955,7 +1956,7 @@
             <a:fld id="{7DDB771E-4AED-4DD3-8AA1-5D9FD2224F14}" type="datetimeFigureOut">
               <a:rPr lang="en-US" smtClean="0"/>
               <a:pPr/>
-              <a:t>6/3/2019</a:t>
+              <a:t>8/8/2019</a:t>
             </a:fld>
             <a:endParaRPr lang="en-US" dirty="0"/>
           </a:p>
@@ -2240,7 +2241,7 @@
             <a:fld id="{7DDB771E-4AED-4DD3-8AA1-5D9FD2224F14}" type="datetimeFigureOut">
               <a:rPr lang="en-US" smtClean="0"/>
               <a:pPr/>
-              <a:t>6/3/2019</a:t>
+              <a:t>8/8/2019</a:t>
             </a:fld>
             <a:endParaRPr lang="en-US" dirty="0"/>
           </a:p>
@@ -2659,7 +2660,7 @@
             <a:fld id="{7DDB771E-4AED-4DD3-8AA1-5D9FD2224F14}" type="datetimeFigureOut">
               <a:rPr lang="en-US" smtClean="0"/>
               <a:pPr/>
-              <a:t>6/3/2019</a:t>
+              <a:t>8/8/2019</a:t>
             </a:fld>
             <a:endParaRPr lang="en-US" dirty="0"/>
           </a:p>
@@ -2774,7 +2775,7 @@
             <a:fld id="{7DDB771E-4AED-4DD3-8AA1-5D9FD2224F14}" type="datetimeFigureOut">
               <a:rPr lang="en-US" smtClean="0"/>
               <a:pPr/>
-              <a:t>6/3/2019</a:t>
+              <a:t>8/8/2019</a:t>
             </a:fld>
             <a:endParaRPr lang="en-US" dirty="0"/>
           </a:p>
@@ -2866,7 +2867,7 @@
             <a:fld id="{7DDB771E-4AED-4DD3-8AA1-5D9FD2224F14}" type="datetimeFigureOut">
               <a:rPr lang="en-US" smtClean="0"/>
               <a:pPr/>
-              <a:t>6/3/2019</a:t>
+              <a:t>8/8/2019</a:t>
             </a:fld>
             <a:endParaRPr lang="en-US" dirty="0"/>
           </a:p>
@@ -3140,7 +3141,7 @@
             <a:fld id="{7DDB771E-4AED-4DD3-8AA1-5D9FD2224F14}" type="datetimeFigureOut">
               <a:rPr lang="en-US" smtClean="0"/>
               <a:pPr/>
-              <a:t>6/3/2019</a:t>
+              <a:t>8/8/2019</a:t>
             </a:fld>
             <a:endParaRPr lang="en-US" dirty="0"/>
           </a:p>
@@ -3390,7 +3391,7 @@
             <a:fld id="{7DDB771E-4AED-4DD3-8AA1-5D9FD2224F14}" type="datetimeFigureOut">
               <a:rPr lang="en-US" smtClean="0"/>
               <a:pPr/>
-              <a:t>6/3/2019</a:t>
+              <a:t>8/8/2019</a:t>
             </a:fld>
             <a:endParaRPr lang="en-US" dirty="0"/>
           </a:p>
@@ -3600,7 +3601,7 @@
             <a:fld id="{7DDB771E-4AED-4DD3-8AA1-5D9FD2224F14}" type="datetimeFigureOut">
               <a:rPr lang="en-US" smtClean="0"/>
               <a:pPr/>
-              <a:t>6/3/2019</a:t>
+              <a:t>8/8/2019</a:t>
             </a:fld>
             <a:endParaRPr lang="en-US" dirty="0"/>
           </a:p>
@@ -4010,7 +4011,7 @@
         <p:spPr>
           <a:xfrm>
             <a:off x="2454378" y="2777407"/>
-            <a:ext cx="3641608" cy="1477328"/>
+            <a:ext cx="3641608" cy="1754326"/>
           </a:xfrm>
           <a:prstGeom prst="rect">
             <a:avLst/>
@@ -4052,6 +4053,13 @@
             <a:r>
               <a:rPr lang="en-US" dirty="0" smtClean="0"/>
               <a:t>kirk.kalvar@kal.technology</a:t>
+            </a:r>
+          </a:p>
+          <a:p>
+            <a:pPr algn="ctr"/>
+            <a:r>
+              <a:rPr lang="en-US" dirty="0" smtClean="0"/>
+              <a:t>@kskalvar</a:t>
             </a:r>
           </a:p>
         </p:txBody>
@@ -4151,7 +4159,7 @@
       </p:grpSpPr>
       <p:sp>
         <p:nvSpPr>
-          <p:cNvPr id="2" name="Title 1"/>
+          <p:cNvPr id="3" name="Title 1"/>
           <p:cNvSpPr>
             <a:spLocks noGrp="1"/>
           </p:cNvSpPr>
@@ -4166,16 +4174,161 @@
           <a:p>
             <a:r>
               <a:rPr lang="en-US" dirty="0" smtClean="0"/>
-              <a:t>Questions?</a:t>
-            </a:r>
-            <a:endParaRPr lang="en-US" dirty="0"/>
+              <a:t>Conclusions</a:t>
+            </a:r>
+            <a:endParaRPr lang="en-US" dirty="0"/>
+          </a:p>
+        </p:txBody>
+      </p:sp>
+      <p:sp>
+        <p:nvSpPr>
+          <p:cNvPr id="5" name="TextBox 4"/>
+          <p:cNvSpPr txBox="1"/>
+          <p:nvPr/>
+        </p:nvSpPr>
+        <p:spPr>
+          <a:xfrm>
+            <a:off x="757367" y="1584186"/>
+            <a:ext cx="7515090" cy="2862322"/>
+          </a:xfrm>
+          <a:prstGeom prst="rect">
+            <a:avLst/>
+          </a:prstGeom>
+          <a:noFill/>
+        </p:spPr>
+        <p:txBody>
+          <a:bodyPr wrap="square" rtlCol="0">
+            <a:spAutoFit/>
+          </a:bodyPr>
+          <a:lstStyle/>
+          <a:p>
+            <a:pPr>
+              <a:buFont typeface="Arial" pitchFamily="34" charset="0"/>
+              <a:buChar char="•"/>
+            </a:pPr>
+            <a:r>
+              <a:rPr lang="en-US" dirty="0" smtClean="0"/>
+              <a:t>  Cons</a:t>
+            </a:r>
+          </a:p>
+          <a:p>
+            <a:pPr lvl="1">
+              <a:buFont typeface="Arial" pitchFamily="34" charset="0"/>
+              <a:buChar char="•"/>
+            </a:pPr>
+            <a:r>
+              <a:rPr lang="en-US" dirty="0"/>
+              <a:t> </a:t>
+            </a:r>
+            <a:r>
+              <a:rPr lang="en-US" dirty="0" smtClean="0"/>
+              <a:t>Unfortunately </a:t>
+            </a:r>
+            <a:r>
+              <a:rPr lang="en-US" dirty="0"/>
+              <a:t>this is </a:t>
+            </a:r>
+            <a:r>
+              <a:rPr lang="en-US" dirty="0" smtClean="0"/>
+              <a:t>still a </a:t>
+            </a:r>
+            <a:r>
+              <a:rPr lang="en-US" dirty="0"/>
+              <a:t>pretty manual effort right </a:t>
+            </a:r>
+            <a:r>
+              <a:rPr lang="en-US" dirty="0" smtClean="0"/>
+              <a:t>now, not what I would expect for a AWS Managed Service</a:t>
+            </a:r>
+          </a:p>
+          <a:p>
+            <a:pPr lvl="1">
+              <a:buFont typeface="Arial" pitchFamily="34" charset="0"/>
+              <a:buChar char="•"/>
+            </a:pPr>
+            <a:r>
+              <a:rPr lang="en-US" dirty="0"/>
+              <a:t> </a:t>
+            </a:r>
+            <a:r>
+              <a:rPr lang="en-US" dirty="0" smtClean="0"/>
+              <a:t> We created a CloudFormation and EC2 cloud-init scripts to speed the process</a:t>
+            </a:r>
+          </a:p>
+          <a:p>
+            <a:pPr lvl="1">
+              <a:buFont typeface="Arial" pitchFamily="34" charset="0"/>
+              <a:buChar char="•"/>
+            </a:pPr>
+            <a:r>
+              <a:rPr lang="en-US" dirty="0"/>
+              <a:t> </a:t>
+            </a:r>
+            <a:r>
+              <a:rPr lang="en-US" dirty="0" smtClean="0"/>
+              <a:t> </a:t>
+            </a:r>
+            <a:r>
+              <a:rPr lang="en-US" dirty="0"/>
+              <a:t>AWS Fargate support for Amazon EKS </a:t>
+            </a:r>
+            <a:r>
+              <a:rPr lang="en-US" dirty="0" smtClean="0"/>
+              <a:t>was suppose to be </a:t>
+            </a:r>
+            <a:r>
+              <a:rPr lang="en-US" dirty="0"/>
+              <a:t>available in </a:t>
+            </a:r>
+            <a:r>
+              <a:rPr lang="en-US" dirty="0" smtClean="0"/>
+              <a:t>2018 (still not released as of this date)</a:t>
+            </a:r>
+          </a:p>
+          <a:p>
+            <a:pPr>
+              <a:buFont typeface="Arial" pitchFamily="34" charset="0"/>
+              <a:buChar char="•"/>
+            </a:pPr>
+            <a:r>
+              <a:rPr lang="en-US" dirty="0" smtClean="0"/>
+              <a:t>  Pros</a:t>
+            </a:r>
+          </a:p>
+          <a:p>
+            <a:pPr lvl="1">
+              <a:buFont typeface="Arial" pitchFamily="34" charset="0"/>
+              <a:buChar char="•"/>
+            </a:pPr>
+            <a:r>
+              <a:rPr lang="en-US" dirty="0"/>
+              <a:t> </a:t>
+            </a:r>
+            <a:r>
+              <a:rPr lang="en-US" dirty="0" smtClean="0"/>
+              <a:t> Provision Kubernetes Masters across AWS Availability Zones</a:t>
+            </a:r>
+          </a:p>
+          <a:p>
+            <a:pPr lvl="1">
+              <a:buFont typeface="Arial" pitchFamily="34" charset="0"/>
+              <a:buChar char="•"/>
+            </a:pPr>
+            <a:r>
+              <a:rPr lang="en-US" dirty="0"/>
+              <a:t> </a:t>
+            </a:r>
+            <a:r>
+              <a:rPr lang="en-US" dirty="0" smtClean="0"/>
+              <a:t> kubectl vs. kops</a:t>
+            </a:r>
           </a:p>
         </p:txBody>
       </p:sp>
     </p:spTree>
     <p:extLst>
       <p:ext uri="{BB962C8B-B14F-4D97-AF65-F5344CB8AC3E}">
-        <p14:creationId xmlns:p14="http://schemas.microsoft.com/office/powerpoint/2010/main" val="1733325867"/>
+        <p14:creationId xmlns:p14="http://schemas.microsoft.com/office/powerpoint/2010/main" val="1236400761"/>
       </p:ext>
     </p:extLst>
   </p:cSld>
@@ -4211,6 +4364,66 @@
       </p:grpSpPr>
       <p:sp>
         <p:nvSpPr>
+          <p:cNvPr id="2" name="Title 1"/>
+          <p:cNvSpPr>
+            <a:spLocks noGrp="1"/>
+          </p:cNvSpPr>
+          <p:nvPr>
+            <p:ph type="title"/>
+          </p:nvPr>
+        </p:nvSpPr>
+        <p:spPr/>
+        <p:txBody>
+          <a:bodyPr/>
+          <a:lstStyle/>
+          <a:p>
+            <a:r>
+              <a:rPr lang="en-US" dirty="0" smtClean="0"/>
+              <a:t>Questions?</a:t>
+            </a:r>
+            <a:endParaRPr lang="en-US" dirty="0"/>
+          </a:p>
+        </p:txBody>
+      </p:sp>
+    </p:spTree>
+    <p:extLst>
+      <p:ext uri="{BB962C8B-B14F-4D97-AF65-F5344CB8AC3E}">
+        <p14:creationId xmlns:p14="http://schemas.microsoft.com/office/powerpoint/2010/main" val="1733325867"/>
+      </p:ext>
+    </p:extLst>
+  </p:cSld>
+  <p:clrMapOvr>
+    <a:masterClrMapping/>
+  </p:clrMapOvr>
+  <p:timing>
+    <p:tnLst>
+      <p:par>
+        <p:cTn id="1" dur="indefinite" restart="never" nodeType="tmRoot"/>
+      </p:par>
+    </p:tnLst>
+  </p:timing>
+</p:sld>
+</file>
+
+<file path=ppt/slides/slide12.xml><?xml version="1.0" encoding="utf-8"?>
+<p:sld xmlns:a="http://schemas.openxmlformats.org/drawingml/2006/main" xmlns:r="http://schemas.openxmlformats.org/officeDocument/2006/relationships" xmlns:p="http://schemas.openxmlformats.org/presentationml/2006/main">
+  <p:cSld>
+    <p:spTree>
+      <p:nvGrpSpPr>
+        <p:cNvPr id="1" name=""/>
+        <p:cNvGrpSpPr/>
+        <p:nvPr/>
+      </p:nvGrpSpPr>
+      <p:grpSpPr>
+        <a:xfrm>
+          <a:off x="0" y="0"/>
+          <a:ext cx="0" cy="0"/>
+          <a:chOff x="0" y="0"/>
+          <a:chExt cx="0" cy="0"/>
+        </a:xfrm>
+      </p:grpSpPr>
+      <p:sp>
+        <p:nvSpPr>
           <p:cNvPr id="5" name="TextBox 4"/>
           <p:cNvSpPr txBox="1"/>
           <p:nvPr/>
@@ -4387,8 +4600,8 @@
         </p:nvSpPr>
         <p:spPr>
           <a:xfrm>
-            <a:off x="1082028" y="1683147"/>
-            <a:ext cx="6705600" cy="2031325"/>
+            <a:off x="1082028" y="1456570"/>
+            <a:ext cx="7050468" cy="2308324"/>
           </a:xfrm>
           <a:prstGeom prst="rect">
             <a:avLst/>
@@ -4406,20 +4619,37 @@
               <a:buChar char="•"/>
             </a:pPr>
             <a:r>
-              <a:rPr lang="en-US" dirty="0" smtClean="0"/>
-              <a:t>  Kubernetes has fast established itself as the leading platform for managing </a:t>
-            </a:r>
-            <a:r>
-              <a:rPr lang="en-US" dirty="0"/>
-              <a:t>containerized workloads and services</a:t>
-            </a:r>
-            <a:r>
-              <a:rPr lang="en-US" dirty="0" smtClean="0"/>
-              <a:t>.</a:t>
-            </a:r>
-          </a:p>
-          <a:p>
-            <a:endParaRPr lang="en-US" dirty="0" smtClean="0"/>
+              <a:rPr lang="en-US" dirty="0">
+                <a:solidFill>
+                  <a:prstClr val="black"/>
+                </a:solidFill>
+              </a:rPr>
+              <a:t> </a:t>
+            </a:r>
+            <a:r>
+              <a:rPr lang="en-US" dirty="0" smtClean="0">
+                <a:solidFill>
+                  <a:prstClr val="black"/>
+                </a:solidFill>
+              </a:rPr>
+              <a:t> </a:t>
+            </a:r>
+            <a:r>
+              <a:rPr lang="en-US" dirty="0" smtClean="0">
+                <a:solidFill>
+                  <a:prstClr val="black"/>
+                </a:solidFill>
+              </a:rPr>
+              <a:t>Used Docker </a:t>
+            </a:r>
+            <a:r>
+              <a:rPr lang="en-US" dirty="0" smtClean="0">
+                <a:solidFill>
+                  <a:prstClr val="black"/>
+                </a:solidFill>
+              </a:rPr>
+              <a:t>locally but quickly realized I really need a path to Production</a:t>
+            </a:r>
           </a:p>
           <a:p>
             <a:pPr>
@@ -4427,12 +4657,12 @@
               <a:buChar char="•"/>
             </a:pPr>
             <a:r>
-              <a:rPr lang="en-US" dirty="0"/>
-              <a:t> </a:t>
-            </a:r>
-            <a:r>
-              <a:rPr lang="en-US" dirty="0" smtClean="0"/>
-              <a:t>Run Anywhere</a:t>
+              <a:rPr lang="en-US" dirty="0" smtClean="0">
+                <a:solidFill>
+                  <a:prstClr val="black"/>
+                </a:solidFill>
+              </a:rPr>
+              <a:t>  Wasted way too much time on other Orchestration Engines</a:t>
             </a:r>
           </a:p>
           <a:p>
@@ -4440,7 +4670,14 @@
               <a:buFont typeface="Arial" pitchFamily="34" charset="0"/>
               <a:buChar char="•"/>
             </a:pPr>
-            <a:endParaRPr lang="en-US" dirty="0"/>
+            <a:r>
+              <a:rPr lang="en-US" dirty="0" smtClean="0">
+                <a:solidFill>
+                  <a:prstClr val="black"/>
+                </a:solidFill>
+              </a:rPr>
+              <a:t>  Wanted a Production Grade Development Environment</a:t>
+            </a:r>
           </a:p>
           <a:p>
             <a:pPr>
@@ -4448,12 +4685,64 @@
               <a:buChar char="•"/>
             </a:pPr>
             <a:r>
-              <a:rPr lang="en-US" dirty="0" smtClean="0"/>
-              <a:t> 63% </a:t>
-            </a:r>
-            <a:r>
-              <a:rPr lang="en-US" dirty="0"/>
-              <a:t>of Kubernetes workloads run on AWS today – Cloud Native Computing Foundation</a:t>
+              <a:rPr lang="en-US" dirty="0" smtClean="0">
+                <a:solidFill>
+                  <a:prstClr val="black"/>
+                </a:solidFill>
+              </a:rPr>
+              <a:t>  Something I could scaled as needed</a:t>
+            </a:r>
+          </a:p>
+          <a:p>
+            <a:pPr>
+              <a:buFont typeface="Arial" pitchFamily="34" charset="0"/>
+              <a:buChar char="•"/>
+            </a:pPr>
+            <a:r>
+              <a:rPr lang="en-US" dirty="0" smtClean="0">
+                <a:solidFill>
+                  <a:prstClr val="black"/>
+                </a:solidFill>
+              </a:rPr>
+              <a:t>  Something easy for developers </a:t>
+            </a:r>
+            <a:r>
+              <a:rPr lang="en-US" dirty="0">
+                <a:solidFill>
+                  <a:prstClr val="black"/>
+                </a:solidFill>
+              </a:rPr>
+              <a:t>to </a:t>
+            </a:r>
+            <a:r>
+              <a:rPr lang="en-US" dirty="0" smtClean="0">
+                <a:solidFill>
+                  <a:prstClr val="black"/>
+                </a:solidFill>
+              </a:rPr>
+              <a:t>instantiate without all the drama, tool fatigue, etc.</a:t>
+            </a:r>
+          </a:p>
+          <a:p>
+            <a:pPr>
+              <a:buFont typeface="Arial" pitchFamily="34" charset="0"/>
+              <a:buChar char="•"/>
+            </a:pPr>
+            <a:r>
+              <a:rPr lang="en-US" dirty="0">
+                <a:solidFill>
+                  <a:prstClr val="black"/>
+                </a:solidFill>
+              </a:rPr>
+              <a:t> </a:t>
+            </a:r>
+            <a:r>
+              <a:rPr lang="en-US" dirty="0" smtClean="0">
+                <a:solidFill>
+                  <a:prstClr val="black"/>
+                </a:solidFill>
+              </a:rPr>
+              <a:t> Use it and lose it</a:t>
             </a:r>
           </a:p>
         </p:txBody>
@@ -4482,13 +4771,26 @@
           <a:p>
             <a:r>
               <a:rPr lang="en-US" dirty="0" smtClean="0"/>
-              <a:t>Introduction</a:t>
+              <a:t>So How </a:t>
+            </a:r>
+            <a:r>
+              <a:rPr lang="en-US" dirty="0" smtClean="0"/>
+              <a:t>Did I Get </a:t>
+            </a:r>
+            <a:r>
+              <a:rPr lang="en-US" dirty="0" smtClean="0"/>
+              <a:t>Here?</a:t>
             </a:r>
             <a:endParaRPr lang="en-US" dirty="0"/>
           </a:p>
         </p:txBody>
       </p:sp>
     </p:spTree>
+    <p:extLst>
+      <p:ext uri="{BB962C8B-B14F-4D97-AF65-F5344CB8AC3E}">
+        <p14:creationId xmlns:p14="http://schemas.microsoft.com/office/powerpoint/2010/main" val="1106380073"/>
+      </p:ext>
+    </p:extLst>
   </p:cSld>
   <p:clrMapOvr>
     <a:masterClrMapping/>
@@ -4528,8 +4830,8 @@
         </p:nvSpPr>
         <p:spPr>
           <a:xfrm>
-            <a:off x="1082028" y="1456570"/>
-            <a:ext cx="7050468" cy="4801314"/>
+            <a:off x="1082028" y="1683147"/>
+            <a:ext cx="6705600" cy="2308324"/>
           </a:xfrm>
           <a:prstGeom prst="rect">
             <a:avLst/>
@@ -4548,15 +4850,15 @@
             </a:pPr>
             <a:r>
               <a:rPr lang="en-US" dirty="0" smtClean="0"/>
-              <a:t>  AWS </a:t>
+              <a:t>  So Kubernetes has fast established itself as the leading platform for managing </a:t>
             </a:r>
             <a:r>
               <a:rPr lang="en-US" dirty="0"/>
-              <a:t>Managed Services enables you to quickly and easily deploy your cloud </a:t>
-            </a:r>
-            <a:r>
-              <a:rPr lang="en-US" dirty="0" smtClean="0"/>
-              <a:t>infrastructure</a:t>
+              <a:t>containerized workloads and services</a:t>
+            </a:r>
+            <a:r>
+              <a:rPr lang="en-US" dirty="0" smtClean="0"/>
+              <a:t>.</a:t>
             </a:r>
           </a:p>
           <a:p>
@@ -4573,116 +4875,15 @@
             </a:r>
             <a:r>
               <a:rPr lang="en-US" dirty="0" smtClean="0"/>
-              <a:t> Amazon </a:t>
-            </a:r>
-            <a:r>
-              <a:rPr lang="en-US" dirty="0"/>
-              <a:t>EKS is also integrated with many AWS services to provide scalability and security for your applications, including the </a:t>
-            </a:r>
-            <a:r>
-              <a:rPr lang="en-US" dirty="0" smtClean="0"/>
-              <a:t>following</a:t>
-            </a:r>
-          </a:p>
-          <a:p>
-            <a:pPr lvl="1">
-              <a:buFont typeface="Arial" pitchFamily="34" charset="0"/>
-              <a:buChar char="•"/>
-            </a:pPr>
-            <a:r>
-              <a:rPr lang="en-US" dirty="0"/>
-              <a:t> </a:t>
-            </a:r>
-            <a:r>
-              <a:rPr lang="en-US" dirty="0" smtClean="0"/>
-              <a:t> Elastic </a:t>
-            </a:r>
-            <a:r>
-              <a:rPr lang="en-US" dirty="0"/>
-              <a:t>Load Balancing for load </a:t>
-            </a:r>
-            <a:r>
-              <a:rPr lang="en-US" dirty="0" smtClean="0"/>
-              <a:t>distribution</a:t>
-            </a:r>
-          </a:p>
-          <a:p>
-            <a:pPr lvl="1">
-              <a:buFont typeface="Arial" pitchFamily="34" charset="0"/>
-              <a:buChar char="•"/>
-            </a:pPr>
-            <a:r>
-              <a:rPr lang="en-US" dirty="0"/>
-              <a:t> </a:t>
-            </a:r>
-            <a:r>
-              <a:rPr lang="en-US" dirty="0" smtClean="0"/>
-              <a:t> IAM </a:t>
-            </a:r>
-            <a:r>
-              <a:rPr lang="en-US" dirty="0"/>
-              <a:t>for </a:t>
-            </a:r>
-            <a:r>
-              <a:rPr lang="en-US" dirty="0" smtClean="0"/>
-              <a:t>authentication</a:t>
-            </a:r>
-          </a:p>
-          <a:p>
-            <a:pPr lvl="1">
-              <a:buFont typeface="Arial" pitchFamily="34" charset="0"/>
-              <a:buChar char="•"/>
-            </a:pPr>
-            <a:r>
-              <a:rPr lang="en-US" dirty="0"/>
-              <a:t> </a:t>
-            </a:r>
-            <a:r>
-              <a:rPr lang="en-US" dirty="0" smtClean="0"/>
-              <a:t> Amazon </a:t>
-            </a:r>
-            <a:r>
-              <a:rPr lang="en-US" dirty="0"/>
-              <a:t>VPC for </a:t>
-            </a:r>
-            <a:r>
-              <a:rPr lang="en-US" dirty="0" smtClean="0"/>
-              <a:t>isolation</a:t>
-            </a:r>
-          </a:p>
-          <a:p>
-            <a:pPr lvl="1"/>
-            <a:endParaRPr lang="en-US" dirty="0" smtClean="0"/>
+              <a:t>Run Anywhere</a:t>
+            </a:r>
           </a:p>
           <a:p>
             <a:pPr>
               <a:buFont typeface="Arial" pitchFamily="34" charset="0"/>
               <a:buChar char="•"/>
             </a:pPr>
-            <a:r>
-              <a:rPr lang="en-US" dirty="0"/>
-              <a:t> </a:t>
-            </a:r>
-            <a:r>
-              <a:rPr lang="en-US" dirty="0" smtClean="0"/>
-              <a:t> Amazon </a:t>
-            </a:r>
-            <a:r>
-              <a:rPr lang="en-US" dirty="0"/>
-              <a:t>EKS runs up-to-date versions of the </a:t>
-            </a:r>
-            <a:r>
-              <a:rPr lang="en-US" dirty="0" smtClean="0"/>
-              <a:t>open-source Kubernetes software. </a:t>
-            </a:r>
-            <a:r>
-              <a:rPr lang="en-US" smtClean="0"/>
-              <a:t>Currently 1.12</a:t>
-            </a:r>
-            <a:endParaRPr lang="en-US" dirty="0" smtClean="0"/>
-          </a:p>
-          <a:p>
-            <a:endParaRPr lang="en-US" dirty="0" smtClean="0"/>
+            <a:endParaRPr lang="en-US" dirty="0"/>
           </a:p>
           <a:p>
             <a:pPr>
@@ -4690,42 +4891,18 @@
               <a:buChar char="•"/>
             </a:pPr>
             <a:r>
+              <a:rPr lang="en-US" dirty="0" smtClean="0"/>
+              <a:t> 63% </a:t>
+            </a:r>
+            <a:r>
               <a:rPr lang="en-US" dirty="0"/>
-              <a:t> </a:t>
-            </a:r>
-            <a:r>
-              <a:rPr lang="en-US" dirty="0" smtClean="0"/>
-              <a:t> This </a:t>
-            </a:r>
-            <a:r>
-              <a:rPr lang="en-US" dirty="0"/>
-              <a:t>means that you can easily migrate any standard Kubernetes application to Amazon EKS without any code modification </a:t>
-            </a:r>
-            <a:r>
-              <a:rPr lang="en-US" dirty="0" smtClean="0"/>
-              <a:t>required</a:t>
-            </a:r>
-          </a:p>
-          <a:p>
-            <a:pPr>
-              <a:buFont typeface="Arial" pitchFamily="34" charset="0"/>
-              <a:buChar char="•"/>
-            </a:pPr>
-            <a:endParaRPr lang="en-US" dirty="0"/>
-          </a:p>
-          <a:p>
-            <a:pPr>
-              <a:buFont typeface="Arial" pitchFamily="34" charset="0"/>
-              <a:buChar char="•"/>
-            </a:pPr>
-            <a:r>
-              <a:rPr lang="en-US" dirty="0" smtClean="0"/>
-              <a:t>  On Demand</a:t>
-            </a:r>
-            <a:endParaRPr lang="en-US" dirty="0"/>
-          </a:p>
-          <a:p>
-            <a:endParaRPr lang="en-US" dirty="0" smtClean="0"/>
+              <a:t>of Kubernetes workloads run on AWS today – Cloud Native Computing </a:t>
+            </a:r>
+            <a:r>
+              <a:rPr lang="en-US" dirty="0" smtClean="0"/>
+              <a:t>Foundation (AWS News Blog by Jeff Barr, 29 November 2017)</a:t>
+            </a:r>
+            <a:endParaRPr lang="en-US" dirty="0"/>
           </a:p>
         </p:txBody>
       </p:sp>
@@ -4753,18 +4930,13 @@
           <a:p>
             <a:r>
               <a:rPr lang="en-US" dirty="0" smtClean="0"/>
-              <a:t>Why AWS EKS?</a:t>
+              <a:t>Introduction</a:t>
             </a:r>
             <a:endParaRPr lang="en-US" dirty="0"/>
           </a:p>
         </p:txBody>
       </p:sp>
     </p:spTree>
-    <p:extLst>
-      <p:ext uri="{BB962C8B-B14F-4D97-AF65-F5344CB8AC3E}">
-        <p14:creationId xmlns:p14="http://schemas.microsoft.com/office/powerpoint/2010/main" val="3771399251"/>
-      </p:ext>
-    </p:extLst>
   </p:cSld>
   <p:clrMapOvr>
     <a:masterClrMapping/>
@@ -4798,39 +4970,14 @@
       </p:grpSpPr>
       <p:sp>
         <p:nvSpPr>
-          <p:cNvPr id="2" name="Title 1"/>
-          <p:cNvSpPr>
-            <a:spLocks noGrp="1"/>
-          </p:cNvSpPr>
-          <p:nvPr>
-            <p:ph type="title"/>
-          </p:nvPr>
-        </p:nvSpPr>
-        <p:spPr/>
-        <p:txBody>
-          <a:bodyPr>
-            <a:normAutofit/>
-          </a:bodyPr>
-          <a:lstStyle/>
-          <a:p>
-            <a:r>
-              <a:rPr lang="en-US" dirty="0" smtClean="0"/>
-              <a:t>Requirements</a:t>
-            </a:r>
-            <a:endParaRPr lang="en-US" dirty="0"/>
-          </a:p>
-        </p:txBody>
-      </p:sp>
-      <p:sp>
-        <p:nvSpPr>
-          <p:cNvPr id="4" name="TextBox 3"/>
+          <p:cNvPr id="3" name="TextBox 2"/>
           <p:cNvSpPr txBox="1"/>
           <p:nvPr/>
         </p:nvSpPr>
         <p:spPr>
           <a:xfrm>
-            <a:off x="1263242" y="1572798"/>
-            <a:ext cx="6705600" cy="2862322"/>
+            <a:off x="1082028" y="1456570"/>
+            <a:ext cx="7050468" cy="4801314"/>
           </a:xfrm>
           <a:prstGeom prst="rect">
             <a:avLst/>
@@ -4849,8 +4996,19 @@
             </a:pPr>
             <a:r>
               <a:rPr lang="en-US" dirty="0" smtClean="0"/>
-              <a:t>  AWS Account (root)</a:t>
-            </a:r>
+              <a:t>  AWS </a:t>
+            </a:r>
+            <a:r>
+              <a:rPr lang="en-US" dirty="0"/>
+              <a:t>Managed Services enables you to quickly and easily deploy your cloud </a:t>
+            </a:r>
+            <a:r>
+              <a:rPr lang="en-US" dirty="0" smtClean="0"/>
+              <a:t>infrastructure</a:t>
+            </a:r>
+          </a:p>
+          <a:p>
+            <a:endParaRPr lang="en-US" dirty="0" smtClean="0"/>
           </a:p>
           <a:p>
             <a:pPr>
@@ -4858,17 +5016,91 @@
               <a:buChar char="•"/>
             </a:pPr>
             <a:r>
-              <a:rPr lang="en-US" dirty="0" smtClean="0"/>
-              <a:t>  An EC2 Instance in which to install kubectl, </a:t>
-            </a:r>
-            <a:r>
               <a:rPr lang="en-US" dirty="0"/>
-              <a:t>aws-iam-authenticator, </a:t>
-            </a:r>
-            <a:r>
-              <a:rPr lang="en-US" dirty="0" smtClean="0"/>
-              <a:t>and aws cli version 1.15.x or greater</a:t>
-            </a:r>
+              <a:t> </a:t>
+            </a:r>
+            <a:r>
+              <a:rPr lang="en-US" dirty="0" smtClean="0"/>
+              <a:t> Amazon </a:t>
+            </a:r>
+            <a:r>
+              <a:rPr lang="en-US" dirty="0"/>
+              <a:t>EKS is also integrated with many AWS services to provide scalability and security for your applications, including the </a:t>
+            </a:r>
+            <a:r>
+              <a:rPr lang="en-US" dirty="0" smtClean="0"/>
+              <a:t>following</a:t>
+            </a:r>
+          </a:p>
+          <a:p>
+            <a:pPr lvl="1">
+              <a:buFont typeface="Arial" pitchFamily="34" charset="0"/>
+              <a:buChar char="•"/>
+            </a:pPr>
+            <a:r>
+              <a:rPr lang="en-US" dirty="0"/>
+              <a:t> </a:t>
+            </a:r>
+            <a:r>
+              <a:rPr lang="en-US" dirty="0" smtClean="0"/>
+              <a:t> Elastic </a:t>
+            </a:r>
+            <a:r>
+              <a:rPr lang="en-US" dirty="0"/>
+              <a:t>Load Balancing for load </a:t>
+            </a:r>
+            <a:r>
+              <a:rPr lang="en-US" dirty="0" smtClean="0"/>
+              <a:t>distribution</a:t>
+            </a:r>
+          </a:p>
+          <a:p>
+            <a:pPr lvl="1">
+              <a:buFont typeface="Arial" pitchFamily="34" charset="0"/>
+              <a:buChar char="•"/>
+            </a:pPr>
+            <a:r>
+              <a:rPr lang="en-US" dirty="0"/>
+              <a:t> </a:t>
+            </a:r>
+            <a:r>
+              <a:rPr lang="en-US" dirty="0" smtClean="0"/>
+              <a:t> IAM </a:t>
+            </a:r>
+            <a:r>
+              <a:rPr lang="en-US" dirty="0"/>
+              <a:t>for </a:t>
+            </a:r>
+            <a:r>
+              <a:rPr lang="en-US" dirty="0" smtClean="0"/>
+              <a:t>authentication</a:t>
+            </a:r>
+          </a:p>
+          <a:p>
+            <a:pPr lvl="1">
+              <a:buFont typeface="Arial" pitchFamily="34" charset="0"/>
+              <a:buChar char="•"/>
+            </a:pPr>
+            <a:r>
+              <a:rPr lang="en-US" dirty="0"/>
+              <a:t> </a:t>
+            </a:r>
+            <a:r>
+              <a:rPr lang="en-US" dirty="0" smtClean="0"/>
+              <a:t> Amazon </a:t>
+            </a:r>
+            <a:r>
+              <a:rPr lang="en-US" dirty="0"/>
+              <a:t>VPC for </a:t>
+            </a:r>
+            <a:r>
+              <a:rPr lang="en-US" dirty="0" smtClean="0"/>
+              <a:t>isolation</a:t>
+            </a:r>
+          </a:p>
+          <a:p>
+            <a:pPr lvl="1"/>
+            <a:endParaRPr lang="en-US" dirty="0" smtClean="0"/>
           </a:p>
           <a:p>
             <a:pPr>
@@ -4876,6 +5108,217 @@
               <a:buChar char="•"/>
             </a:pPr>
             <a:r>
+              <a:rPr lang="en-US" dirty="0"/>
+              <a:t> </a:t>
+            </a:r>
+            <a:r>
+              <a:rPr lang="en-US" dirty="0" smtClean="0"/>
+              <a:t> Amazon </a:t>
+            </a:r>
+            <a:r>
+              <a:rPr lang="en-US" dirty="0"/>
+              <a:t>EKS runs up-to-date versions of the </a:t>
+            </a:r>
+            <a:r>
+              <a:rPr lang="en-US" dirty="0" smtClean="0"/>
+              <a:t>open-source Kubernetes software. Currently 1.12</a:t>
+            </a:r>
+          </a:p>
+          <a:p>
+            <a:endParaRPr lang="en-US" dirty="0" smtClean="0"/>
+          </a:p>
+          <a:p>
+            <a:pPr>
+              <a:buFont typeface="Arial" pitchFamily="34" charset="0"/>
+              <a:buChar char="•"/>
+            </a:pPr>
+            <a:r>
+              <a:rPr lang="en-US" dirty="0"/>
+              <a:t> </a:t>
+            </a:r>
+            <a:r>
+              <a:rPr lang="en-US" dirty="0" smtClean="0"/>
+              <a:t> This </a:t>
+            </a:r>
+            <a:r>
+              <a:rPr lang="en-US" dirty="0"/>
+              <a:t>means that you can easily migrate any standard Kubernetes application to Amazon EKS without any code modification </a:t>
+            </a:r>
+            <a:r>
+              <a:rPr lang="en-US" dirty="0" smtClean="0"/>
+              <a:t>required</a:t>
+            </a:r>
+          </a:p>
+          <a:p>
+            <a:pPr>
+              <a:buFont typeface="Arial" pitchFamily="34" charset="0"/>
+              <a:buChar char="•"/>
+            </a:pPr>
+            <a:endParaRPr lang="en-US" dirty="0"/>
+          </a:p>
+          <a:p>
+            <a:pPr>
+              <a:buFont typeface="Arial" pitchFamily="34" charset="0"/>
+              <a:buChar char="•"/>
+            </a:pPr>
+            <a:r>
+              <a:rPr lang="en-US" dirty="0" smtClean="0"/>
+              <a:t>  On Demand</a:t>
+            </a:r>
+            <a:endParaRPr lang="en-US" dirty="0"/>
+          </a:p>
+          <a:p>
+            <a:endParaRPr lang="en-US" dirty="0" smtClean="0"/>
+          </a:p>
+        </p:txBody>
+      </p:sp>
+      <p:sp>
+        <p:nvSpPr>
+          <p:cNvPr id="6" name="Title 1"/>
+          <p:cNvSpPr>
+            <a:spLocks noGrp="1"/>
+          </p:cNvSpPr>
+          <p:nvPr>
+            <p:ph type="title"/>
+          </p:nvPr>
+        </p:nvSpPr>
+        <p:spPr>
+          <a:xfrm>
+            <a:off x="457200" y="274638"/>
+            <a:ext cx="8229600" cy="1143000"/>
+          </a:xfrm>
+        </p:spPr>
+        <p:txBody>
+          <a:bodyPr>
+            <a:normAutofit/>
+          </a:bodyPr>
+          <a:lstStyle/>
+          <a:p>
+            <a:r>
+              <a:rPr lang="en-US" dirty="0" smtClean="0"/>
+              <a:t>Why AWS EKS?</a:t>
+            </a:r>
+            <a:endParaRPr lang="en-US" dirty="0"/>
+          </a:p>
+        </p:txBody>
+      </p:sp>
+    </p:spTree>
+    <p:extLst>
+      <p:ext uri="{BB962C8B-B14F-4D97-AF65-F5344CB8AC3E}">
+        <p14:creationId xmlns:p14="http://schemas.microsoft.com/office/powerpoint/2010/main" val="3771399251"/>
+      </p:ext>
+    </p:extLst>
+  </p:cSld>
+  <p:clrMapOvr>
+    <a:masterClrMapping/>
+  </p:clrMapOvr>
+  <p:timing>
+    <p:tnLst>
+      <p:par>
+        <p:cTn id="1" dur="indefinite" restart="never" nodeType="tmRoot"/>
+      </p:par>
+    </p:tnLst>
+  </p:timing>
+</p:sld>
+</file>
+
+<file path=ppt/slides/slide5.xml><?xml version="1.0" encoding="utf-8"?>
+<p:sld xmlns:a="http://schemas.openxmlformats.org/drawingml/2006/main" xmlns:r="http://schemas.openxmlformats.org/officeDocument/2006/relationships" xmlns:p="http://schemas.openxmlformats.org/presentationml/2006/main">
+  <p:cSld>
+    <p:spTree>
+      <p:nvGrpSpPr>
+        <p:cNvPr id="1" name=""/>
+        <p:cNvGrpSpPr/>
+        <p:nvPr/>
+      </p:nvGrpSpPr>
+      <p:grpSpPr>
+        <a:xfrm>
+          <a:off x="0" y="0"/>
+          <a:ext cx="0" cy="0"/>
+          <a:chOff x="0" y="0"/>
+          <a:chExt cx="0" cy="0"/>
+        </a:xfrm>
+      </p:grpSpPr>
+      <p:sp>
+        <p:nvSpPr>
+          <p:cNvPr id="2" name="Title 1"/>
+          <p:cNvSpPr>
+            <a:spLocks noGrp="1"/>
+          </p:cNvSpPr>
+          <p:nvPr>
+            <p:ph type="title"/>
+          </p:nvPr>
+        </p:nvSpPr>
+        <p:spPr/>
+        <p:txBody>
+          <a:bodyPr>
+            <a:normAutofit/>
+          </a:bodyPr>
+          <a:lstStyle/>
+          <a:p>
+            <a:r>
+              <a:rPr lang="en-US" dirty="0" smtClean="0"/>
+              <a:t>Requirements</a:t>
+            </a:r>
+            <a:endParaRPr lang="en-US" dirty="0"/>
+          </a:p>
+        </p:txBody>
+      </p:sp>
+      <p:sp>
+        <p:nvSpPr>
+          <p:cNvPr id="4" name="TextBox 3"/>
+          <p:cNvSpPr txBox="1"/>
+          <p:nvPr/>
+        </p:nvSpPr>
+        <p:spPr>
+          <a:xfrm>
+            <a:off x="1263242" y="1572798"/>
+            <a:ext cx="6705600" cy="2585323"/>
+          </a:xfrm>
+          <a:prstGeom prst="rect">
+            <a:avLst/>
+          </a:prstGeom>
+          <a:noFill/>
+        </p:spPr>
+        <p:txBody>
+          <a:bodyPr wrap="square" rtlCol="0">
+            <a:spAutoFit/>
+          </a:bodyPr>
+          <a:lstStyle/>
+          <a:p>
+            <a:pPr>
+              <a:buFont typeface="Arial" pitchFamily="34" charset="0"/>
+              <a:buChar char="•"/>
+            </a:pPr>
+            <a:r>
+              <a:rPr lang="en-US" dirty="0" smtClean="0"/>
+              <a:t>  AWS Account (root)</a:t>
+            </a:r>
+          </a:p>
+          <a:p>
+            <a:pPr>
+              <a:buFont typeface="Arial" pitchFamily="34" charset="0"/>
+              <a:buChar char="•"/>
+            </a:pPr>
+            <a:r>
+              <a:rPr lang="en-US" dirty="0" smtClean="0"/>
+              <a:t>  An EC2 Instance in which to install kubectl, </a:t>
+            </a:r>
+            <a:r>
+              <a:rPr lang="en-US" dirty="0"/>
+              <a:t>aws-iam-authenticator, </a:t>
+            </a:r>
+            <a:r>
+              <a:rPr lang="en-US" dirty="0" smtClean="0"/>
+              <a:t>and AWS CLI version 1.15.x or greater</a:t>
+            </a:r>
+          </a:p>
+          <a:p>
+            <a:pPr>
+              <a:buFont typeface="Arial" pitchFamily="34" charset="0"/>
+              <a:buChar char="•"/>
+            </a:pPr>
+            <a:r>
               <a:rPr lang="en-US" dirty="0" smtClean="0"/>
               <a:t>  Required Cluster Resources</a:t>
             </a:r>
@@ -4887,15 +5330,7 @@
             </a:pPr>
             <a:r>
               <a:rPr lang="en-US" dirty="0" smtClean="0"/>
-              <a:t>  </a:t>
-            </a:r>
-            <a:r>
-              <a:rPr lang="en-US" dirty="0" smtClean="0"/>
-              <a:t>Service </a:t>
-            </a:r>
-            <a:r>
-              <a:rPr lang="en-US" dirty="0" smtClean="0"/>
-              <a:t>Role  </a:t>
+              <a:t>  Service Role  </a:t>
             </a:r>
           </a:p>
           <a:p>
@@ -4905,13 +5340,8 @@
             </a:pPr>
             <a:r>
               <a:rPr lang="en-US" dirty="0" smtClean="0"/>
-              <a:t>  </a:t>
-            </a:r>
-            <a:r>
-              <a:rPr lang="en-US" dirty="0" smtClean="0"/>
-              <a:t>VPC  </a:t>
-            </a:r>
-            <a:endParaRPr lang="en-US" dirty="0" smtClean="0"/>
+              <a:t>  VPC  </a:t>
+            </a:r>
           </a:p>
           <a:p>
             <a:pPr lvl="1">
@@ -4920,15 +5350,7 @@
             </a:pPr>
             <a:r>
               <a:rPr lang="en-US" dirty="0" smtClean="0"/>
-              <a:t>  </a:t>
-            </a:r>
-            <a:r>
-              <a:rPr lang="en-US" dirty="0" smtClean="0"/>
-              <a:t>EKS </a:t>
-            </a:r>
-            <a:r>
-              <a:rPr lang="en-US" dirty="0" smtClean="0"/>
-              <a:t>Cluster (installs Master Nodes)</a:t>
+              <a:t>  EKS Cluster (installs Master Nodes)</a:t>
             </a:r>
           </a:p>
           <a:p>
@@ -4942,15 +5364,7 @@
             </a:r>
             <a:r>
               <a:rPr lang="en-US" dirty="0" smtClean="0"/>
-              <a:t> Three </a:t>
-            </a:r>
-            <a:r>
-              <a:rPr lang="en-US" dirty="0" smtClean="0"/>
-              <a:t>EC2 </a:t>
-            </a:r>
-            <a:r>
-              <a:rPr lang="en-US" dirty="0" smtClean="0"/>
-              <a:t>worker nodes (one for each AWS Availability Zone)</a:t>
+              <a:t> Three EC2 worker nodes (one for each AWS Availability Zone)</a:t>
             </a:r>
           </a:p>
           <a:p>
@@ -4960,8 +5374,13 @@
             </a:pPr>
             <a:r>
               <a:rPr lang="en-US" dirty="0" smtClean="0"/>
-              <a:t>  Installation time ~30 minutes using manual process, 15 minutes with CloudFormation</a:t>
-            </a:r>
+              <a:t>  Installation time about 15 </a:t>
+            </a:r>
+            <a:r>
+              <a:rPr lang="en-US" dirty="0" smtClean="0"/>
+              <a:t>minutes based on presentation artifacts</a:t>
+            </a:r>
+            <a:endParaRPr lang="en-US" dirty="0" smtClean="0"/>
           </a:p>
         </p:txBody>
       </p:sp>
@@ -4980,7 +5399,7 @@
 </p:sld>
 </file>
 
-<file path=ppt/slides/slide5.xml><?xml version="1.0" encoding="utf-8"?>
+<file path=ppt/slides/slide6.xml><?xml version="1.0" encoding="utf-8"?>
 <p:sld xmlns:a="http://schemas.openxmlformats.org/drawingml/2006/main" xmlns:r="http://schemas.openxmlformats.org/officeDocument/2006/relationships" xmlns:p="http://schemas.openxmlformats.org/presentationml/2006/main">
   <p:cSld>
     <p:spTree>
@@ -5175,7 +5594,7 @@
 </p:sld>
 </file>
 
-<file path=ppt/slides/slide6.xml><?xml version="1.0" encoding="utf-8"?>
+<file path=ppt/slides/slide7.xml><?xml version="1.0" encoding="utf-8"?>
 <p:sld xmlns:a="http://schemas.openxmlformats.org/drawingml/2006/main" xmlns:r="http://schemas.openxmlformats.org/officeDocument/2006/relationships" xmlns:p="http://schemas.openxmlformats.org/presentationml/2006/main">
   <p:cSld>
     <p:spTree>
@@ -5306,224 +5725,6 @@
 </p:sld>
 </file>
 
-<file path=ppt/slides/slide7.xml><?xml version="1.0" encoding="utf-8"?>
-<p:sld xmlns:a="http://schemas.openxmlformats.org/drawingml/2006/main" xmlns:r="http://schemas.openxmlformats.org/officeDocument/2006/relationships" xmlns:p="http://schemas.openxmlformats.org/presentationml/2006/main">
-  <p:cSld>
-    <p:spTree>
-      <p:nvGrpSpPr>
-        <p:cNvPr id="1" name=""/>
-        <p:cNvGrpSpPr/>
-        <p:nvPr/>
-      </p:nvGrpSpPr>
-      <p:grpSpPr>
-        <a:xfrm>
-          <a:off x="0" y="0"/>
-          <a:ext cx="0" cy="0"/>
-          <a:chOff x="0" y="0"/>
-          <a:chExt cx="0" cy="0"/>
-        </a:xfrm>
-      </p:grpSpPr>
-      <p:sp>
-        <p:nvSpPr>
-          <p:cNvPr id="3" name="Title 1"/>
-          <p:cNvSpPr>
-            <a:spLocks noGrp="1"/>
-          </p:cNvSpPr>
-          <p:nvPr>
-            <p:ph type="title"/>
-          </p:nvPr>
-        </p:nvSpPr>
-        <p:spPr/>
-        <p:txBody>
-          <a:bodyPr/>
-          <a:lstStyle/>
-          <a:p>
-            <a:r>
-              <a:rPr lang="en-US" dirty="0" smtClean="0"/>
-              <a:t>Manual Installation Steps</a:t>
-            </a:r>
-            <a:endParaRPr lang="en-US" dirty="0"/>
-          </a:p>
-        </p:txBody>
-      </p:sp>
-      <p:sp>
-        <p:nvSpPr>
-          <p:cNvPr id="5" name="TextBox 4"/>
-          <p:cNvSpPr txBox="1"/>
-          <p:nvPr/>
-        </p:nvSpPr>
-        <p:spPr>
-          <a:xfrm>
-            <a:off x="879894" y="1584186"/>
-            <a:ext cx="7608651" cy="2308324"/>
-          </a:xfrm>
-          <a:prstGeom prst="rect">
-            <a:avLst/>
-          </a:prstGeom>
-          <a:noFill/>
-        </p:spPr>
-        <p:txBody>
-          <a:bodyPr wrap="square" rtlCol="0">
-            <a:spAutoFit/>
-          </a:bodyPr>
-          <a:lstStyle/>
-          <a:p>
-            <a:pPr>
-              <a:buFont typeface="Arial" pitchFamily="34" charset="0"/>
-              <a:buChar char="•"/>
-            </a:pPr>
-            <a:r>
-              <a:rPr lang="en-US" dirty="0" smtClean="0"/>
-              <a:t>  Create </a:t>
-            </a:r>
-            <a:r>
-              <a:rPr lang="en-US" dirty="0"/>
-              <a:t>your Amazon EKS Service </a:t>
-            </a:r>
-            <a:r>
-              <a:rPr lang="en-US" dirty="0" smtClean="0"/>
-              <a:t>Role (AWS IAM Console)</a:t>
-            </a:r>
-          </a:p>
-          <a:p>
-            <a:pPr>
-              <a:buFont typeface="Arial" pitchFamily="34" charset="0"/>
-              <a:buChar char="•"/>
-            </a:pPr>
-            <a:r>
-              <a:rPr lang="en-US" dirty="0" smtClean="0"/>
-              <a:t>  Create </a:t>
-            </a:r>
-            <a:r>
-              <a:rPr lang="en-US" dirty="0"/>
-              <a:t>your Amazon EKS Cluster </a:t>
-            </a:r>
-            <a:r>
-              <a:rPr lang="en-US" dirty="0" smtClean="0"/>
-              <a:t>VPC (AWS CloudFormation)</a:t>
-            </a:r>
-          </a:p>
-          <a:p>
-            <a:pPr>
-              <a:buFont typeface="Arial" pitchFamily="34" charset="0"/>
-              <a:buChar char="•"/>
-            </a:pPr>
-            <a:r>
-              <a:rPr lang="en-US" dirty="0"/>
-              <a:t> </a:t>
-            </a:r>
-            <a:r>
-              <a:rPr lang="en-US" dirty="0" smtClean="0"/>
-              <a:t> </a:t>
-            </a:r>
-            <a:r>
-              <a:rPr lang="en-US" b="1" dirty="0" smtClean="0"/>
-              <a:t>Create </a:t>
-            </a:r>
-            <a:r>
-              <a:rPr lang="en-US" b="1" dirty="0"/>
-              <a:t>your Amazon EKS </a:t>
-            </a:r>
-            <a:r>
-              <a:rPr lang="en-US" b="1" dirty="0" smtClean="0"/>
-              <a:t>Cluster (AWS EKS Console)</a:t>
-            </a:r>
-          </a:p>
-          <a:p>
-            <a:pPr>
-              <a:buFont typeface="Arial" pitchFamily="34" charset="0"/>
-              <a:buChar char="•"/>
-            </a:pPr>
-            <a:r>
-              <a:rPr lang="en-US" dirty="0" smtClean="0"/>
-              <a:t>  Launch </a:t>
-            </a:r>
-            <a:r>
-              <a:rPr lang="en-US" dirty="0"/>
-              <a:t>and Configure Your Amazon EKS Worker </a:t>
-            </a:r>
-            <a:r>
-              <a:rPr lang="en-US" dirty="0" smtClean="0"/>
-              <a:t>Nodes (AWS CloudFormation)</a:t>
-            </a:r>
-          </a:p>
-          <a:p>
-            <a:pPr>
-              <a:buFont typeface="Arial" pitchFamily="34" charset="0"/>
-              <a:buChar char="•"/>
-            </a:pPr>
-            <a:r>
-              <a:rPr lang="en-US" dirty="0" smtClean="0"/>
-              <a:t>  Configure Your AWS EC2 Instance (AWS EC2 Console)</a:t>
-            </a:r>
-          </a:p>
-          <a:p>
-            <a:pPr>
-              <a:buFont typeface="Arial" pitchFamily="34" charset="0"/>
-              <a:buChar char="•"/>
-            </a:pPr>
-            <a:r>
-              <a:rPr lang="en-US" dirty="0" smtClean="0"/>
-              <a:t>  Configure kubectl on Your EC2 Instance (AWS EC2 Instance)</a:t>
-            </a:r>
-          </a:p>
-          <a:p>
-            <a:pPr>
-              <a:buFont typeface="Arial" pitchFamily="34" charset="0"/>
-              <a:buChar char="•"/>
-            </a:pPr>
-            <a:r>
-              <a:rPr lang="en-US" dirty="0" smtClean="0"/>
-              <a:t>  Enable </a:t>
-            </a:r>
-            <a:r>
-              <a:rPr lang="en-US" dirty="0"/>
-              <a:t>Worker Nodes to Join Your </a:t>
-            </a:r>
-            <a:r>
-              <a:rPr lang="en-US" dirty="0" smtClean="0"/>
-              <a:t>Cluster (AWS EC2 Instance)</a:t>
-            </a:r>
-          </a:p>
-          <a:p>
-            <a:pPr>
-              <a:buFont typeface="Arial" pitchFamily="34" charset="0"/>
-              <a:buChar char="•"/>
-            </a:pPr>
-            <a:r>
-              <a:rPr lang="en-US" dirty="0"/>
-              <a:t> </a:t>
-            </a:r>
-            <a:r>
-              <a:rPr lang="en-US" dirty="0" smtClean="0"/>
-              <a:t> Deploy Web App </a:t>
-            </a:r>
-            <a:r>
-              <a:rPr lang="en-US" dirty="0"/>
-              <a:t>to Your </a:t>
-            </a:r>
-            <a:r>
-              <a:rPr lang="en-US" dirty="0" smtClean="0"/>
-              <a:t>Cluster (AWS EC2 Instance)</a:t>
-            </a:r>
-          </a:p>
-        </p:txBody>
-      </p:sp>
-    </p:spTree>
-  </p:cSld>
-  <p:clrMapOvr>
-    <a:masterClrMapping/>
-  </p:clrMapOvr>
-  <p:timing>
-    <p:tnLst>
-      <p:par>
-        <p:cTn id="1" dur="indefinite" restart="never" nodeType="tmRoot"/>
-      </p:par>
-    </p:tnLst>
-  </p:timing>
-</p:sld>
-</file>
-
 <file path=ppt/slides/slide8.xml><?xml version="1.0" encoding="utf-8"?>
 <p:sld xmlns:a="http://schemas.openxmlformats.org/drawingml/2006/main" xmlns:r="http://schemas.openxmlformats.org/officeDocument/2006/relationships" xmlns:p="http://schemas.openxmlformats.org/presentationml/2006/main">
   <p:cSld>
@@ -5558,7 +5759,7 @@
           <a:p>
             <a:r>
               <a:rPr lang="en-US" dirty="0" smtClean="0"/>
-              <a:t>Quick Demo</a:t>
+              <a:t>Installation Steps</a:t>
             </a:r>
             <a:endParaRPr lang="en-US" dirty="0"/>
           </a:p>
@@ -5572,8 +5773,8 @@
         </p:nvSpPr>
         <p:spPr>
           <a:xfrm>
-            <a:off x="757367" y="1584186"/>
-            <a:ext cx="7515090" cy="2862322"/>
+            <a:off x="879894" y="1584186"/>
+            <a:ext cx="7608651" cy="1754326"/>
           </a:xfrm>
           <a:prstGeom prst="rect">
             <a:avLst/>
@@ -5586,108 +5787,125 @@
           </a:bodyPr>
           <a:lstStyle/>
           <a:p>
-            <a:pPr>
+            <a:pPr marL="285750" indent="-285750">
               <a:buFont typeface="Arial" pitchFamily="34" charset="0"/>
               <a:buChar char="•"/>
             </a:pPr>
             <a:r>
               <a:rPr lang="en-US" dirty="0" smtClean="0"/>
-              <a:t>  To save time AWS EKS Cluster has already been configured using the AWS CloudFormation scripts, and an EC2 cloud-init </a:t>
-            </a:r>
-            <a:r>
-              <a:rPr lang="en-US" dirty="0" smtClean="0"/>
-              <a:t>script.</a:t>
-            </a:r>
-          </a:p>
-          <a:p>
-            <a:pPr>
+              <a:t>Create AWS </a:t>
+            </a:r>
+            <a:r>
+              <a:rPr lang="en-US" dirty="0"/>
+              <a:t>EKS Cluster using AWS </a:t>
+            </a:r>
+            <a:r>
+              <a:rPr lang="en-US" dirty="0" smtClean="0"/>
+              <a:t>CloudFormation  </a:t>
+            </a:r>
+            <a:endParaRPr lang="en-US" dirty="0"/>
+          </a:p>
+          <a:p>
+            <a:pPr marL="285750" indent="-285750">
               <a:buFont typeface="Arial" pitchFamily="34" charset="0"/>
               <a:buChar char="•"/>
             </a:pPr>
             <a:r>
+              <a:rPr lang="en-US" dirty="0" smtClean="0"/>
+              <a:t>Configure </a:t>
+            </a:r>
+            <a:r>
               <a:rPr lang="en-US" dirty="0"/>
-              <a:t> </a:t>
-            </a:r>
-            <a:r>
-              <a:rPr lang="en-US" dirty="0" smtClean="0"/>
-              <a:t> </a:t>
-            </a:r>
-            <a:r>
-              <a:rPr lang="en-US" dirty="0" smtClean="0"/>
-              <a:t>I’ve </a:t>
-            </a:r>
-            <a:r>
-              <a:rPr lang="en-US" dirty="0" smtClean="0"/>
-              <a:t>already:</a:t>
-            </a:r>
-          </a:p>
-          <a:p>
-            <a:pPr lvl="1">
+              <a:t>Your AWS EC2 </a:t>
+            </a:r>
+            <a:r>
+              <a:rPr lang="en-US" dirty="0" smtClean="0"/>
+              <a:t>Instance  </a:t>
+            </a:r>
+            <a:endParaRPr lang="en-US" dirty="0"/>
+          </a:p>
+          <a:p>
+            <a:pPr marL="285750" indent="-285750">
               <a:buFont typeface="Arial" pitchFamily="34" charset="0"/>
               <a:buChar char="•"/>
             </a:pPr>
             <a:r>
+              <a:rPr lang="en-US" dirty="0" smtClean="0"/>
+              <a:t>Configure </a:t>
+            </a:r>
+            <a:r>
               <a:rPr lang="en-US" dirty="0"/>
-              <a:t> </a:t>
-            </a:r>
-            <a:r>
-              <a:rPr lang="en-US" dirty="0" smtClean="0"/>
-              <a:t> Created a docker image located in DockerHub at kskalvar/web. This image is nothing more than a simple flask webapp that returns the current ip address of the container it's running in.</a:t>
-            </a:r>
-          </a:p>
-          <a:p>
-            <a:pPr lvl="1">
+              <a:t>kubectl on Your EC2 </a:t>
+            </a:r>
+            <a:r>
+              <a:rPr lang="en-US" dirty="0" smtClean="0"/>
+              <a:t>Instance  </a:t>
+            </a:r>
+            <a:endParaRPr lang="en-US" dirty="0"/>
+          </a:p>
+          <a:p>
+            <a:pPr marL="285750" indent="-285750">
               <a:buFont typeface="Arial" pitchFamily="34" charset="0"/>
               <a:buChar char="•"/>
             </a:pPr>
             <a:r>
               <a:rPr lang="en-US" dirty="0" smtClean="0"/>
-              <a:t>  Created a pod</a:t>
-            </a:r>
-          </a:p>
-          <a:p>
-            <a:pPr lvl="1">
+              <a:t>Deploy WebApp </a:t>
+            </a:r>
+            <a:r>
+              <a:rPr lang="en-US" dirty="0"/>
+              <a:t>to Your </a:t>
+            </a:r>
+            <a:r>
+              <a:rPr lang="en-US" dirty="0" smtClean="0"/>
+              <a:t>Cluster  </a:t>
+            </a:r>
+            <a:endParaRPr lang="en-US" dirty="0"/>
+          </a:p>
+          <a:p>
+            <a:pPr marL="285750" indent="-285750">
               <a:buFont typeface="Arial" pitchFamily="34" charset="0"/>
               <a:buChar char="•"/>
             </a:pPr>
             <a:r>
               <a:rPr lang="en-US" dirty="0" smtClean="0"/>
-              <a:t>  Scaled the pod</a:t>
-            </a:r>
-            <a:endParaRPr lang="en-US" dirty="0"/>
-          </a:p>
-          <a:p>
-            <a:pPr lvl="1">
+              <a:t>Configure </a:t>
+            </a:r>
+            <a:r>
+              <a:rPr lang="en-US" dirty="0"/>
+              <a:t>the Kubernetes </a:t>
+            </a:r>
+            <a:r>
+              <a:rPr lang="en-US" dirty="0" smtClean="0"/>
+              <a:t>Dashboard (Optional</a:t>
+            </a:r>
+            <a:r>
+              <a:rPr lang="en-US" dirty="0"/>
+              <a:t>)  </a:t>
+            </a:r>
+          </a:p>
+          <a:p>
+            <a:pPr marL="285750" indent="-285750">
               <a:buFont typeface="Arial" pitchFamily="34" charset="0"/>
               <a:buChar char="•"/>
             </a:pPr>
             <a:r>
               <a:rPr lang="en-US" dirty="0" smtClean="0"/>
-              <a:t>  Created an external AWS Load Balancer</a:t>
-            </a:r>
-          </a:p>
-          <a:p>
-            <a:pPr>
-              <a:buFont typeface="Arial" pitchFamily="34" charset="0"/>
-              <a:buChar char="•"/>
-            </a:pPr>
+              <a:t>Remove </a:t>
+            </a:r>
             <a:r>
               <a:rPr lang="en-US" dirty="0"/>
-              <a:t> </a:t>
-            </a:r>
-            <a:r>
-              <a:rPr lang="en-US" dirty="0" smtClean="0"/>
-              <a:t> You should see a unique ip address as it is load balanced across containers.</a:t>
-            </a:r>
+              <a:t>Your AWS EKS </a:t>
+            </a:r>
+            <a:r>
+              <a:rPr lang="en-US" dirty="0" smtClean="0"/>
+              <a:t>Cluster </a:t>
+            </a:r>
+            <a:endParaRPr lang="en-US" dirty="0"/>
           </a:p>
         </p:txBody>
       </p:sp>
     </p:spTree>
-    <p:extLst>
-      <p:ext uri="{BB962C8B-B14F-4D97-AF65-F5344CB8AC3E}">
-        <p14:creationId xmlns:p14="http://schemas.microsoft.com/office/powerpoint/2010/main" val="2159253671"/>
-      </p:ext>
-    </p:extLst>
   </p:cSld>
   <p:clrMapOvr>
     <a:masterClrMapping/>
@@ -5736,7 +5954,7 @@
           <a:p>
             <a:r>
               <a:rPr lang="en-US" dirty="0" smtClean="0"/>
-              <a:t>Conclusions</a:t>
+              <a:t>Quick Demo</a:t>
             </a:r>
             <a:endParaRPr lang="en-US" dirty="0"/>
           </a:p>
@@ -5770,7 +5988,29 @@
             </a:pPr>
             <a:r>
               <a:rPr lang="en-US" dirty="0" smtClean="0"/>
-              <a:t>  Cons</a:t>
+              <a:t>  To save time AWS EKS Cluster has already been configured using the AWS CloudFormation scripts, and an EC2 </a:t>
+            </a:r>
+            <a:r>
+              <a:rPr lang="en-US" dirty="0" smtClean="0"/>
+              <a:t>instance created with a cloud-init </a:t>
+            </a:r>
+            <a:r>
+              <a:rPr lang="en-US" dirty="0" smtClean="0"/>
+              <a:t>script.</a:t>
+            </a:r>
+          </a:p>
+          <a:p>
+            <a:pPr>
+              <a:buFont typeface="Arial" pitchFamily="34" charset="0"/>
+              <a:buChar char="•"/>
+            </a:pPr>
+            <a:r>
+              <a:rPr lang="en-US" dirty="0"/>
+              <a:t> </a:t>
+            </a:r>
+            <a:r>
+              <a:rPr lang="en-US" dirty="0" smtClean="0"/>
+              <a:t> I’ve already:</a:t>
             </a:r>
           </a:p>
           <a:p>
@@ -5784,15 +6024,7 @@
             </a:r>
             <a:r>
               <a:rPr lang="en-US" dirty="0" smtClean="0"/>
-              <a:t>Unfortunately </a:t>
-            </a:r>
-            <a:r>
-              <a:rPr lang="en-US" dirty="0"/>
-              <a:t>this is a pretty manual effort right </a:t>
-            </a:r>
-            <a:r>
-              <a:rPr lang="en-US" dirty="0" smtClean="0"/>
-              <a:t>now, not what I would expect for a AWS Managed Service</a:t>
+              <a:t> Created a docker image located in DockerHub Repo at kskalvar/web. This image is nothing more than a simple flask webapp that returns the current ip address of the container it's running in.</a:t>
             </a:r>
           </a:p>
           <a:p>
@@ -5801,20 +6033,8 @@
               <a:buChar char="•"/>
             </a:pPr>
             <a:r>
-              <a:rPr lang="en-US" dirty="0"/>
-              <a:t> </a:t>
-            </a:r>
-            <a:r>
-              <a:rPr lang="en-US" dirty="0" smtClean="0"/>
-              <a:t> </a:t>
-            </a:r>
-            <a:r>
-              <a:rPr lang="en-US" dirty="0" smtClean="0"/>
-              <a:t>Need for CloudFormation </a:t>
-            </a:r>
-            <a:r>
-              <a:rPr lang="en-US" dirty="0" smtClean="0"/>
-              <a:t>and EC2 cloud-init scripts to speed the process</a:t>
+              <a:rPr lang="en-US" dirty="0" smtClean="0"/>
+              <a:t>  Created a pod</a:t>
             </a:r>
           </a:p>
           <a:p>
@@ -5823,20 +6043,19 @@
               <a:buChar char="•"/>
             </a:pPr>
             <a:r>
-              <a:rPr lang="en-US" dirty="0"/>
-              <a:t> </a:t>
-            </a:r>
-            <a:r>
-              <a:rPr lang="en-US" dirty="0" smtClean="0"/>
-              <a:t> </a:t>
-            </a:r>
-            <a:r>
-              <a:rPr lang="en-US" dirty="0"/>
-              <a:t>AWS Fargate support for Amazon EKS will be available in </a:t>
-            </a:r>
-            <a:r>
-              <a:rPr lang="en-US" dirty="0" smtClean="0"/>
-              <a:t>2018 (still not released as of this date)</a:t>
+              <a:rPr lang="en-US" dirty="0" smtClean="0"/>
+              <a:t>  Scaled the pod</a:t>
+            </a:r>
+            <a:endParaRPr lang="en-US" dirty="0"/>
+          </a:p>
+          <a:p>
+            <a:pPr lvl="1">
+              <a:buFont typeface="Arial" pitchFamily="34" charset="0"/>
+              <a:buChar char="•"/>
+            </a:pPr>
+            <a:r>
+              <a:rPr lang="en-US" dirty="0" smtClean="0"/>
+              <a:t>  Created an external AWS Load Balancer</a:t>
             </a:r>
           </a:p>
           <a:p>
@@ -5845,40 +6064,12 @@
               <a:buChar char="•"/>
             </a:pPr>
             <a:r>
-              <a:rPr lang="en-US" dirty="0" smtClean="0"/>
-              <a:t>  Pros</a:t>
-            </a:r>
-          </a:p>
-          <a:p>
-            <a:pPr lvl="1">
-              <a:buFont typeface="Arial" pitchFamily="34" charset="0"/>
-              <a:buChar char="•"/>
-            </a:pPr>
-            <a:r>
               <a:rPr lang="en-US" dirty="0"/>
               <a:t> </a:t>
             </a:r>
             <a:r>
               <a:rPr lang="en-US" dirty="0" smtClean="0"/>
-              <a:t> Provision Kubernetes Masters across AWS Availability Zones</a:t>
-            </a:r>
-          </a:p>
-          <a:p>
-            <a:pPr lvl="1">
-              <a:buFont typeface="Arial" pitchFamily="34" charset="0"/>
-              <a:buChar char="•"/>
-            </a:pPr>
-            <a:r>
-              <a:rPr lang="en-US" dirty="0"/>
-              <a:t> </a:t>
-            </a:r>
-            <a:r>
-              <a:rPr lang="en-US" dirty="0" smtClean="0"/>
-              <a:t> kubectl vs. </a:t>
-            </a:r>
-            <a:r>
-              <a:rPr lang="en-US" dirty="0" smtClean="0"/>
-              <a:t>kops</a:t>
+              <a:t> You should see a unique ip address as it is load balanced across containers.</a:t>
             </a:r>
           </a:p>
         </p:txBody>
@@ -5886,7 +6077,7 @@
     </p:spTree>
     <p:extLst>
       <p:ext uri="{BB962C8B-B14F-4D97-AF65-F5344CB8AC3E}">
-        <p14:creationId xmlns:p14="http://schemas.microsoft.com/office/powerpoint/2010/main" val="1236400761"/>
+        <p14:creationId xmlns:p14="http://schemas.microsoft.com/office/powerpoint/2010/main" val="2159253671"/>
       </p:ext>
     </p:extLst>
   </p:cSld>

--- a/slides/AWS-EKS-Cluster-Quickstart.pptx
+++ b/slides/AWS-EKS-Cluster-Quickstart.pptx
@@ -207,7 +207,7 @@
             <a:fld id="{814910AB-AEF0-414C-82CB-791080B1186B}" type="datetimeFigureOut">
               <a:rPr lang="en-US" smtClean="0"/>
               <a:pPr/>
-              <a:t>8/8/2019</a:t>
+              <a:t>8/10/2019</a:t>
             </a:fld>
             <a:endParaRPr lang="en-US" dirty="0"/>
           </a:p>
@@ -374,7 +374,7 @@
             <a:fld id="{5B4AE38D-E020-46F3-803D-8636C5B7B74E}" type="datetimeFigureOut">
               <a:rPr lang="en-US" smtClean="0"/>
               <a:pPr/>
-              <a:t>8/8/2019</a:t>
+              <a:t>8/10/2019</a:t>
             </a:fld>
             <a:endParaRPr lang="en-US" dirty="0"/>
           </a:p>
@@ -1202,7 +1202,7 @@
             <a:fld id="{7DDB771E-4AED-4DD3-8AA1-5D9FD2224F14}" type="datetimeFigureOut">
               <a:rPr lang="en-US" smtClean="0"/>
               <a:pPr/>
-              <a:t>8/8/2019</a:t>
+              <a:t>8/10/2019</a:t>
             </a:fld>
             <a:endParaRPr lang="en-US" dirty="0"/>
           </a:p>
@@ -1369,7 +1369,7 @@
             <a:fld id="{7DDB771E-4AED-4DD3-8AA1-5D9FD2224F14}" type="datetimeFigureOut">
               <a:rPr lang="en-US" smtClean="0"/>
               <a:pPr/>
-              <a:t>8/8/2019</a:t>
+              <a:t>8/10/2019</a:t>
             </a:fld>
             <a:endParaRPr lang="en-US" dirty="0"/>
           </a:p>
@@ -1546,7 +1546,7 @@
             <a:fld id="{7DDB771E-4AED-4DD3-8AA1-5D9FD2224F14}" type="datetimeFigureOut">
               <a:rPr lang="en-US" smtClean="0"/>
               <a:pPr/>
-              <a:t>8/8/2019</a:t>
+              <a:t>8/10/2019</a:t>
             </a:fld>
             <a:endParaRPr lang="en-US" dirty="0"/>
           </a:p>
@@ -1713,7 +1713,7 @@
             <a:fld id="{7DDB771E-4AED-4DD3-8AA1-5D9FD2224F14}" type="datetimeFigureOut">
               <a:rPr lang="en-US" smtClean="0"/>
               <a:pPr/>
-              <a:t>8/8/2019</a:t>
+              <a:t>8/10/2019</a:t>
             </a:fld>
             <a:endParaRPr lang="en-US" dirty="0"/>
           </a:p>
@@ -1956,7 +1956,7 @@
             <a:fld id="{7DDB771E-4AED-4DD3-8AA1-5D9FD2224F14}" type="datetimeFigureOut">
               <a:rPr lang="en-US" smtClean="0"/>
               <a:pPr/>
-              <a:t>8/8/2019</a:t>
+              <a:t>8/10/2019</a:t>
             </a:fld>
             <a:endParaRPr lang="en-US" dirty="0"/>
           </a:p>
@@ -2241,7 +2241,7 @@
             <a:fld id="{7DDB771E-4AED-4DD3-8AA1-5D9FD2224F14}" type="datetimeFigureOut">
               <a:rPr lang="en-US" smtClean="0"/>
               <a:pPr/>
-              <a:t>8/8/2019</a:t>
+              <a:t>8/10/2019</a:t>
             </a:fld>
             <a:endParaRPr lang="en-US" dirty="0"/>
           </a:p>
@@ -2660,7 +2660,7 @@
             <a:fld id="{7DDB771E-4AED-4DD3-8AA1-5D9FD2224F14}" type="datetimeFigureOut">
               <a:rPr lang="en-US" smtClean="0"/>
               <a:pPr/>
-              <a:t>8/8/2019</a:t>
+              <a:t>8/10/2019</a:t>
             </a:fld>
             <a:endParaRPr lang="en-US" dirty="0"/>
           </a:p>
@@ -2775,7 +2775,7 @@
             <a:fld id="{7DDB771E-4AED-4DD3-8AA1-5D9FD2224F14}" type="datetimeFigureOut">
               <a:rPr lang="en-US" smtClean="0"/>
               <a:pPr/>
-              <a:t>8/8/2019</a:t>
+              <a:t>8/10/2019</a:t>
             </a:fld>
             <a:endParaRPr lang="en-US" dirty="0"/>
           </a:p>
@@ -2867,7 +2867,7 @@
             <a:fld id="{7DDB771E-4AED-4DD3-8AA1-5D9FD2224F14}" type="datetimeFigureOut">
               <a:rPr lang="en-US" smtClean="0"/>
               <a:pPr/>
-              <a:t>8/8/2019</a:t>
+              <a:t>8/10/2019</a:t>
             </a:fld>
             <a:endParaRPr lang="en-US" dirty="0"/>
           </a:p>
@@ -3141,7 +3141,7 @@
             <a:fld id="{7DDB771E-4AED-4DD3-8AA1-5D9FD2224F14}" type="datetimeFigureOut">
               <a:rPr lang="en-US" smtClean="0"/>
               <a:pPr/>
-              <a:t>8/8/2019</a:t>
+              <a:t>8/10/2019</a:t>
             </a:fld>
             <a:endParaRPr lang="en-US" dirty="0"/>
           </a:p>
@@ -3391,7 +3391,7 @@
             <a:fld id="{7DDB771E-4AED-4DD3-8AA1-5D9FD2224F14}" type="datetimeFigureOut">
               <a:rPr lang="en-US" smtClean="0"/>
               <a:pPr/>
-              <a:t>8/8/2019</a:t>
+              <a:t>8/10/2019</a:t>
             </a:fld>
             <a:endParaRPr lang="en-US" dirty="0"/>
           </a:p>
@@ -3601,7 +3601,7 @@
             <a:fld id="{7DDB771E-4AED-4DD3-8AA1-5D9FD2224F14}" type="datetimeFigureOut">
               <a:rPr lang="en-US" smtClean="0"/>
               <a:pPr/>
-              <a:t>8/8/2019</a:t>
+              <a:t>8/10/2019</a:t>
             </a:fld>
             <a:endParaRPr lang="en-US" dirty="0"/>
           </a:p>
@@ -4632,23 +4632,7 @@
                   <a:prstClr val="black"/>
                 </a:solidFill>
               </a:rPr>
-              <a:t> </a:t>
-            </a:r>
-            <a:r>
-              <a:rPr lang="en-US" dirty="0" smtClean="0">
-                <a:solidFill>
-                  <a:prstClr val="black"/>
-                </a:solidFill>
-              </a:rPr>
-              <a:t>Used Docker </a:t>
-            </a:r>
-            <a:r>
-              <a:rPr lang="en-US" dirty="0" smtClean="0">
-                <a:solidFill>
-                  <a:prstClr val="black"/>
-                </a:solidFill>
-              </a:rPr>
-              <a:t>locally but quickly realized I really need a path to Production</a:t>
+              <a:t> Used Docker locally but quickly realized I really need a path to Production</a:t>
             </a:r>
           </a:p>
           <a:p>
@@ -4771,15 +4755,7 @@
           <a:p>
             <a:r>
               <a:rPr lang="en-US" dirty="0" smtClean="0"/>
-              <a:t>So How </a:t>
-            </a:r>
-            <a:r>
-              <a:rPr lang="en-US" dirty="0" smtClean="0"/>
-              <a:t>Did I Get </a:t>
-            </a:r>
-            <a:r>
-              <a:rPr lang="en-US" dirty="0" smtClean="0"/>
-              <a:t>Here?</a:t>
+              <a:t>So How Did I Get Here?</a:t>
             </a:r>
             <a:endParaRPr lang="en-US" dirty="0"/>
           </a:p>
@@ -5374,13 +5350,8 @@
             </a:pPr>
             <a:r>
               <a:rPr lang="en-US" dirty="0" smtClean="0"/>
-              <a:t>  Installation time about 15 </a:t>
-            </a:r>
-            <a:r>
-              <a:rPr lang="en-US" dirty="0" smtClean="0"/>
-              <a:t>minutes based on presentation artifacts</a:t>
-            </a:r>
-            <a:endParaRPr lang="en-US" dirty="0" smtClean="0"/>
+              <a:t>  Installation time about 15 minutes based on presentation artifacts</a:t>
+            </a:r>
           </a:p>
         </p:txBody>
       </p:sp>
@@ -5774,7 +5745,7 @@
         <p:spPr>
           <a:xfrm>
             <a:off x="879894" y="1584186"/>
-            <a:ext cx="7608651" cy="1754326"/>
+            <a:ext cx="7608651" cy="1477328"/>
           </a:xfrm>
           <a:prstGeom prst="rect">
             <a:avLst/>
@@ -5883,25 +5854,6 @@
               <a:rPr lang="en-US" dirty="0"/>
               <a:t>)  </a:t>
             </a:r>
-          </a:p>
-          <a:p>
-            <a:pPr marL="285750" indent="-285750">
-              <a:buFont typeface="Arial" pitchFamily="34" charset="0"/>
-              <a:buChar char="•"/>
-            </a:pPr>
-            <a:r>
-              <a:rPr lang="en-US" dirty="0" smtClean="0"/>
-              <a:t>Remove </a:t>
-            </a:r>
-            <a:r>
-              <a:rPr lang="en-US" dirty="0"/>
-              <a:t>Your AWS EKS </a:t>
-            </a:r>
-            <a:r>
-              <a:rPr lang="en-US" dirty="0" smtClean="0"/>
-              <a:t>Cluster </a:t>
-            </a:r>
-            <a:endParaRPr lang="en-US" dirty="0"/>
           </a:p>
         </p:txBody>
       </p:sp>
@@ -5988,15 +5940,7 @@
             </a:pPr>
             <a:r>
               <a:rPr lang="en-US" dirty="0" smtClean="0"/>
-              <a:t>  To save time AWS EKS Cluster has already been configured using the AWS CloudFormation scripts, and an EC2 </a:t>
-            </a:r>
-            <a:r>
-              <a:rPr lang="en-US" dirty="0" smtClean="0"/>
-              <a:t>instance created with a cloud-init </a:t>
-            </a:r>
-            <a:r>
-              <a:rPr lang="en-US" dirty="0" smtClean="0"/>
-              <a:t>script.</a:t>
+              <a:t>  To save time AWS EKS Cluster has already been configured using the AWS CloudFormation scripts, and an EC2 instance created with a cloud-init script.</a:t>
             </a:r>
           </a:p>
           <a:p>

--- a/slides/AWS-EKS-Cluster-Quickstart.pptx
+++ b/slides/AWS-EKS-Cluster-Quickstart.pptx
@@ -207,7 +207,7 @@
             <a:fld id="{814910AB-AEF0-414C-82CB-791080B1186B}" type="datetimeFigureOut">
               <a:rPr lang="en-US" smtClean="0"/>
               <a:pPr/>
-              <a:t>8/10/2019</a:t>
+              <a:t>8/11/2019</a:t>
             </a:fld>
             <a:endParaRPr lang="en-US" dirty="0"/>
           </a:p>
@@ -374,7 +374,7 @@
             <a:fld id="{5B4AE38D-E020-46F3-803D-8636C5B7B74E}" type="datetimeFigureOut">
               <a:rPr lang="en-US" smtClean="0"/>
               <a:pPr/>
-              <a:t>8/10/2019</a:t>
+              <a:t>8/11/2019</a:t>
             </a:fld>
             <a:endParaRPr lang="en-US" dirty="0"/>
           </a:p>
@@ -1202,7 +1202,7 @@
             <a:fld id="{7DDB771E-4AED-4DD3-8AA1-5D9FD2224F14}" type="datetimeFigureOut">
               <a:rPr lang="en-US" smtClean="0"/>
               <a:pPr/>
-              <a:t>8/10/2019</a:t>
+              <a:t>8/11/2019</a:t>
             </a:fld>
             <a:endParaRPr lang="en-US" dirty="0"/>
           </a:p>
@@ -1369,7 +1369,7 @@
             <a:fld id="{7DDB771E-4AED-4DD3-8AA1-5D9FD2224F14}" type="datetimeFigureOut">
               <a:rPr lang="en-US" smtClean="0"/>
               <a:pPr/>
-              <a:t>8/10/2019</a:t>
+              <a:t>8/11/2019</a:t>
             </a:fld>
             <a:endParaRPr lang="en-US" dirty="0"/>
           </a:p>
@@ -1546,7 +1546,7 @@
             <a:fld id="{7DDB771E-4AED-4DD3-8AA1-5D9FD2224F14}" type="datetimeFigureOut">
               <a:rPr lang="en-US" smtClean="0"/>
               <a:pPr/>
-              <a:t>8/10/2019</a:t>
+              <a:t>8/11/2019</a:t>
             </a:fld>
             <a:endParaRPr lang="en-US" dirty="0"/>
           </a:p>
@@ -1713,7 +1713,7 @@
             <a:fld id="{7DDB771E-4AED-4DD3-8AA1-5D9FD2224F14}" type="datetimeFigureOut">
               <a:rPr lang="en-US" smtClean="0"/>
               <a:pPr/>
-              <a:t>8/10/2019</a:t>
+              <a:t>8/11/2019</a:t>
             </a:fld>
             <a:endParaRPr lang="en-US" dirty="0"/>
           </a:p>
@@ -1956,7 +1956,7 @@
             <a:fld id="{7DDB771E-4AED-4DD3-8AA1-5D9FD2224F14}" type="datetimeFigureOut">
               <a:rPr lang="en-US" smtClean="0"/>
               <a:pPr/>
-              <a:t>8/10/2019</a:t>
+              <a:t>8/11/2019</a:t>
             </a:fld>
             <a:endParaRPr lang="en-US" dirty="0"/>
           </a:p>
@@ -2241,7 +2241,7 @@
             <a:fld id="{7DDB771E-4AED-4DD3-8AA1-5D9FD2224F14}" type="datetimeFigureOut">
               <a:rPr lang="en-US" smtClean="0"/>
               <a:pPr/>
-              <a:t>8/10/2019</a:t>
+              <a:t>8/11/2019</a:t>
             </a:fld>
             <a:endParaRPr lang="en-US" dirty="0"/>
           </a:p>
@@ -2660,7 +2660,7 @@
             <a:fld id="{7DDB771E-4AED-4DD3-8AA1-5D9FD2224F14}" type="datetimeFigureOut">
               <a:rPr lang="en-US" smtClean="0"/>
               <a:pPr/>
-              <a:t>8/10/2019</a:t>
+              <a:t>8/11/2019</a:t>
             </a:fld>
             <a:endParaRPr lang="en-US" dirty="0"/>
           </a:p>
@@ -2775,7 +2775,7 @@
             <a:fld id="{7DDB771E-4AED-4DD3-8AA1-5D9FD2224F14}" type="datetimeFigureOut">
               <a:rPr lang="en-US" smtClean="0"/>
               <a:pPr/>
-              <a:t>8/10/2019</a:t>
+              <a:t>8/11/2019</a:t>
             </a:fld>
             <a:endParaRPr lang="en-US" dirty="0"/>
           </a:p>
@@ -2867,7 +2867,7 @@
             <a:fld id="{7DDB771E-4AED-4DD3-8AA1-5D9FD2224F14}" type="datetimeFigureOut">
               <a:rPr lang="en-US" smtClean="0"/>
               <a:pPr/>
-              <a:t>8/10/2019</a:t>
+              <a:t>8/11/2019</a:t>
             </a:fld>
             <a:endParaRPr lang="en-US" dirty="0"/>
           </a:p>
@@ -3141,7 +3141,7 @@
             <a:fld id="{7DDB771E-4AED-4DD3-8AA1-5D9FD2224F14}" type="datetimeFigureOut">
               <a:rPr lang="en-US" smtClean="0"/>
               <a:pPr/>
-              <a:t>8/10/2019</a:t>
+              <a:t>8/11/2019</a:t>
             </a:fld>
             <a:endParaRPr lang="en-US" dirty="0"/>
           </a:p>
@@ -3391,7 +3391,7 @@
             <a:fld id="{7DDB771E-4AED-4DD3-8AA1-5D9FD2224F14}" type="datetimeFigureOut">
               <a:rPr lang="en-US" smtClean="0"/>
               <a:pPr/>
-              <a:t>8/10/2019</a:t>
+              <a:t>8/11/2019</a:t>
             </a:fld>
             <a:endParaRPr lang="en-US" dirty="0"/>
           </a:p>
@@ -3601,7 +3601,7 @@
             <a:fld id="{7DDB771E-4AED-4DD3-8AA1-5D9FD2224F14}" type="datetimeFigureOut">
               <a:rPr lang="en-US" smtClean="0"/>
               <a:pPr/>
-              <a:t>8/10/2019</a:t>
+              <a:t>8/11/2019</a:t>
             </a:fld>
             <a:endParaRPr lang="en-US" dirty="0"/>
           </a:p>
@@ -4225,20 +4225,24 @@
               <a:t>Unfortunately </a:t>
             </a:r>
             <a:r>
+              <a:rPr lang="en-US" dirty="0" smtClean="0"/>
+              <a:t>configuring AWS EKS is </a:t>
+            </a:r>
+            <a:r>
+              <a:rPr lang="en-US" dirty="0" smtClean="0"/>
+              <a:t>still a </a:t>
+            </a:r>
+            <a:r>
               <a:rPr lang="en-US" dirty="0"/>
-              <a:t>this is </a:t>
-            </a:r>
-            <a:r>
-              <a:rPr lang="en-US" dirty="0" smtClean="0"/>
-              <a:t>still a </a:t>
-            </a:r>
-            <a:r>
-              <a:rPr lang="en-US" dirty="0"/>
-              <a:t>pretty manual effort right </a:t>
-            </a:r>
-            <a:r>
-              <a:rPr lang="en-US" dirty="0" smtClean="0"/>
-              <a:t>now, not what I would expect for a AWS Managed Service</a:t>
+              <a:t>pretty </a:t>
+            </a:r>
+            <a:r>
+              <a:rPr lang="en-US" dirty="0" smtClean="0"/>
+              <a:t>much manual </a:t>
+            </a:r>
+            <a:r>
+              <a:rPr lang="en-US" dirty="0" smtClean="0"/>
+              <a:t>steps right now, not what I would expect for a AWS Managed Service</a:t>
             </a:r>
           </a:p>
           <a:p>
@@ -4632,8 +4636,37 @@
                   <a:prstClr val="black"/>
                 </a:solidFill>
               </a:rPr>
-              <a:t> Used Docker locally but quickly realized I really need a path to Production</a:t>
-            </a:r>
+              <a:t> Used Docker locally </a:t>
+            </a:r>
+            <a:r>
+              <a:rPr lang="en-US" dirty="0" smtClean="0">
+                <a:solidFill>
+                  <a:prstClr val="black"/>
+                </a:solidFill>
+              </a:rPr>
+              <a:t>for development but </a:t>
+            </a:r>
+            <a:r>
+              <a:rPr lang="en-US" dirty="0" smtClean="0">
+                <a:solidFill>
+                  <a:prstClr val="black"/>
+                </a:solidFill>
+              </a:rPr>
+              <a:t>quickly </a:t>
+            </a:r>
+            <a:r>
+              <a:rPr lang="en-US" dirty="0" smtClean="0">
+                <a:solidFill>
+                  <a:prstClr val="black"/>
+                </a:solidFill>
+              </a:rPr>
+              <a:t>realized containers were good but you really need orchestration </a:t>
+            </a:r>
+            <a:endParaRPr lang="en-US" dirty="0" smtClean="0">
+              <a:solidFill>
+                <a:prstClr val="black"/>
+              </a:solidFill>
+            </a:endParaRPr>
           </a:p>
           <a:p>
             <a:pPr>
@@ -4674,8 +4707,37 @@
                   <a:prstClr val="black"/>
                 </a:solidFill>
               </a:rPr>
-              <a:t>  Something I could scaled as needed</a:t>
-            </a:r>
+              <a:t>  Something </a:t>
+            </a:r>
+            <a:r>
+              <a:rPr lang="en-US" dirty="0" smtClean="0">
+                <a:solidFill>
+                  <a:prstClr val="black"/>
+                </a:solidFill>
+              </a:rPr>
+              <a:t>that </a:t>
+            </a:r>
+            <a:r>
+              <a:rPr lang="en-US" dirty="0" smtClean="0">
+                <a:solidFill>
+                  <a:prstClr val="black"/>
+                </a:solidFill>
+              </a:rPr>
+              <a:t>could </a:t>
+            </a:r>
+            <a:r>
+              <a:rPr lang="en-US" dirty="0" smtClean="0">
+                <a:solidFill>
+                  <a:prstClr val="black"/>
+                </a:solidFill>
+              </a:rPr>
+              <a:t>scale</a:t>
+            </a:r>
+            <a:endParaRPr lang="en-US" dirty="0" smtClean="0">
+              <a:solidFill>
+                <a:prstClr val="black"/>
+              </a:solidFill>
+            </a:endParaRPr>
           </a:p>
           <a:p>
             <a:pPr>
@@ -4726,8 +4788,21 @@
                   <a:prstClr val="black"/>
                 </a:solidFill>
               </a:rPr>
-              <a:t> Use it and lose it</a:t>
-            </a:r>
+              <a:t> </a:t>
+            </a:r>
+            <a:r>
+              <a:rPr lang="en-US" dirty="0" smtClean="0">
+                <a:solidFill>
+                  <a:prstClr val="black"/>
+                </a:solidFill>
+              </a:rPr>
+              <a:t>On demand</a:t>
+            </a:r>
+            <a:endParaRPr lang="en-US" dirty="0" smtClean="0">
+              <a:solidFill>
+                <a:prstClr val="black"/>
+              </a:solidFill>
+            </a:endParaRPr>
           </a:p>
         </p:txBody>
       </p:sp>
@@ -5001,7 +5076,15 @@
             </a:r>
             <a:r>
               <a:rPr lang="en-US" dirty="0"/>
-              <a:t>EKS is also integrated with many AWS services to provide scalability and security for your applications, including the </a:t>
+              <a:t>EKS is </a:t>
+            </a:r>
+            <a:r>
+              <a:rPr lang="en-US" dirty="0" smtClean="0"/>
+              <a:t>already integrated </a:t>
+            </a:r>
+            <a:r>
+              <a:rPr lang="en-US" dirty="0"/>
+              <a:t>with many AWS services to provide scalability and security for your applications, including the </a:t>
             </a:r>
             <a:r>
               <a:rPr lang="en-US" dirty="0" smtClean="0"/>
@@ -5114,11 +5197,15 @@
             </a:r>
             <a:r>
               <a:rPr lang="en-US" dirty="0" smtClean="0"/>
-              <a:t> This </a:t>
+              <a:t> </a:t>
+            </a:r>
+            <a:r>
+              <a:rPr lang="en-US" dirty="0" smtClean="0"/>
+              <a:t>You </a:t>
             </a:r>
             <a:r>
               <a:rPr lang="en-US" dirty="0"/>
-              <a:t>means that you can easily migrate any standard Kubernetes application to Amazon EKS without any code modification </a:t>
+              <a:t>can easily migrate any standard Kubernetes application to Amazon EKS without any code modification </a:t>
             </a:r>
             <a:r>
               <a:rPr lang="en-US" dirty="0" smtClean="0"/>
@@ -5806,11 +5893,19 @@
             </a:r>
             <a:r>
               <a:rPr lang="en-US" dirty="0"/>
-              <a:t>kubectl on Your EC2 </a:t>
-            </a:r>
-            <a:r>
-              <a:rPr lang="en-US" dirty="0" smtClean="0"/>
-              <a:t>Instance  </a:t>
+              <a:t>kubectl on </a:t>
+            </a:r>
+            <a:r>
+              <a:rPr lang="en-US" dirty="0" smtClean="0"/>
+              <a:t>your </a:t>
+            </a:r>
+            <a:r>
+              <a:rPr lang="en-US" dirty="0"/>
+              <a:t>EC2 </a:t>
+            </a:r>
+            <a:r>
+              <a:rPr lang="en-US" dirty="0" smtClean="0"/>
+              <a:t>Instance to talk to the cluster</a:t>
             </a:r>
             <a:endParaRPr lang="en-US" dirty="0"/>
           </a:p>
@@ -5829,7 +5924,7 @@
             </a:r>
             <a:r>
               <a:rPr lang="en-US" dirty="0" smtClean="0"/>
-              <a:t>Cluster  </a:t>
+              <a:t>cluster  </a:t>
             </a:r>
             <a:endParaRPr lang="en-US" dirty="0"/>
           </a:p>
@@ -5921,7 +6016,7 @@
         <p:spPr>
           <a:xfrm>
             <a:off x="757367" y="1584186"/>
-            <a:ext cx="7515090" cy="2862322"/>
+            <a:ext cx="7515090" cy="2308324"/>
           </a:xfrm>
           <a:prstGeom prst="rect">
             <a:avLst/>
@@ -5940,7 +6035,27 @@
             </a:pPr>
             <a:r>
               <a:rPr lang="en-US" dirty="0" smtClean="0"/>
-              <a:t>  To save time AWS EKS Cluster has already been configured using the AWS CloudFormation scripts, and an EC2 instance created with a cloud-init script.</a:t>
+              <a:t>  To save time AWS EKS Cluster has already been configured using the AWS CloudFormation </a:t>
+            </a:r>
+            <a:r>
+              <a:rPr lang="en-US" dirty="0" smtClean="0"/>
+              <a:t>scripts we created, </a:t>
+            </a:r>
+            <a:r>
+              <a:rPr lang="en-US" dirty="0" smtClean="0"/>
+              <a:t>and an EC2 instance created with </a:t>
+            </a:r>
+            <a:r>
+              <a:rPr lang="en-US" dirty="0" smtClean="0"/>
+              <a:t>our </a:t>
+            </a:r>
+            <a:r>
+              <a:rPr lang="en-US" dirty="0" smtClean="0"/>
+              <a:t>cloud-init </a:t>
+            </a:r>
+            <a:r>
+              <a:rPr lang="en-US" dirty="0" smtClean="0"/>
+              <a:t>script.</a:t>
             </a:r>
           </a:p>
           <a:p>
@@ -5954,8 +6069,17 @@
             </a:r>
             <a:r>
               <a:rPr lang="en-US" dirty="0" smtClean="0"/>
-              <a:t> I’ve already:</a:t>
-            </a:r>
+              <a:t> </a:t>
+            </a:r>
+            <a:r>
+              <a:rPr lang="en-US" dirty="0" smtClean="0"/>
+              <a:t>We’ll</a:t>
+            </a:r>
+            <a:r>
+              <a:rPr lang="en-US" dirty="0" smtClean="0"/>
+              <a:t>:</a:t>
+            </a:r>
+            <a:endParaRPr lang="en-US" dirty="0" smtClean="0"/>
           </a:p>
           <a:p>
             <a:pPr lvl="1">
@@ -5968,8 +6092,13 @@
             </a:r>
             <a:r>
               <a:rPr lang="en-US" dirty="0" smtClean="0"/>
-              <a:t> Created a docker image located in DockerHub Repo at kskalvar/web. This image is nothing more than a simple flask webapp that returns the current ip address of the container it's running in.</a:t>
-            </a:r>
+              <a:t> </a:t>
+            </a:r>
+            <a:r>
+              <a:rPr lang="en-US" dirty="0" smtClean="0"/>
+              <a:t>Configure kubectl to talk to the cluster</a:t>
+            </a:r>
+            <a:endParaRPr lang="en-US" dirty="0" smtClean="0"/>
           </a:p>
           <a:p>
             <a:pPr lvl="1">
@@ -5978,8 +6107,17 @@
             </a:pPr>
             <a:r>
               <a:rPr lang="en-US" dirty="0" smtClean="0"/>
-              <a:t>  Created a pod</a:t>
-            </a:r>
+              <a:t>  </a:t>
+            </a:r>
+            <a:r>
+              <a:rPr lang="en-US" dirty="0" smtClean="0"/>
+              <a:t>Create a </a:t>
+            </a:r>
+            <a:r>
+              <a:rPr lang="en-US" dirty="0" smtClean="0"/>
+              <a:t>deployment and service for a simple webapp</a:t>
+            </a:r>
+            <a:endParaRPr lang="en-US" dirty="0"/>
           </a:p>
           <a:p>
             <a:pPr lvl="1">
@@ -5988,9 +6126,28 @@
             </a:pPr>
             <a:r>
               <a:rPr lang="en-US" dirty="0" smtClean="0"/>
-              <a:t>  Scaled the pod</a:t>
-            </a:r>
-            <a:endParaRPr lang="en-US" dirty="0"/>
+              <a:t>  </a:t>
+            </a:r>
+            <a:r>
+              <a:rPr lang="en-US" dirty="0" smtClean="0"/>
+              <a:t>Show an unique </a:t>
+            </a:r>
+            <a:r>
+              <a:rPr lang="en-US" dirty="0" smtClean="0"/>
+              <a:t>ip </a:t>
+            </a:r>
+            <a:r>
+              <a:rPr lang="en-US" dirty="0" smtClean="0"/>
+              <a:t>as it </a:t>
+            </a:r>
+            <a:r>
+              <a:rPr lang="en-US" dirty="0" smtClean="0"/>
+              <a:t>is load balanced across </a:t>
+            </a:r>
+            <a:r>
+              <a:rPr lang="en-US" dirty="0" smtClean="0"/>
+              <a:t>the webapp containers</a:t>
+            </a:r>
           </a:p>
           <a:p>
             <a:pPr lvl="1">
@@ -5998,23 +6155,14 @@
               <a:buChar char="•"/>
             </a:pPr>
             <a:r>
-              <a:rPr lang="en-US" dirty="0" smtClean="0"/>
-              <a:t>  Created an external AWS Load Balancer</a:t>
-            </a:r>
-          </a:p>
-          <a:p>
-            <a:pPr>
-              <a:buFont typeface="Arial" pitchFamily="34" charset="0"/>
-              <a:buChar char="•"/>
-            </a:pPr>
-            <a:r>
               <a:rPr lang="en-US" dirty="0"/>
               <a:t> </a:t>
             </a:r>
             <a:r>
               <a:rPr lang="en-US" dirty="0" smtClean="0"/>
-              <a:t> You should see a unique ip address as it is load balanced across containers.</a:t>
-            </a:r>
+              <a:t> Configure the Kubernetes Dashboard (optional)</a:t>
+            </a:r>
+            <a:endParaRPr lang="en-US" dirty="0" smtClean="0"/>
           </a:p>
         </p:txBody>
       </p:sp>

--- a/slides/AWS-EKS-Cluster-Quickstart.pptx
+++ b/slides/AWS-EKS-Cluster-Quickstart.pptx
@@ -207,7 +207,7 @@
             <a:fld id="{814910AB-AEF0-414C-82CB-791080B1186B}" type="datetimeFigureOut">
               <a:rPr lang="en-US" smtClean="0"/>
               <a:pPr/>
-              <a:t>8/11/2019</a:t>
+              <a:t>8/12/2019</a:t>
             </a:fld>
             <a:endParaRPr lang="en-US" dirty="0"/>
           </a:p>
@@ -374,7 +374,7 @@
             <a:fld id="{5B4AE38D-E020-46F3-803D-8636C5B7B74E}" type="datetimeFigureOut">
               <a:rPr lang="en-US" smtClean="0"/>
               <a:pPr/>
-              <a:t>8/11/2019</a:t>
+              <a:t>8/12/2019</a:t>
             </a:fld>
             <a:endParaRPr lang="en-US" dirty="0"/>
           </a:p>
@@ -691,50 +691,10 @@
           </a:bodyPr>
           <a:lstStyle/>
           <a:p>
-            <a:pPr marL="228600" indent="-228600">
-              <a:buAutoNum type="arabicPeriod"/>
+            <a:pPr marL="0" indent="0">
+              <a:buNone/>
             </a:pPr>
-            <a:r>
-              <a:rPr lang="en-US" dirty="0" smtClean="0"/>
-              <a:t>Send a simple text message</a:t>
-            </a:r>
-          </a:p>
-          <a:p>
-            <a:pPr marL="228600" indent="-228600">
-              <a:buAutoNum type="arabicPeriod" startAt="2"/>
-            </a:pPr>
-            <a:r>
-              <a:rPr lang="en-US" dirty="0" smtClean="0"/>
-              <a:t>Use representative website</a:t>
-            </a:r>
-          </a:p>
-          <a:p>
-            <a:pPr marL="228600" indent="-228600">
-              <a:buAutoNum type="arabicPeriod" startAt="2"/>
-            </a:pPr>
-            <a:r>
-              <a:rPr lang="en-US" dirty="0" smtClean="0"/>
-              <a:t>Use</a:t>
-            </a:r>
-            <a:r>
-              <a:rPr lang="en-US" baseline="0" dirty="0" smtClean="0"/>
-              <a:t> </a:t>
-            </a:r>
-            <a:r>
-              <a:rPr lang="en-US" dirty="0" smtClean="0"/>
-              <a:t>phone dialer</a:t>
-            </a:r>
-            <a:endParaRPr lang="en-US" baseline="0" dirty="0" smtClean="0"/>
-          </a:p>
-          <a:p>
-            <a:pPr marL="228600" indent="-228600">
-              <a:buAutoNum type="arabicPeriod" startAt="2"/>
-            </a:pPr>
-            <a:r>
-              <a:rPr lang="en-US" baseline="0" dirty="0" smtClean="0"/>
-              <a:t>Use web browser</a:t>
-            </a:r>
-            <a:endParaRPr lang="en-US" dirty="0"/>
+            <a:endParaRPr lang="en-US" dirty="0" smtClean="0"/>
           </a:p>
         </p:txBody>
       </p:sp>
@@ -816,49 +776,9 @@
           </a:bodyPr>
           <a:lstStyle/>
           <a:p>
-            <a:pPr marL="228600" indent="-228600">
-              <a:buAutoNum type="arabicPeriod"/>
+            <a:pPr marL="0" indent="0">
+              <a:buNone/>
             </a:pPr>
-            <a:r>
-              <a:rPr lang="en-US" dirty="0" smtClean="0"/>
-              <a:t>Send a simple text message</a:t>
-            </a:r>
-          </a:p>
-          <a:p>
-            <a:pPr marL="228600" indent="-228600">
-              <a:buAutoNum type="arabicPeriod" startAt="2"/>
-            </a:pPr>
-            <a:r>
-              <a:rPr lang="en-US" dirty="0" smtClean="0"/>
-              <a:t>Use representative website</a:t>
-            </a:r>
-          </a:p>
-          <a:p>
-            <a:pPr marL="228600" indent="-228600">
-              <a:buAutoNum type="arabicPeriod" startAt="2"/>
-            </a:pPr>
-            <a:r>
-              <a:rPr lang="en-US" dirty="0" smtClean="0"/>
-              <a:t>Use</a:t>
-            </a:r>
-            <a:r>
-              <a:rPr lang="en-US" baseline="0" dirty="0" smtClean="0"/>
-              <a:t> </a:t>
-            </a:r>
-            <a:r>
-              <a:rPr lang="en-US" dirty="0" smtClean="0"/>
-              <a:t>phone dialer</a:t>
-            </a:r>
-            <a:endParaRPr lang="en-US" baseline="0" dirty="0" smtClean="0"/>
-          </a:p>
-          <a:p>
-            <a:pPr marL="228600" indent="-228600">
-              <a:buAutoNum type="arabicPeriod" startAt="2"/>
-            </a:pPr>
-            <a:r>
-              <a:rPr lang="en-US" baseline="0" dirty="0" smtClean="0"/>
-              <a:t>Use web browser</a:t>
-            </a:r>
             <a:endParaRPr lang="en-US" dirty="0"/>
           </a:p>
         </p:txBody>
@@ -941,49 +861,9 @@
           </a:bodyPr>
           <a:lstStyle/>
           <a:p>
-            <a:pPr marL="228600" indent="-228600">
-              <a:buAutoNum type="arabicPeriod"/>
+            <a:pPr marL="0" indent="0">
+              <a:buNone/>
             </a:pPr>
-            <a:r>
-              <a:rPr lang="en-US" dirty="0" smtClean="0"/>
-              <a:t>Send a simple text message</a:t>
-            </a:r>
-          </a:p>
-          <a:p>
-            <a:pPr marL="228600" indent="-228600">
-              <a:buAutoNum type="arabicPeriod" startAt="2"/>
-            </a:pPr>
-            <a:r>
-              <a:rPr lang="en-US" dirty="0" smtClean="0"/>
-              <a:t>Use representative website</a:t>
-            </a:r>
-          </a:p>
-          <a:p>
-            <a:pPr marL="228600" indent="-228600">
-              <a:buAutoNum type="arabicPeriod" startAt="2"/>
-            </a:pPr>
-            <a:r>
-              <a:rPr lang="en-US" dirty="0" smtClean="0"/>
-              <a:t>Use</a:t>
-            </a:r>
-            <a:r>
-              <a:rPr lang="en-US" baseline="0" dirty="0" smtClean="0"/>
-              <a:t> </a:t>
-            </a:r>
-            <a:r>
-              <a:rPr lang="en-US" dirty="0" smtClean="0"/>
-              <a:t>phone dialer</a:t>
-            </a:r>
-            <a:endParaRPr lang="en-US" baseline="0" dirty="0" smtClean="0"/>
-          </a:p>
-          <a:p>
-            <a:pPr marL="228600" indent="-228600">
-              <a:buAutoNum type="arabicPeriod" startAt="2"/>
-            </a:pPr>
-            <a:r>
-              <a:rPr lang="en-US" baseline="0" dirty="0" smtClean="0"/>
-              <a:t>Use web browser</a:t>
-            </a:r>
             <a:endParaRPr lang="en-US" dirty="0"/>
           </a:p>
         </p:txBody>
@@ -1202,7 +1082,7 @@
             <a:fld id="{7DDB771E-4AED-4DD3-8AA1-5D9FD2224F14}" type="datetimeFigureOut">
               <a:rPr lang="en-US" smtClean="0"/>
               <a:pPr/>
-              <a:t>8/11/2019</a:t>
+              <a:t>8/12/2019</a:t>
             </a:fld>
             <a:endParaRPr lang="en-US" dirty="0"/>
           </a:p>
@@ -1369,7 +1249,7 @@
             <a:fld id="{7DDB771E-4AED-4DD3-8AA1-5D9FD2224F14}" type="datetimeFigureOut">
               <a:rPr lang="en-US" smtClean="0"/>
               <a:pPr/>
-              <a:t>8/11/2019</a:t>
+              <a:t>8/12/2019</a:t>
             </a:fld>
             <a:endParaRPr lang="en-US" dirty="0"/>
           </a:p>
@@ -1546,7 +1426,7 @@
             <a:fld id="{7DDB771E-4AED-4DD3-8AA1-5D9FD2224F14}" type="datetimeFigureOut">
               <a:rPr lang="en-US" smtClean="0"/>
               <a:pPr/>
-              <a:t>8/11/2019</a:t>
+              <a:t>8/12/2019</a:t>
             </a:fld>
             <a:endParaRPr lang="en-US" dirty="0"/>
           </a:p>
@@ -1713,7 +1593,7 @@
             <a:fld id="{7DDB771E-4AED-4DD3-8AA1-5D9FD2224F14}" type="datetimeFigureOut">
               <a:rPr lang="en-US" smtClean="0"/>
               <a:pPr/>
-              <a:t>8/11/2019</a:t>
+              <a:t>8/12/2019</a:t>
             </a:fld>
             <a:endParaRPr lang="en-US" dirty="0"/>
           </a:p>
@@ -1956,7 +1836,7 @@
             <a:fld id="{7DDB771E-4AED-4DD3-8AA1-5D9FD2224F14}" type="datetimeFigureOut">
               <a:rPr lang="en-US" smtClean="0"/>
               <a:pPr/>
-              <a:t>8/11/2019</a:t>
+              <a:t>8/12/2019</a:t>
             </a:fld>
             <a:endParaRPr lang="en-US" dirty="0"/>
           </a:p>
@@ -2241,7 +2121,7 @@
             <a:fld id="{7DDB771E-4AED-4DD3-8AA1-5D9FD2224F14}" type="datetimeFigureOut">
               <a:rPr lang="en-US" smtClean="0"/>
               <a:pPr/>
-              <a:t>8/11/2019</a:t>
+              <a:t>8/12/2019</a:t>
             </a:fld>
             <a:endParaRPr lang="en-US" dirty="0"/>
           </a:p>
@@ -2660,7 +2540,7 @@
             <a:fld id="{7DDB771E-4AED-4DD3-8AA1-5D9FD2224F14}" type="datetimeFigureOut">
               <a:rPr lang="en-US" smtClean="0"/>
               <a:pPr/>
-              <a:t>8/11/2019</a:t>
+              <a:t>8/12/2019</a:t>
             </a:fld>
             <a:endParaRPr lang="en-US" dirty="0"/>
           </a:p>
@@ -2775,7 +2655,7 @@
             <a:fld id="{7DDB771E-4AED-4DD3-8AA1-5D9FD2224F14}" type="datetimeFigureOut">
               <a:rPr lang="en-US" smtClean="0"/>
               <a:pPr/>
-              <a:t>8/11/2019</a:t>
+              <a:t>8/12/2019</a:t>
             </a:fld>
             <a:endParaRPr lang="en-US" dirty="0"/>
           </a:p>
@@ -2867,7 +2747,7 @@
             <a:fld id="{7DDB771E-4AED-4DD3-8AA1-5D9FD2224F14}" type="datetimeFigureOut">
               <a:rPr lang="en-US" smtClean="0"/>
               <a:pPr/>
-              <a:t>8/11/2019</a:t>
+              <a:t>8/12/2019</a:t>
             </a:fld>
             <a:endParaRPr lang="en-US" dirty="0"/>
           </a:p>
@@ -3141,7 +3021,7 @@
             <a:fld id="{7DDB771E-4AED-4DD3-8AA1-5D9FD2224F14}" type="datetimeFigureOut">
               <a:rPr lang="en-US" smtClean="0"/>
               <a:pPr/>
-              <a:t>8/11/2019</a:t>
+              <a:t>8/12/2019</a:t>
             </a:fld>
             <a:endParaRPr lang="en-US" dirty="0"/>
           </a:p>
@@ -3391,7 +3271,7 @@
             <a:fld id="{7DDB771E-4AED-4DD3-8AA1-5D9FD2224F14}" type="datetimeFigureOut">
               <a:rPr lang="en-US" smtClean="0"/>
               <a:pPr/>
-              <a:t>8/11/2019</a:t>
+              <a:t>8/12/2019</a:t>
             </a:fld>
             <a:endParaRPr lang="en-US" dirty="0"/>
           </a:p>
@@ -3601,7 +3481,7 @@
             <a:fld id="{7DDB771E-4AED-4DD3-8AA1-5D9FD2224F14}" type="datetimeFigureOut">
               <a:rPr lang="en-US" smtClean="0"/>
               <a:pPr/>
-              <a:t>8/11/2019</a:t>
+              <a:t>8/12/2019</a:t>
             </a:fld>
             <a:endParaRPr lang="en-US" dirty="0"/>
           </a:p>
@@ -4222,15 +4102,7 @@
             </a:r>
             <a:r>
               <a:rPr lang="en-US" dirty="0" smtClean="0"/>
-              <a:t>Unfortunately </a:t>
-            </a:r>
-            <a:r>
-              <a:rPr lang="en-US" dirty="0" smtClean="0"/>
-              <a:t>configuring AWS EKS is </a:t>
-            </a:r>
-            <a:r>
-              <a:rPr lang="en-US" dirty="0" smtClean="0"/>
-              <a:t>still a </a:t>
+              <a:t>Unfortunately configuring AWS EKS is still a </a:t>
             </a:r>
             <a:r>
               <a:rPr lang="en-US" dirty="0"/>
@@ -4238,11 +4110,7 @@
             </a:r>
             <a:r>
               <a:rPr lang="en-US" dirty="0" smtClean="0"/>
-              <a:t>much manual </a:t>
-            </a:r>
-            <a:r>
-              <a:rPr lang="en-US" dirty="0" smtClean="0"/>
-              <a:t>steps right now, not what I would expect for a AWS Managed Service</a:t>
+              <a:t>much manual steps right now, not what I would expect for a AWS Managed Service</a:t>
             </a:r>
           </a:p>
           <a:p>
@@ -4256,8 +4124,21 @@
             </a:r>
             <a:r>
               <a:rPr lang="en-US" dirty="0" smtClean="0"/>
-              <a:t> We created a CloudFormation and EC2 cloud-init scripts to speed the process</a:t>
-            </a:r>
+              <a:t> </a:t>
+            </a:r>
+            <a:r>
+              <a:rPr lang="en-US" dirty="0" smtClean="0"/>
+              <a:t>We’ve created CloudFormation </a:t>
+            </a:r>
+            <a:r>
+              <a:rPr lang="en-US" dirty="0" smtClean="0"/>
+              <a:t>and EC2 cloud-init scripts to speed the </a:t>
+            </a:r>
+            <a:r>
+              <a:rPr lang="en-US" dirty="0" smtClean="0"/>
+              <a:t>process which was used for this demo</a:t>
+            </a:r>
+            <a:endParaRPr lang="en-US" dirty="0" smtClean="0"/>
           </a:p>
           <a:p>
             <a:pPr lvl="1">
@@ -4636,7 +4517,7 @@
                   <a:prstClr val="black"/>
                 </a:solidFill>
               </a:rPr>
-              <a:t> Used Docker locally </a:t>
+              <a:t> Used Docker </a:t>
             </a:r>
             <a:r>
               <a:rPr lang="en-US" dirty="0" smtClean="0">
@@ -4644,7 +4525,7 @@
                   <a:prstClr val="black"/>
                 </a:solidFill>
               </a:rPr>
-              <a:t>for development but </a:t>
+              <a:t>for </a:t>
             </a:r>
             <a:r>
               <a:rPr lang="en-US" dirty="0" smtClean="0">
@@ -4652,21 +4533,22 @@
                   <a:prstClr val="black"/>
                 </a:solidFill>
               </a:rPr>
-              <a:t>quickly </a:t>
-            </a:r>
+              <a:t>development but quickly realized you need orchestration for production</a:t>
+            </a:r>
+          </a:p>
+          <a:p>
+            <a:pPr>
+              <a:buFont typeface="Arial" pitchFamily="34" charset="0"/>
+              <a:buChar char="•"/>
+            </a:pPr>
             <a:r>
               <a:rPr lang="en-US" dirty="0" smtClean="0">
                 <a:solidFill>
                   <a:prstClr val="black"/>
                 </a:solidFill>
               </a:rPr>
-              <a:t>realized containers were good but you really need orchestration </a:t>
-            </a:r>
-            <a:endParaRPr lang="en-US" dirty="0" smtClean="0">
-              <a:solidFill>
-                <a:prstClr val="black"/>
-              </a:solidFill>
-            </a:endParaRPr>
+              <a:t>  Wasted way too much time on orchestration engines</a:t>
+            </a:r>
           </a:p>
           <a:p>
             <a:pPr>
@@ -4679,7 +4561,7 @@
                   <a:prstClr val="black"/>
                 </a:solidFill>
               </a:rPr>
-              <a:t>  Wasted way too much time on other Orchestration Engines</a:t>
+              <a:t>  Wanted a production grade development environment</a:t>
             </a:r>
           </a:p>
           <a:p>
@@ -4693,51 +4575,8 @@
                   <a:prstClr val="black"/>
                 </a:solidFill>
               </a:rPr>
-              <a:t>  Wanted a Production Grade Development Environment</a:t>
-            </a:r>
-          </a:p>
-          <a:p>
-            <a:pPr>
-              <a:buFont typeface="Arial" pitchFamily="34" charset="0"/>
-              <a:buChar char="•"/>
-            </a:pPr>
-            <a:r>
-              <a:rPr lang="en-US" dirty="0" smtClean="0">
-                <a:solidFill>
-                  <a:prstClr val="black"/>
-                </a:solidFill>
-              </a:rPr>
-              <a:t>  Something </a:t>
-            </a:r>
-            <a:r>
-              <a:rPr lang="en-US" dirty="0" smtClean="0">
-                <a:solidFill>
-                  <a:prstClr val="black"/>
-                </a:solidFill>
-              </a:rPr>
-              <a:t>that </a:t>
-            </a:r>
-            <a:r>
-              <a:rPr lang="en-US" dirty="0" smtClean="0">
-                <a:solidFill>
-                  <a:prstClr val="black"/>
-                </a:solidFill>
-              </a:rPr>
-              <a:t>could </a:t>
-            </a:r>
-            <a:r>
-              <a:rPr lang="en-US" dirty="0" smtClean="0">
-                <a:solidFill>
-                  <a:prstClr val="black"/>
-                </a:solidFill>
-              </a:rPr>
-              <a:t>scale</a:t>
-            </a:r>
-            <a:endParaRPr lang="en-US" dirty="0" smtClean="0">
-              <a:solidFill>
-                <a:prstClr val="black"/>
-              </a:solidFill>
-            </a:endParaRPr>
+              <a:t>  Something that could scale</a:t>
+            </a:r>
           </a:p>
           <a:p>
             <a:pPr>
@@ -4788,21 +4627,8 @@
                   <a:prstClr val="black"/>
                 </a:solidFill>
               </a:rPr>
-              <a:t> </a:t>
-            </a:r>
-            <a:r>
-              <a:rPr lang="en-US" dirty="0" smtClean="0">
-                <a:solidFill>
-                  <a:prstClr val="black"/>
-                </a:solidFill>
-              </a:rPr>
-              <a:t>On demand</a:t>
-            </a:r>
-            <a:endParaRPr lang="en-US" dirty="0" smtClean="0">
-              <a:solidFill>
-                <a:prstClr val="black"/>
-              </a:solidFill>
-            </a:endParaRPr>
+              <a:t> On demand</a:t>
+            </a:r>
           </a:p>
         </p:txBody>
       </p:sp>
@@ -4901,7 +4727,15 @@
             </a:pPr>
             <a:r>
               <a:rPr lang="en-US" dirty="0" smtClean="0"/>
-              <a:t>  So Kubernetes has fast established itself as the leading platform for managing </a:t>
+              <a:t>  So Kubernetes </a:t>
+            </a:r>
+            <a:r>
+              <a:rPr lang="en-US" dirty="0" smtClean="0"/>
+              <a:t>has established </a:t>
+            </a:r>
+            <a:r>
+              <a:rPr lang="en-US" dirty="0" smtClean="0"/>
+              <a:t>itself as the leading platform for managing </a:t>
             </a:r>
             <a:r>
               <a:rPr lang="en-US" dirty="0"/>
@@ -4951,7 +4785,15 @@
             </a:r>
             <a:r>
               <a:rPr lang="en-US" dirty="0" smtClean="0"/>
-              <a:t>Foundation (AWS News Blog by Jeff Barr, 29 November 2017)</a:t>
+              <a:t>Foundation </a:t>
+            </a:r>
+            <a:r>
+              <a:rPr lang="en-US" dirty="0" smtClean="0"/>
+              <a:t>(AWS </a:t>
+            </a:r>
+            <a:r>
+              <a:rPr lang="en-US" dirty="0" smtClean="0"/>
+              <a:t>News Blog by Jeff Barr, 29 November 2017)</a:t>
             </a:r>
             <a:endParaRPr lang="en-US" dirty="0"/>
           </a:p>
@@ -5146,11 +4988,11 @@
             </a:r>
             <a:r>
               <a:rPr lang="en-US" dirty="0" smtClean="0"/>
-              <a:t> Amazon </a:t>
+              <a:t> VPC </a:t>
             </a:r>
             <a:r>
               <a:rPr lang="en-US" dirty="0"/>
-              <a:t>VPC for </a:t>
+              <a:t>for </a:t>
             </a:r>
             <a:r>
               <a:rPr lang="en-US" dirty="0" smtClean="0"/>
@@ -5197,11 +5039,7 @@
             </a:r>
             <a:r>
               <a:rPr lang="en-US" dirty="0" smtClean="0"/>
-              <a:t> </a:t>
-            </a:r>
-            <a:r>
-              <a:rPr lang="en-US" dirty="0" smtClean="0"/>
-              <a:t>You </a:t>
+              <a:t> You </a:t>
             </a:r>
             <a:r>
               <a:rPr lang="en-US" dirty="0"/>
@@ -5336,7 +5174,7 @@
         <p:spPr>
           <a:xfrm>
             <a:off x="1263242" y="1572798"/>
-            <a:ext cx="6705600" cy="2585323"/>
+            <a:ext cx="6705600" cy="3693319"/>
           </a:xfrm>
           <a:prstGeom prst="rect">
             <a:avLst/>
@@ -5355,8 +5193,15 @@
             </a:pPr>
             <a:r>
               <a:rPr lang="en-US" dirty="0" smtClean="0"/>
-              <a:t>  AWS Account (root)</a:t>
-            </a:r>
+              <a:t>  AWS Account (root</a:t>
+            </a:r>
+            <a:r>
+              <a:rPr lang="en-US" dirty="0" smtClean="0"/>
+              <a:t>)</a:t>
+            </a:r>
+          </a:p>
+          <a:p>
+            <a:endParaRPr lang="en-US" dirty="0" smtClean="0"/>
           </a:p>
           <a:p>
             <a:pPr>
@@ -5381,9 +5226,20 @@
               <a:buFont typeface="Arial" pitchFamily="34" charset="0"/>
               <a:buChar char="•"/>
             </a:pPr>
-            <a:r>
-              <a:rPr lang="en-US" dirty="0" smtClean="0"/>
-              <a:t>  Required Cluster Resources</a:t>
+            <a:endParaRPr lang="en-US" dirty="0" smtClean="0"/>
+          </a:p>
+          <a:p>
+            <a:pPr>
+              <a:buFont typeface="Arial" pitchFamily="34" charset="0"/>
+              <a:buChar char="•"/>
+            </a:pPr>
+            <a:r>
+              <a:rPr lang="en-US" dirty="0" smtClean="0"/>
+              <a:t>  </a:t>
+            </a:r>
+            <a:r>
+              <a:rPr lang="en-US" dirty="0" smtClean="0"/>
+              <a:t>Required Cluster Resources</a:t>
             </a:r>
           </a:p>
           <a:p>
@@ -5393,7 +5249,7 @@
             </a:pPr>
             <a:r>
               <a:rPr lang="en-US" dirty="0" smtClean="0"/>
-              <a:t>  Service Role  </a:t>
+              <a:t>  A Service Role  </a:t>
             </a:r>
           </a:p>
           <a:p>
@@ -5403,7 +5259,7 @@
             </a:pPr>
             <a:r>
               <a:rPr lang="en-US" dirty="0" smtClean="0"/>
-              <a:t>  VPC  </a:t>
+              <a:t>  A VPC  </a:t>
             </a:r>
           </a:p>
           <a:p>
@@ -5413,7 +5269,7 @@
             </a:pPr>
             <a:r>
               <a:rPr lang="en-US" dirty="0" smtClean="0"/>
-              <a:t>  EKS Cluster (installs Master Nodes)</a:t>
+              <a:t>  An AWS EKS Cluster (installs Master Nodes)</a:t>
             </a:r>
           </a:p>
           <a:p>
@@ -5427,8 +5283,11 @@
             </a:r>
             <a:r>
               <a:rPr lang="en-US" dirty="0" smtClean="0"/>
-              <a:t> Three EC2 worker nodes (one for each AWS Availability Zone)</a:t>
-            </a:r>
+              <a:t> And three EC2 worker nodes (one for each AWS Availability Zone)</a:t>
+            </a:r>
+          </a:p>
+          <a:p>
+            <a:endParaRPr lang="en-US" dirty="0" smtClean="0"/>
           </a:p>
           <a:p>
             <a:pPr>
@@ -5436,8 +5295,20 @@
               <a:buChar char="•"/>
             </a:pPr>
             <a:r>
-              <a:rPr lang="en-US" dirty="0" smtClean="0"/>
-              <a:t>  Installation time about 15 minutes based on presentation artifacts</a:t>
+              <a:rPr lang="en-US" dirty="0"/>
+              <a:t> </a:t>
+            </a:r>
+            <a:r>
+              <a:rPr lang="en-US" dirty="0" smtClean="0"/>
+              <a:t> </a:t>
+            </a:r>
+            <a:r>
+              <a:rPr lang="en-US" dirty="0" smtClean="0"/>
+              <a:t>Installation </a:t>
+            </a:r>
+            <a:r>
+              <a:rPr lang="en-US" dirty="0" smtClean="0"/>
+              <a:t>time about 15 minutes based on presentation artifacts</a:t>
             </a:r>
           </a:p>
         </p:txBody>
@@ -5855,11 +5726,11 @@
             </a:r>
             <a:r>
               <a:rPr lang="en-US" dirty="0"/>
-              <a:t>EKS Cluster using AWS </a:t>
-            </a:r>
-            <a:r>
-              <a:rPr lang="en-US" dirty="0" smtClean="0"/>
-              <a:t>CloudFormation  </a:t>
+              <a:t>EKS Cluster using </a:t>
+            </a:r>
+            <a:r>
+              <a:rPr lang="en-US" dirty="0" smtClean="0"/>
+              <a:t>an AWS CloudFormation  </a:t>
             </a:r>
             <a:endParaRPr lang="en-US" dirty="0"/>
           </a:p>
@@ -5870,11 +5741,11 @@
             </a:pPr>
             <a:r>
               <a:rPr lang="en-US" dirty="0" smtClean="0"/>
-              <a:t>Configure </a:t>
+              <a:t>Create Your </a:t>
             </a:r>
             <a:r>
               <a:rPr lang="en-US" dirty="0"/>
-              <a:t>Your AWS EC2 </a:t>
+              <a:t>AWS EC2 </a:t>
             </a:r>
             <a:r>
               <a:rPr lang="en-US" dirty="0" smtClean="0"/>
@@ -6016,7 +5887,7 @@
         <p:spPr>
           <a:xfrm>
             <a:off x="757367" y="1584186"/>
-            <a:ext cx="7515090" cy="2308324"/>
+            <a:ext cx="7515090" cy="2585323"/>
           </a:xfrm>
           <a:prstGeom prst="rect">
             <a:avLst/>
@@ -6035,28 +5906,15 @@
             </a:pPr>
             <a:r>
               <a:rPr lang="en-US" dirty="0" smtClean="0"/>
-              <a:t>  To save time AWS EKS Cluster has already been configured using the AWS CloudFormation </a:t>
-            </a:r>
-            <a:r>
-              <a:rPr lang="en-US" dirty="0" smtClean="0"/>
-              <a:t>scripts we created, </a:t>
-            </a:r>
-            <a:r>
-              <a:rPr lang="en-US" dirty="0" smtClean="0"/>
-              <a:t>and an EC2 instance created with </a:t>
-            </a:r>
-            <a:r>
-              <a:rPr lang="en-US" dirty="0" smtClean="0"/>
-              <a:t>our </a:t>
-            </a:r>
-            <a:r>
-              <a:rPr lang="en-US" dirty="0" smtClean="0"/>
-              <a:t>cloud-init </a:t>
-            </a:r>
-            <a:r>
-              <a:rPr lang="en-US" dirty="0" smtClean="0"/>
-              <a:t>script.</a:t>
-            </a:r>
+              <a:t>  To save time AWS EKS Cluster has already been configured using the AWS CloudFormation scripts we created, and an EC2 instance created with our cloud-init script</a:t>
+            </a:r>
+            <a:r>
+              <a:rPr lang="en-US" dirty="0" smtClean="0"/>
+              <a:t>.</a:t>
+            </a:r>
+          </a:p>
+          <a:p>
+            <a:endParaRPr lang="en-US" dirty="0" smtClean="0"/>
           </a:p>
           <a:p>
             <a:pPr>
@@ -6069,17 +5927,8 @@
             </a:r>
             <a:r>
               <a:rPr lang="en-US" dirty="0" smtClean="0"/>
-              <a:t> </a:t>
-            </a:r>
-            <a:r>
-              <a:rPr lang="en-US" dirty="0" smtClean="0"/>
-              <a:t>We’ll</a:t>
-            </a:r>
-            <a:r>
-              <a:rPr lang="en-US" dirty="0" smtClean="0"/>
-              <a:t>:</a:t>
-            </a:r>
-            <a:endParaRPr lang="en-US" dirty="0" smtClean="0"/>
+              <a:t> We’ll:</a:t>
+            </a:r>
           </a:p>
           <a:p>
             <a:pPr lvl="1">
@@ -6092,13 +5941,8 @@
             </a:r>
             <a:r>
               <a:rPr lang="en-US" dirty="0" smtClean="0"/>
-              <a:t> </a:t>
-            </a:r>
-            <a:r>
-              <a:rPr lang="en-US" dirty="0" smtClean="0"/>
-              <a:t>Configure kubectl to talk to the cluster</a:t>
-            </a:r>
-            <a:endParaRPr lang="en-US" dirty="0" smtClean="0"/>
+              <a:t> Configure kubectl to talk to the cluster</a:t>
+            </a:r>
           </a:p>
           <a:p>
             <a:pPr lvl="1">
@@ -6107,15 +5951,7 @@
             </a:pPr>
             <a:r>
               <a:rPr lang="en-US" dirty="0" smtClean="0"/>
-              <a:t>  </a:t>
-            </a:r>
-            <a:r>
-              <a:rPr lang="en-US" dirty="0" smtClean="0"/>
-              <a:t>Create a </a:t>
-            </a:r>
-            <a:r>
-              <a:rPr lang="en-US" dirty="0" smtClean="0"/>
-              <a:t>deployment and service for a simple webapp</a:t>
+              <a:t>  Create a deployment and service for a simple webapp</a:t>
             </a:r>
             <a:endParaRPr lang="en-US" dirty="0"/>
           </a:p>
@@ -6126,27 +5962,7 @@
             </a:pPr>
             <a:r>
               <a:rPr lang="en-US" dirty="0" smtClean="0"/>
-              <a:t>  </a:t>
-            </a:r>
-            <a:r>
-              <a:rPr lang="en-US" dirty="0" smtClean="0"/>
-              <a:t>Show an unique </a:t>
-            </a:r>
-            <a:r>
-              <a:rPr lang="en-US" dirty="0" smtClean="0"/>
-              <a:t>ip </a:t>
-            </a:r>
-            <a:r>
-              <a:rPr lang="en-US" dirty="0" smtClean="0"/>
-              <a:t>as it </a:t>
-            </a:r>
-            <a:r>
-              <a:rPr lang="en-US" dirty="0" smtClean="0"/>
-              <a:t>is load balanced across </a:t>
-            </a:r>
-            <a:r>
-              <a:rPr lang="en-US" dirty="0" smtClean="0"/>
-              <a:t>the webapp containers</a:t>
+              <a:t>  Show an unique ip as it is load balanced across the webapp containers</a:t>
             </a:r>
           </a:p>
           <a:p>
@@ -6162,7 +5978,6 @@
               <a:rPr lang="en-US" dirty="0" smtClean="0"/>
               <a:t> Configure the Kubernetes Dashboard (optional)</a:t>
             </a:r>
-            <a:endParaRPr lang="en-US" dirty="0" smtClean="0"/>
           </a:p>
         </p:txBody>
       </p:sp>

--- a/slides/AWS-EKS-Cluster-Quickstart.pptx
+++ b/slides/AWS-EKS-Cluster-Quickstart.pptx
@@ -4124,21 +4124,8 @@
             </a:r>
             <a:r>
               <a:rPr lang="en-US" dirty="0" smtClean="0"/>
-              <a:t> </a:t>
-            </a:r>
-            <a:r>
-              <a:rPr lang="en-US" dirty="0" smtClean="0"/>
-              <a:t>We’ve created CloudFormation </a:t>
-            </a:r>
-            <a:r>
-              <a:rPr lang="en-US" dirty="0" smtClean="0"/>
-              <a:t>and EC2 cloud-init scripts to speed the </a:t>
-            </a:r>
-            <a:r>
-              <a:rPr lang="en-US" dirty="0" smtClean="0"/>
-              <a:t>process which was used for this demo</a:t>
-            </a:r>
-            <a:endParaRPr lang="en-US" dirty="0" smtClean="0"/>
+              <a:t> We’ve created CloudFormation and EC2 cloud-init scripts to speed the process which was used for this demo</a:t>
+            </a:r>
           </a:p>
           <a:p>
             <a:pPr lvl="1">
@@ -4517,7 +4504,7 @@
                   <a:prstClr val="black"/>
                 </a:solidFill>
               </a:rPr>
-              <a:t> Used Docker </a:t>
+              <a:t> Used Docker for development but quickly realized </a:t>
             </a:r>
             <a:r>
               <a:rPr lang="en-US" dirty="0" smtClean="0">
@@ -4525,16 +4512,13 @@
                   <a:prstClr val="black"/>
                 </a:solidFill>
               </a:rPr>
-              <a:t>for </a:t>
-            </a:r>
-            <a:r>
-              <a:rPr lang="en-US" dirty="0" smtClean="0">
-                <a:solidFill>
-                  <a:prstClr val="black"/>
-                </a:solidFill>
-              </a:rPr>
-              <a:t>development but quickly realized you need orchestration for production</a:t>
-            </a:r>
+              <a:t>if you want to run containers in production you need orchestration</a:t>
+            </a:r>
+            <a:endParaRPr lang="en-US" dirty="0" smtClean="0">
+              <a:solidFill>
+                <a:prstClr val="black"/>
+              </a:solidFill>
+            </a:endParaRPr>
           </a:p>
           <a:p>
             <a:pPr>
@@ -4605,7 +4589,15 @@
                   <a:prstClr val="black"/>
                 </a:solidFill>
               </a:rPr>
-              <a:t>instantiate without all the drama, tool fatigue, etc.</a:t>
+              <a:t>use without </a:t>
+            </a:r>
+            <a:r>
+              <a:rPr lang="en-US" dirty="0" smtClean="0">
+                <a:solidFill>
+                  <a:prstClr val="black"/>
+                </a:solidFill>
+              </a:rPr>
+              <a:t>all the drama, tool fatigue, etc.</a:t>
             </a:r>
           </a:p>
           <a:p>
@@ -4727,15 +4719,7 @@
             </a:pPr>
             <a:r>
               <a:rPr lang="en-US" dirty="0" smtClean="0"/>
-              <a:t>  So Kubernetes </a:t>
-            </a:r>
-            <a:r>
-              <a:rPr lang="en-US" dirty="0" smtClean="0"/>
-              <a:t>has established </a:t>
-            </a:r>
-            <a:r>
-              <a:rPr lang="en-US" dirty="0" smtClean="0"/>
-              <a:t>itself as the leading platform for managing </a:t>
+              <a:t>  So Kubernetes has established itself as the leading platform for managing </a:t>
             </a:r>
             <a:r>
               <a:rPr lang="en-US" dirty="0"/>
@@ -4785,15 +4769,7 @@
             </a:r>
             <a:r>
               <a:rPr lang="en-US" dirty="0" smtClean="0"/>
-              <a:t>Foundation </a:t>
-            </a:r>
-            <a:r>
-              <a:rPr lang="en-US" dirty="0" smtClean="0"/>
-              <a:t>(AWS </a:t>
-            </a:r>
-            <a:r>
-              <a:rPr lang="en-US" dirty="0" smtClean="0"/>
-              <a:t>News Blog by Jeff Barr, 29 November 2017)</a:t>
+              <a:t>Foundation (AWS News Blog by Jeff Barr, 29 November 2017)</a:t>
             </a:r>
             <a:endParaRPr lang="en-US" dirty="0"/>
           </a:p>
@@ -5193,11 +5169,7 @@
             </a:pPr>
             <a:r>
               <a:rPr lang="en-US" dirty="0" smtClean="0"/>
-              <a:t>  AWS Account (root</a:t>
-            </a:r>
-            <a:r>
-              <a:rPr lang="en-US" dirty="0" smtClean="0"/>
-              <a:t>)</a:t>
+              <a:t>  AWS Account (root)</a:t>
             </a:r>
           </a:p>
           <a:p>
@@ -5235,11 +5207,7 @@
             </a:pPr>
             <a:r>
               <a:rPr lang="en-US" dirty="0" smtClean="0"/>
-              <a:t>  </a:t>
-            </a:r>
-            <a:r>
-              <a:rPr lang="en-US" dirty="0" smtClean="0"/>
-              <a:t>Required Cluster Resources</a:t>
+              <a:t>  Required Cluster Resources</a:t>
             </a:r>
           </a:p>
           <a:p>
@@ -5300,15 +5268,7 @@
             </a:r>
             <a:r>
               <a:rPr lang="en-US" dirty="0" smtClean="0"/>
-              <a:t> </a:t>
-            </a:r>
-            <a:r>
-              <a:rPr lang="en-US" dirty="0" smtClean="0"/>
-              <a:t>Installation </a:t>
-            </a:r>
-            <a:r>
-              <a:rPr lang="en-US" dirty="0" smtClean="0"/>
-              <a:t>time about 15 minutes based on presentation artifacts</a:t>
+              <a:t> Installation time about 15 minutes based on presentation artifacts</a:t>
             </a:r>
           </a:p>
         </p:txBody>
@@ -5906,11 +5866,7 @@
             </a:pPr>
             <a:r>
               <a:rPr lang="en-US" dirty="0" smtClean="0"/>
-              <a:t>  To save time AWS EKS Cluster has already been configured using the AWS CloudFormation scripts we created, and an EC2 instance created with our cloud-init script</a:t>
-            </a:r>
-            <a:r>
-              <a:rPr lang="en-US" dirty="0" smtClean="0"/>
-              <a:t>.</a:t>
+              <a:t>  To save time AWS EKS Cluster has already been configured using the AWS CloudFormation scripts we created, and an EC2 instance created with our cloud-init script.</a:t>
             </a:r>
           </a:p>
           <a:p>

--- a/slides/AWS-EKS-Cluster-Quickstart.pptx
+++ b/slides/AWS-EKS-Cluster-Quickstart.pptx
@@ -207,7 +207,7 @@
             <a:fld id="{814910AB-AEF0-414C-82CB-791080B1186B}" type="datetimeFigureOut">
               <a:rPr lang="en-US" smtClean="0"/>
               <a:pPr/>
-              <a:t>8/12/2019</a:t>
+              <a:t>8/13/2019</a:t>
             </a:fld>
             <a:endParaRPr lang="en-US" dirty="0"/>
           </a:p>
@@ -374,7 +374,7 @@
             <a:fld id="{5B4AE38D-E020-46F3-803D-8636C5B7B74E}" type="datetimeFigureOut">
               <a:rPr lang="en-US" smtClean="0"/>
               <a:pPr/>
-              <a:t>8/12/2019</a:t>
+              <a:t>8/13/2019</a:t>
             </a:fld>
             <a:endParaRPr lang="en-US" dirty="0"/>
           </a:p>
@@ -1082,7 +1082,7 @@
             <a:fld id="{7DDB771E-4AED-4DD3-8AA1-5D9FD2224F14}" type="datetimeFigureOut">
               <a:rPr lang="en-US" smtClean="0"/>
               <a:pPr/>
-              <a:t>8/12/2019</a:t>
+              <a:t>8/13/2019</a:t>
             </a:fld>
             <a:endParaRPr lang="en-US" dirty="0"/>
           </a:p>
@@ -1249,7 +1249,7 @@
             <a:fld id="{7DDB771E-4AED-4DD3-8AA1-5D9FD2224F14}" type="datetimeFigureOut">
               <a:rPr lang="en-US" smtClean="0"/>
               <a:pPr/>
-              <a:t>8/12/2019</a:t>
+              <a:t>8/13/2019</a:t>
             </a:fld>
             <a:endParaRPr lang="en-US" dirty="0"/>
           </a:p>
@@ -1426,7 +1426,7 @@
             <a:fld id="{7DDB771E-4AED-4DD3-8AA1-5D9FD2224F14}" type="datetimeFigureOut">
               <a:rPr lang="en-US" smtClean="0"/>
               <a:pPr/>
-              <a:t>8/12/2019</a:t>
+              <a:t>8/13/2019</a:t>
             </a:fld>
             <a:endParaRPr lang="en-US" dirty="0"/>
           </a:p>
@@ -1593,7 +1593,7 @@
             <a:fld id="{7DDB771E-4AED-4DD3-8AA1-5D9FD2224F14}" type="datetimeFigureOut">
               <a:rPr lang="en-US" smtClean="0"/>
               <a:pPr/>
-              <a:t>8/12/2019</a:t>
+              <a:t>8/13/2019</a:t>
             </a:fld>
             <a:endParaRPr lang="en-US" dirty="0"/>
           </a:p>
@@ -1836,7 +1836,7 @@
             <a:fld id="{7DDB771E-4AED-4DD3-8AA1-5D9FD2224F14}" type="datetimeFigureOut">
               <a:rPr lang="en-US" smtClean="0"/>
               <a:pPr/>
-              <a:t>8/12/2019</a:t>
+              <a:t>8/13/2019</a:t>
             </a:fld>
             <a:endParaRPr lang="en-US" dirty="0"/>
           </a:p>
@@ -2121,7 +2121,7 @@
             <a:fld id="{7DDB771E-4AED-4DD3-8AA1-5D9FD2224F14}" type="datetimeFigureOut">
               <a:rPr lang="en-US" smtClean="0"/>
               <a:pPr/>
-              <a:t>8/12/2019</a:t>
+              <a:t>8/13/2019</a:t>
             </a:fld>
             <a:endParaRPr lang="en-US" dirty="0"/>
           </a:p>
@@ -2540,7 +2540,7 @@
             <a:fld id="{7DDB771E-4AED-4DD3-8AA1-5D9FD2224F14}" type="datetimeFigureOut">
               <a:rPr lang="en-US" smtClean="0"/>
               <a:pPr/>
-              <a:t>8/12/2019</a:t>
+              <a:t>8/13/2019</a:t>
             </a:fld>
             <a:endParaRPr lang="en-US" dirty="0"/>
           </a:p>
@@ -2655,7 +2655,7 @@
             <a:fld id="{7DDB771E-4AED-4DD3-8AA1-5D9FD2224F14}" type="datetimeFigureOut">
               <a:rPr lang="en-US" smtClean="0"/>
               <a:pPr/>
-              <a:t>8/12/2019</a:t>
+              <a:t>8/13/2019</a:t>
             </a:fld>
             <a:endParaRPr lang="en-US" dirty="0"/>
           </a:p>
@@ -2747,7 +2747,7 @@
             <a:fld id="{7DDB771E-4AED-4DD3-8AA1-5D9FD2224F14}" type="datetimeFigureOut">
               <a:rPr lang="en-US" smtClean="0"/>
               <a:pPr/>
-              <a:t>8/12/2019</a:t>
+              <a:t>8/13/2019</a:t>
             </a:fld>
             <a:endParaRPr lang="en-US" dirty="0"/>
           </a:p>
@@ -3021,7 +3021,7 @@
             <a:fld id="{7DDB771E-4AED-4DD3-8AA1-5D9FD2224F14}" type="datetimeFigureOut">
               <a:rPr lang="en-US" smtClean="0"/>
               <a:pPr/>
-              <a:t>8/12/2019</a:t>
+              <a:t>8/13/2019</a:t>
             </a:fld>
             <a:endParaRPr lang="en-US" dirty="0"/>
           </a:p>
@@ -3271,7 +3271,7 @@
             <a:fld id="{7DDB771E-4AED-4DD3-8AA1-5D9FD2224F14}" type="datetimeFigureOut">
               <a:rPr lang="en-US" smtClean="0"/>
               <a:pPr/>
-              <a:t>8/12/2019</a:t>
+              <a:t>8/13/2019</a:t>
             </a:fld>
             <a:endParaRPr lang="en-US" dirty="0"/>
           </a:p>
@@ -3481,7 +3481,7 @@
             <a:fld id="{7DDB771E-4AED-4DD3-8AA1-5D9FD2224F14}" type="datetimeFigureOut">
               <a:rPr lang="en-US" smtClean="0"/>
               <a:pPr/>
-              <a:t>8/12/2019</a:t>
+              <a:t>8/13/2019</a:t>
             </a:fld>
             <a:endParaRPr lang="en-US" dirty="0"/>
           </a:p>
@@ -4192,8 +4192,13 @@
             </a:r>
             <a:r>
               <a:rPr lang="en-US" dirty="0" smtClean="0"/>
-              <a:t> kubectl vs. kops</a:t>
-            </a:r>
+              <a:t> </a:t>
+            </a:r>
+            <a:r>
+              <a:rPr lang="en-US" dirty="0" smtClean="0"/>
+              <a:t>Simple fast setup and configuration</a:t>
+            </a:r>
+            <a:endParaRPr lang="en-US" dirty="0" smtClean="0"/>
           </a:p>
         </p:txBody>
       </p:sp>
@@ -4504,21 +4509,8 @@
                   <a:prstClr val="black"/>
                 </a:solidFill>
               </a:rPr>
-              <a:t> Used Docker for development but quickly realized </a:t>
-            </a:r>
-            <a:r>
-              <a:rPr lang="en-US" dirty="0" smtClean="0">
-                <a:solidFill>
-                  <a:prstClr val="black"/>
-                </a:solidFill>
-              </a:rPr>
-              <a:t>if you want to run containers in production you need orchestration</a:t>
-            </a:r>
-            <a:endParaRPr lang="en-US" dirty="0" smtClean="0">
-              <a:solidFill>
-                <a:prstClr val="black"/>
-              </a:solidFill>
-            </a:endParaRPr>
+              <a:t> Used Docker for development but quickly realized if you want to run containers in production you need orchestration</a:t>
+            </a:r>
           </a:p>
           <a:p>
             <a:pPr>
@@ -4589,15 +4581,7 @@
                   <a:prstClr val="black"/>
                 </a:solidFill>
               </a:rPr>
-              <a:t>use without </a:t>
-            </a:r>
-            <a:r>
-              <a:rPr lang="en-US" dirty="0" smtClean="0">
-                <a:solidFill>
-                  <a:prstClr val="black"/>
-                </a:solidFill>
-              </a:rPr>
-              <a:t>all the drama, tool fatigue, etc.</a:t>
+              <a:t>use without all the drama, tool fatigue, etc.</a:t>
             </a:r>
           </a:p>
           <a:p>
@@ -5866,7 +5850,23 @@
             </a:pPr>
             <a:r>
               <a:rPr lang="en-US" dirty="0" smtClean="0"/>
-              <a:t>  To save time AWS EKS Cluster has already been configured using the AWS CloudFormation scripts we created, and an EC2 instance created with our cloud-init script.</a:t>
+              <a:t>  To save time AWS EKS Cluster has already been configured using the </a:t>
+            </a:r>
+            <a:r>
+              <a:rPr lang="en-US" dirty="0" smtClean="0"/>
+              <a:t>our AWS </a:t>
+            </a:r>
+            <a:r>
+              <a:rPr lang="en-US" dirty="0" smtClean="0"/>
+              <a:t>CloudFormation </a:t>
+            </a:r>
+            <a:r>
+              <a:rPr lang="en-US" dirty="0" smtClean="0"/>
+              <a:t>scripts and </a:t>
+            </a:r>
+            <a:r>
+              <a:rPr lang="en-US" dirty="0" smtClean="0"/>
+              <a:t>an EC2 instance created with our cloud-init script.</a:t>
             </a:r>
           </a:p>
           <a:p>

--- a/slides/AWS-EKS-Cluster-Quickstart.pptx
+++ b/slides/AWS-EKS-Cluster-Quickstart.pptx
@@ -4192,13 +4192,8 @@
             </a:r>
             <a:r>
               <a:rPr lang="en-US" dirty="0" smtClean="0"/>
-              <a:t> </a:t>
-            </a:r>
-            <a:r>
-              <a:rPr lang="en-US" dirty="0" smtClean="0"/>
-              <a:t>Simple fast setup and configuration</a:t>
-            </a:r>
-            <a:endParaRPr lang="en-US" dirty="0" smtClean="0"/>
+              <a:t> Simple fast setup and configuration</a:t>
+            </a:r>
           </a:p>
         </p:txBody>
       </p:sp>
@@ -5831,7 +5826,7 @@
         <p:spPr>
           <a:xfrm>
             <a:off x="757367" y="1584186"/>
-            <a:ext cx="7515090" cy="2585323"/>
+            <a:ext cx="7515090" cy="2308324"/>
           </a:xfrm>
           <a:prstGeom prst="rect">
             <a:avLst/>
@@ -5850,23 +5845,15 @@
             </a:pPr>
             <a:r>
               <a:rPr lang="en-US" dirty="0" smtClean="0"/>
-              <a:t>  To save time AWS EKS Cluster has already been configured using the </a:t>
-            </a:r>
-            <a:r>
-              <a:rPr lang="en-US" dirty="0" smtClean="0"/>
-              <a:t>our AWS </a:t>
-            </a:r>
-            <a:r>
-              <a:rPr lang="en-US" dirty="0" smtClean="0"/>
-              <a:t>CloudFormation </a:t>
-            </a:r>
-            <a:r>
-              <a:rPr lang="en-US" dirty="0" smtClean="0"/>
-              <a:t>scripts and </a:t>
-            </a:r>
-            <a:r>
-              <a:rPr lang="en-US" dirty="0" smtClean="0"/>
-              <a:t>an EC2 instance created with our cloud-init script.</a:t>
+              <a:t>  To save time AWS EKS Cluster has already been configured using </a:t>
+            </a:r>
+            <a:r>
+              <a:rPr lang="en-US" dirty="0" smtClean="0"/>
+              <a:t>our </a:t>
+            </a:r>
+            <a:r>
+              <a:rPr lang="en-US" dirty="0" smtClean="0"/>
+              <a:t>AWS CloudFormation scripts and an EC2 instance created with our cloud-init script.</a:t>
             </a:r>
           </a:p>
           <a:p>

--- a/slides/AWS-EKS-Cluster-Quickstart.pptx
+++ b/slides/AWS-EKS-Cluster-Quickstart.pptx
@@ -4504,7 +4504,31 @@
                   <a:prstClr val="black"/>
                 </a:solidFill>
               </a:rPr>
-              <a:t> Used Docker for development but quickly realized if you want to run containers in production you need orchestration</a:t>
+              <a:t> Used Docker for development but quickly realized if you want </a:t>
+            </a:r>
+            <a:r>
+              <a:rPr lang="en-US" dirty="0" smtClean="0">
+                <a:solidFill>
+                  <a:prstClr val="black"/>
+                </a:solidFill>
+              </a:rPr>
+              <a:t>to do </a:t>
+            </a:r>
+            <a:r>
+              <a:rPr lang="en-US" smtClean="0">
+                <a:solidFill>
+                  <a:prstClr val="black"/>
+                </a:solidFill>
+              </a:rPr>
+              <a:t>anything with containers you </a:t>
+            </a:r>
+            <a:r>
+              <a:rPr lang="en-US" dirty="0" smtClean="0">
+                <a:solidFill>
+                  <a:prstClr val="black"/>
+                </a:solidFill>
+              </a:rPr>
+              <a:t>need orchestration</a:t>
             </a:r>
           </a:p>
           <a:p>
@@ -5129,7 +5153,7 @@
         <p:spPr>
           <a:xfrm>
             <a:off x="1263242" y="1572798"/>
-            <a:ext cx="6705600" cy="3693319"/>
+            <a:ext cx="6705600" cy="3416320"/>
           </a:xfrm>
           <a:prstGeom prst="rect">
             <a:avLst/>
@@ -5207,16 +5231,6 @@
             <a:r>
               <a:rPr lang="en-US" dirty="0" smtClean="0"/>
               <a:t>  A VPC  </a:t>
-            </a:r>
-          </a:p>
-          <a:p>
-            <a:pPr lvl="1">
-              <a:buFont typeface="Arial" pitchFamily="34" charset="0"/>
-              <a:buChar char="•"/>
-            </a:pPr>
-            <a:r>
-              <a:rPr lang="en-US" dirty="0" smtClean="0"/>
-              <a:t>  An AWS EKS Cluster (installs Master Nodes)</a:t>
             </a:r>
           </a:p>
           <a:p>
@@ -5845,15 +5859,7 @@
             </a:pPr>
             <a:r>
               <a:rPr lang="en-US" dirty="0" smtClean="0"/>
-              <a:t>  To save time AWS EKS Cluster has already been configured using </a:t>
-            </a:r>
-            <a:r>
-              <a:rPr lang="en-US" dirty="0" smtClean="0"/>
-              <a:t>our </a:t>
-            </a:r>
-            <a:r>
-              <a:rPr lang="en-US" dirty="0" smtClean="0"/>
-              <a:t>AWS CloudFormation scripts and an EC2 instance created with our cloud-init script.</a:t>
+              <a:t>  To save time AWS EKS Cluster has already been configured using our AWS CloudFormation scripts and an EC2 instance created with our cloud-init script.</a:t>
             </a:r>
           </a:p>
           <a:p>

--- a/slides/AWS-EKS-Cluster-Quickstart.pptx
+++ b/slides/AWS-EKS-Cluster-Quickstart.pptx
@@ -207,7 +207,7 @@
             <a:fld id="{814910AB-AEF0-414C-82CB-791080B1186B}" type="datetimeFigureOut">
               <a:rPr lang="en-US" smtClean="0"/>
               <a:pPr/>
-              <a:t>8/13/2019</a:t>
+              <a:t>9/18/2019</a:t>
             </a:fld>
             <a:endParaRPr lang="en-US" dirty="0"/>
           </a:p>
@@ -374,7 +374,7 @@
             <a:fld id="{5B4AE38D-E020-46F3-803D-8636C5B7B74E}" type="datetimeFigureOut">
               <a:rPr lang="en-US" smtClean="0"/>
               <a:pPr/>
-              <a:t>8/13/2019</a:t>
+              <a:t>9/18/2019</a:t>
             </a:fld>
             <a:endParaRPr lang="en-US" dirty="0"/>
           </a:p>
@@ -1082,7 +1082,7 @@
             <a:fld id="{7DDB771E-4AED-4DD3-8AA1-5D9FD2224F14}" type="datetimeFigureOut">
               <a:rPr lang="en-US" smtClean="0"/>
               <a:pPr/>
-              <a:t>8/13/2019</a:t>
+              <a:t>9/18/2019</a:t>
             </a:fld>
             <a:endParaRPr lang="en-US" dirty="0"/>
           </a:p>
@@ -1249,7 +1249,7 @@
             <a:fld id="{7DDB771E-4AED-4DD3-8AA1-5D9FD2224F14}" type="datetimeFigureOut">
               <a:rPr lang="en-US" smtClean="0"/>
               <a:pPr/>
-              <a:t>8/13/2019</a:t>
+              <a:t>9/18/2019</a:t>
             </a:fld>
             <a:endParaRPr lang="en-US" dirty="0"/>
           </a:p>
@@ -1426,7 +1426,7 @@
             <a:fld id="{7DDB771E-4AED-4DD3-8AA1-5D9FD2224F14}" type="datetimeFigureOut">
               <a:rPr lang="en-US" smtClean="0"/>
               <a:pPr/>
-              <a:t>8/13/2019</a:t>
+              <a:t>9/18/2019</a:t>
             </a:fld>
             <a:endParaRPr lang="en-US" dirty="0"/>
           </a:p>
@@ -1593,7 +1593,7 @@
             <a:fld id="{7DDB771E-4AED-4DD3-8AA1-5D9FD2224F14}" type="datetimeFigureOut">
               <a:rPr lang="en-US" smtClean="0"/>
               <a:pPr/>
-              <a:t>8/13/2019</a:t>
+              <a:t>9/18/2019</a:t>
             </a:fld>
             <a:endParaRPr lang="en-US" dirty="0"/>
           </a:p>
@@ -1836,7 +1836,7 @@
             <a:fld id="{7DDB771E-4AED-4DD3-8AA1-5D9FD2224F14}" type="datetimeFigureOut">
               <a:rPr lang="en-US" smtClean="0"/>
               <a:pPr/>
-              <a:t>8/13/2019</a:t>
+              <a:t>9/18/2019</a:t>
             </a:fld>
             <a:endParaRPr lang="en-US" dirty="0"/>
           </a:p>
@@ -2121,7 +2121,7 @@
             <a:fld id="{7DDB771E-4AED-4DD3-8AA1-5D9FD2224F14}" type="datetimeFigureOut">
               <a:rPr lang="en-US" smtClean="0"/>
               <a:pPr/>
-              <a:t>8/13/2019</a:t>
+              <a:t>9/18/2019</a:t>
             </a:fld>
             <a:endParaRPr lang="en-US" dirty="0"/>
           </a:p>
@@ -2540,7 +2540,7 @@
             <a:fld id="{7DDB771E-4AED-4DD3-8AA1-5D9FD2224F14}" type="datetimeFigureOut">
               <a:rPr lang="en-US" smtClean="0"/>
               <a:pPr/>
-              <a:t>8/13/2019</a:t>
+              <a:t>9/18/2019</a:t>
             </a:fld>
             <a:endParaRPr lang="en-US" dirty="0"/>
           </a:p>
@@ -2655,7 +2655,7 @@
             <a:fld id="{7DDB771E-4AED-4DD3-8AA1-5D9FD2224F14}" type="datetimeFigureOut">
               <a:rPr lang="en-US" smtClean="0"/>
               <a:pPr/>
-              <a:t>8/13/2019</a:t>
+              <a:t>9/18/2019</a:t>
             </a:fld>
             <a:endParaRPr lang="en-US" dirty="0"/>
           </a:p>
@@ -2747,7 +2747,7 @@
             <a:fld id="{7DDB771E-4AED-4DD3-8AA1-5D9FD2224F14}" type="datetimeFigureOut">
               <a:rPr lang="en-US" smtClean="0"/>
               <a:pPr/>
-              <a:t>8/13/2019</a:t>
+              <a:t>9/18/2019</a:t>
             </a:fld>
             <a:endParaRPr lang="en-US" dirty="0"/>
           </a:p>
@@ -3021,7 +3021,7 @@
             <a:fld id="{7DDB771E-4AED-4DD3-8AA1-5D9FD2224F14}" type="datetimeFigureOut">
               <a:rPr lang="en-US" smtClean="0"/>
               <a:pPr/>
-              <a:t>8/13/2019</a:t>
+              <a:t>9/18/2019</a:t>
             </a:fld>
             <a:endParaRPr lang="en-US" dirty="0"/>
           </a:p>
@@ -3271,7 +3271,7 @@
             <a:fld id="{7DDB771E-4AED-4DD3-8AA1-5D9FD2224F14}" type="datetimeFigureOut">
               <a:rPr lang="en-US" smtClean="0"/>
               <a:pPr/>
-              <a:t>8/13/2019</a:t>
+              <a:t>9/18/2019</a:t>
             </a:fld>
             <a:endParaRPr lang="en-US" dirty="0"/>
           </a:p>
@@ -3481,7 +3481,7 @@
             <a:fld id="{7DDB771E-4AED-4DD3-8AA1-5D9FD2224F14}" type="datetimeFigureOut">
               <a:rPr lang="en-US" smtClean="0"/>
               <a:pPr/>
-              <a:t>8/13/2019</a:t>
+              <a:t>9/18/2019</a:t>
             </a:fld>
             <a:endParaRPr lang="en-US" dirty="0"/>
           </a:p>
@@ -4069,7 +4069,7 @@
         <p:spPr>
           <a:xfrm>
             <a:off x="757367" y="1584186"/>
-            <a:ext cx="7515090" cy="2862322"/>
+            <a:ext cx="7515090" cy="3416320"/>
           </a:xfrm>
           <a:prstGeom prst="rect">
             <a:avLst/>
@@ -4192,8 +4192,42 @@
             </a:r>
             <a:r>
               <a:rPr lang="en-US" dirty="0" smtClean="0"/>
-              <a:t> Simple fast setup and configuration</a:t>
-            </a:r>
+              <a:t> Simple fast setup and </a:t>
+            </a:r>
+            <a:r>
+              <a:rPr lang="en-US" dirty="0" smtClean="0"/>
+              <a:t>configuration</a:t>
+            </a:r>
+          </a:p>
+          <a:p>
+            <a:pPr lvl="1">
+              <a:buFont typeface="Arial" pitchFamily="34" charset="0"/>
+              <a:buChar char="•"/>
+            </a:pPr>
+            <a:r>
+              <a:rPr lang="en-US" dirty="0"/>
+              <a:t> </a:t>
+            </a:r>
+            <a:r>
+              <a:rPr lang="en-US" dirty="0" smtClean="0"/>
+              <a:t> DevOps oriented</a:t>
+            </a:r>
+            <a:endParaRPr lang="en-US" dirty="0" smtClean="0"/>
+          </a:p>
+          <a:p>
+            <a:pPr lvl="1">
+              <a:buFont typeface="Arial" pitchFamily="34" charset="0"/>
+              <a:buChar char="•"/>
+            </a:pPr>
+            <a:r>
+              <a:rPr lang="en-US" dirty="0"/>
+              <a:t> </a:t>
+            </a:r>
+            <a:r>
+              <a:rPr lang="en-US" dirty="0" smtClean="0"/>
+              <a:t> On Demand</a:t>
+            </a:r>
+            <a:endParaRPr lang="en-US" dirty="0" smtClean="0"/>
           </a:p>
         </p:txBody>
       </p:sp>
@@ -4504,7 +4538,7 @@
                   <a:prstClr val="black"/>
                 </a:solidFill>
               </a:rPr>
-              <a:t> Used Docker for development but quickly realized if you want </a:t>
+              <a:t> Used Docker for development but quickly realized if you want to do anything </a:t>
             </a:r>
             <a:r>
               <a:rPr lang="en-US" dirty="0" smtClean="0">
@@ -4512,15 +4546,7 @@
                   <a:prstClr val="black"/>
                 </a:solidFill>
               </a:rPr>
-              <a:t>to do </a:t>
-            </a:r>
-            <a:r>
-              <a:rPr lang="en-US" smtClean="0">
-                <a:solidFill>
-                  <a:prstClr val="black"/>
-                </a:solidFill>
-              </a:rPr>
-              <a:t>anything with containers you </a:t>
+              <a:t>serious with </a:t>
             </a:r>
             <a:r>
               <a:rPr lang="en-US" dirty="0" smtClean="0">
@@ -4528,7 +4554,7 @@
                   <a:prstClr val="black"/>
                 </a:solidFill>
               </a:rPr>
-              <a:t>need orchestration</a:t>
+              <a:t>containers you need orchestration</a:t>
             </a:r>
           </a:p>
           <a:p>
@@ -5210,7 +5236,7 @@
             </a:pPr>
             <a:r>
               <a:rPr lang="en-US" dirty="0" smtClean="0"/>
-              <a:t>  Required Cluster Resources</a:t>
+              <a:t>  Required Cluster Resources (Customer Responsibility)</a:t>
             </a:r>
           </a:p>
           <a:p>

--- a/slides/AWS-EKS-Cluster-Quickstart.pptx
+++ b/slides/AWS-EKS-Cluster-Quickstart.pptx
@@ -207,7 +207,7 @@
             <a:fld id="{814910AB-AEF0-414C-82CB-791080B1186B}" type="datetimeFigureOut">
               <a:rPr lang="en-US" smtClean="0"/>
               <a:pPr/>
-              <a:t>9/18/2019</a:t>
+              <a:t>9/19/2019</a:t>
             </a:fld>
             <a:endParaRPr lang="en-US" dirty="0"/>
           </a:p>
@@ -374,7 +374,7 @@
             <a:fld id="{5B4AE38D-E020-46F3-803D-8636C5B7B74E}" type="datetimeFigureOut">
               <a:rPr lang="en-US" smtClean="0"/>
               <a:pPr/>
-              <a:t>9/18/2019</a:t>
+              <a:t>9/19/2019</a:t>
             </a:fld>
             <a:endParaRPr lang="en-US" dirty="0"/>
           </a:p>
@@ -1082,7 +1082,7 @@
             <a:fld id="{7DDB771E-4AED-4DD3-8AA1-5D9FD2224F14}" type="datetimeFigureOut">
               <a:rPr lang="en-US" smtClean="0"/>
               <a:pPr/>
-              <a:t>9/18/2019</a:t>
+              <a:t>9/19/2019</a:t>
             </a:fld>
             <a:endParaRPr lang="en-US" dirty="0"/>
           </a:p>
@@ -1249,7 +1249,7 @@
             <a:fld id="{7DDB771E-4AED-4DD3-8AA1-5D9FD2224F14}" type="datetimeFigureOut">
               <a:rPr lang="en-US" smtClean="0"/>
               <a:pPr/>
-              <a:t>9/18/2019</a:t>
+              <a:t>9/19/2019</a:t>
             </a:fld>
             <a:endParaRPr lang="en-US" dirty="0"/>
           </a:p>
@@ -1426,7 +1426,7 @@
             <a:fld id="{7DDB771E-4AED-4DD3-8AA1-5D9FD2224F14}" type="datetimeFigureOut">
               <a:rPr lang="en-US" smtClean="0"/>
               <a:pPr/>
-              <a:t>9/18/2019</a:t>
+              <a:t>9/19/2019</a:t>
             </a:fld>
             <a:endParaRPr lang="en-US" dirty="0"/>
           </a:p>
@@ -1593,7 +1593,7 @@
             <a:fld id="{7DDB771E-4AED-4DD3-8AA1-5D9FD2224F14}" type="datetimeFigureOut">
               <a:rPr lang="en-US" smtClean="0"/>
               <a:pPr/>
-              <a:t>9/18/2019</a:t>
+              <a:t>9/19/2019</a:t>
             </a:fld>
             <a:endParaRPr lang="en-US" dirty="0"/>
           </a:p>
@@ -1836,7 +1836,7 @@
             <a:fld id="{7DDB771E-4AED-4DD3-8AA1-5D9FD2224F14}" type="datetimeFigureOut">
               <a:rPr lang="en-US" smtClean="0"/>
               <a:pPr/>
-              <a:t>9/18/2019</a:t>
+              <a:t>9/19/2019</a:t>
             </a:fld>
             <a:endParaRPr lang="en-US" dirty="0"/>
           </a:p>
@@ -2121,7 +2121,7 @@
             <a:fld id="{7DDB771E-4AED-4DD3-8AA1-5D9FD2224F14}" type="datetimeFigureOut">
               <a:rPr lang="en-US" smtClean="0"/>
               <a:pPr/>
-              <a:t>9/18/2019</a:t>
+              <a:t>9/19/2019</a:t>
             </a:fld>
             <a:endParaRPr lang="en-US" dirty="0"/>
           </a:p>
@@ -2540,7 +2540,7 @@
             <a:fld id="{7DDB771E-4AED-4DD3-8AA1-5D9FD2224F14}" type="datetimeFigureOut">
               <a:rPr lang="en-US" smtClean="0"/>
               <a:pPr/>
-              <a:t>9/18/2019</a:t>
+              <a:t>9/19/2019</a:t>
             </a:fld>
             <a:endParaRPr lang="en-US" dirty="0"/>
           </a:p>
@@ -2655,7 +2655,7 @@
             <a:fld id="{7DDB771E-4AED-4DD3-8AA1-5D9FD2224F14}" type="datetimeFigureOut">
               <a:rPr lang="en-US" smtClean="0"/>
               <a:pPr/>
-              <a:t>9/18/2019</a:t>
+              <a:t>9/19/2019</a:t>
             </a:fld>
             <a:endParaRPr lang="en-US" dirty="0"/>
           </a:p>
@@ -2747,7 +2747,7 @@
             <a:fld id="{7DDB771E-4AED-4DD3-8AA1-5D9FD2224F14}" type="datetimeFigureOut">
               <a:rPr lang="en-US" smtClean="0"/>
               <a:pPr/>
-              <a:t>9/18/2019</a:t>
+              <a:t>9/19/2019</a:t>
             </a:fld>
             <a:endParaRPr lang="en-US" dirty="0"/>
           </a:p>
@@ -3021,7 +3021,7 @@
             <a:fld id="{7DDB771E-4AED-4DD3-8AA1-5D9FD2224F14}" type="datetimeFigureOut">
               <a:rPr lang="en-US" smtClean="0"/>
               <a:pPr/>
-              <a:t>9/18/2019</a:t>
+              <a:t>9/19/2019</a:t>
             </a:fld>
             <a:endParaRPr lang="en-US" dirty="0"/>
           </a:p>
@@ -3271,7 +3271,7 @@
             <a:fld id="{7DDB771E-4AED-4DD3-8AA1-5D9FD2224F14}" type="datetimeFigureOut">
               <a:rPr lang="en-US" smtClean="0"/>
               <a:pPr/>
-              <a:t>9/18/2019</a:t>
+              <a:t>9/19/2019</a:t>
             </a:fld>
             <a:endParaRPr lang="en-US" dirty="0"/>
           </a:p>
@@ -3481,7 +3481,7 @@
             <a:fld id="{7DDB771E-4AED-4DD3-8AA1-5D9FD2224F14}" type="datetimeFigureOut">
               <a:rPr lang="en-US" smtClean="0"/>
               <a:pPr/>
-              <a:t>9/18/2019</a:t>
+              <a:t>9/19/2019</a:t>
             </a:fld>
             <a:endParaRPr lang="en-US" dirty="0"/>
           </a:p>
@@ -4102,15 +4102,15 @@
             </a:r>
             <a:r>
               <a:rPr lang="en-US" dirty="0" smtClean="0"/>
-              <a:t>Unfortunately configuring AWS EKS is still a </a:t>
-            </a:r>
-            <a:r>
-              <a:rPr lang="en-US" dirty="0"/>
-              <a:t>pretty </a:t>
-            </a:r>
-            <a:r>
-              <a:rPr lang="en-US" dirty="0" smtClean="0"/>
-              <a:t>much manual steps right now, not what I would expect for a AWS Managed Service</a:t>
+              <a:t>Unfortunately configuring AWS EKS is still </a:t>
+            </a:r>
+            <a:r>
+              <a:rPr lang="en-US" dirty="0" smtClean="0"/>
+              <a:t>requires a few manual </a:t>
+            </a:r>
+            <a:r>
+              <a:rPr lang="en-US" dirty="0" smtClean="0"/>
+              <a:t>steps right now, not what I would expect for a AWS Managed Service</a:t>
             </a:r>
           </a:p>
           <a:p>
@@ -4124,8 +4124,13 @@
             </a:r>
             <a:r>
               <a:rPr lang="en-US" dirty="0" smtClean="0"/>
-              <a:t> We’ve created CloudFormation and EC2 cloud-init scripts to speed the process which was used for this demo</a:t>
-            </a:r>
+              <a:t> We’ve created CloudFormation and EC2 cloud-init scripts to speed the </a:t>
+            </a:r>
+            <a:r>
+              <a:rPr lang="en-US" dirty="0" smtClean="0"/>
+              <a:t>process</a:t>
+            </a:r>
+            <a:endParaRPr lang="en-US" dirty="0" smtClean="0"/>
           </a:p>
           <a:p>
             <a:pPr lvl="1">
@@ -4192,11 +4197,7 @@
             </a:r>
             <a:r>
               <a:rPr lang="en-US" dirty="0" smtClean="0"/>
-              <a:t> Simple fast setup and </a:t>
-            </a:r>
-            <a:r>
-              <a:rPr lang="en-US" dirty="0" smtClean="0"/>
-              <a:t>configuration</a:t>
+              <a:t> Simple fast setup and configuration</a:t>
             </a:r>
           </a:p>
           <a:p>
@@ -4212,7 +4213,6 @@
               <a:rPr lang="en-US" dirty="0" smtClean="0"/>
               <a:t> DevOps oriented</a:t>
             </a:r>
-            <a:endParaRPr lang="en-US" dirty="0" smtClean="0"/>
           </a:p>
           <a:p>
             <a:pPr lvl="1">
@@ -4227,7 +4227,6 @@
               <a:rPr lang="en-US" dirty="0" smtClean="0"/>
               <a:t> On Demand</a:t>
             </a:r>
-            <a:endParaRPr lang="en-US" dirty="0" smtClean="0"/>
           </a:p>
         </p:txBody>
       </p:sp>
@@ -4538,23 +4537,7 @@
                   <a:prstClr val="black"/>
                 </a:solidFill>
               </a:rPr>
-              <a:t> Used Docker for development but quickly realized if you want to do anything </a:t>
-            </a:r>
-            <a:r>
-              <a:rPr lang="en-US" dirty="0" smtClean="0">
-                <a:solidFill>
-                  <a:prstClr val="black"/>
-                </a:solidFill>
-              </a:rPr>
-              <a:t>serious with </a:t>
-            </a:r>
-            <a:r>
-              <a:rPr lang="en-US" dirty="0" smtClean="0">
-                <a:solidFill>
-                  <a:prstClr val="black"/>
-                </a:solidFill>
-              </a:rPr>
-              <a:t>containers you need orchestration</a:t>
+              <a:t> Used Docker for development but quickly realized if you want to do anything serious with containers you need orchestration</a:t>
             </a:r>
           </a:p>
           <a:p>
